--- a/3차발표_13(정혜진,김남주,이지열).pptx
+++ b/3차발표_13(정혜진,김남주,이지열).pptx
@@ -5,7 +5,7 @@
     <p:sldMasterId id="2147483977" r:id="rId1"/>
   </p:sldMasterIdLst>
   <p:notesMasterIdLst>
-    <p:notesMasterId r:id="rId23"/>
+    <p:notesMasterId r:id="rId21"/>
   </p:notesMasterIdLst>
   <p:sldIdLst>
     <p:sldId id="256" r:id="rId2"/>
@@ -21,14 +21,12 @@
     <p:sldId id="272" r:id="rId12"/>
     <p:sldId id="298" r:id="rId13"/>
     <p:sldId id="264" r:id="rId14"/>
-    <p:sldId id="303" r:id="rId15"/>
-    <p:sldId id="302" r:id="rId16"/>
-    <p:sldId id="305" r:id="rId17"/>
-    <p:sldId id="307" r:id="rId18"/>
-    <p:sldId id="277" r:id="rId19"/>
-    <p:sldId id="266" r:id="rId20"/>
-    <p:sldId id="267" r:id="rId21"/>
-    <p:sldId id="268" r:id="rId22"/>
+    <p:sldId id="302" r:id="rId15"/>
+    <p:sldId id="309" r:id="rId16"/>
+    <p:sldId id="277" r:id="rId17"/>
+    <p:sldId id="266" r:id="rId18"/>
+    <p:sldId id="267" r:id="rId19"/>
+    <p:sldId id="268" r:id="rId20"/>
   </p:sldIdLst>
   <p:sldSz cx="12192000" cy="6858000"/>
   <p:notesSz cx="6858000" cy="9144000"/>
@@ -217,7 +215,7 @@
           <a:p>
             <a:fld id="{6C0356F2-8845-425B-AC48-38F803C4E8EA}" type="datetimeFigureOut">
               <a:rPr lang="ko-KR" altLang="en-US" smtClean="0"/>
-              <a:t>2017-04-13</a:t>
+              <a:t>2017-04-27</a:t>
             </a:fld>
             <a:endParaRPr lang="ko-KR" altLang="en-US"/>
           </a:p>
@@ -710,7 +708,7 @@
           <a:p>
             <a:fld id="{AF1A5D99-94F5-43D9-8970-150E06601E6A}" type="datetime1">
               <a:rPr lang="ko-KR" altLang="en-US" smtClean="0"/>
-              <a:t>2017-04-13</a:t>
+              <a:t>2017-04-27</a:t>
             </a:fld>
             <a:endParaRPr lang="ko-KR" altLang="en-US"/>
           </a:p>
@@ -934,7 +932,7 @@
           <a:p>
             <a:fld id="{7BD1C170-B904-4DD4-BE84-CEA6F0E108C6}" type="datetime1">
               <a:rPr lang="ko-KR" altLang="en-US" smtClean="0"/>
-              <a:t>2017-04-13</a:t>
+              <a:t>2017-04-27</a:t>
             </a:fld>
             <a:endParaRPr lang="ko-KR" altLang="en-US"/>
           </a:p>
@@ -1206,7 +1204,7 @@
           <a:p>
             <a:fld id="{867A165A-82E0-4AAA-8452-B3FFC31DCA17}" type="datetime1">
               <a:rPr lang="ko-KR" altLang="en-US" smtClean="0"/>
-              <a:t>2017-04-13</a:t>
+              <a:t>2017-04-27</a:t>
             </a:fld>
             <a:endParaRPr lang="ko-KR" altLang="en-US"/>
           </a:p>
@@ -1392,7 +1390,7 @@
           <a:p>
             <a:fld id="{895144FC-BCAC-4F32-94CF-102E36C04E0E}" type="datetime1">
               <a:rPr lang="ko-KR" altLang="en-US" smtClean="0"/>
-              <a:t>2017-04-13</a:t>
+              <a:t>2017-04-27</a:t>
             </a:fld>
             <a:endParaRPr lang="ko-KR" altLang="en-US"/>
           </a:p>
@@ -1751,7 +1749,7 @@
           <a:p>
             <a:fld id="{83EA475A-A981-48CA-9A61-92687527355E}" type="datetime1">
               <a:rPr lang="ko-KR" altLang="en-US" smtClean="0"/>
-              <a:t>2017-04-13</a:t>
+              <a:t>2017-04-27</a:t>
             </a:fld>
             <a:endParaRPr lang="ko-KR" altLang="en-US"/>
           </a:p>
@@ -2042,7 +2040,7 @@
           <a:p>
             <a:fld id="{7E06D4DA-5656-4214-87A3-7A06C2C65F93}" type="datetime1">
               <a:rPr lang="ko-KR" altLang="en-US" smtClean="0"/>
-              <a:t>2017-04-13</a:t>
+              <a:t>2017-04-27</a:t>
             </a:fld>
             <a:endParaRPr lang="ko-KR" altLang="en-US"/>
           </a:p>
@@ -2437,7 +2435,7 @@
           <a:p>
             <a:fld id="{0CB741CD-4AA8-45CC-95E7-755724A89C2F}" type="datetime1">
               <a:rPr lang="ko-KR" altLang="en-US" smtClean="0"/>
-              <a:t>2017-04-13</a:t>
+              <a:t>2017-04-27</a:t>
             </a:fld>
             <a:endParaRPr lang="ko-KR" altLang="en-US"/>
           </a:p>
@@ -2571,7 +2569,7 @@
           <a:p>
             <a:fld id="{81E37052-5EBB-4083-8D51-4FB72F34B398}" type="datetime1">
               <a:rPr lang="ko-KR" altLang="en-US" smtClean="0"/>
-              <a:t>2017-04-13</a:t>
+              <a:t>2017-04-27</a:t>
             </a:fld>
             <a:endParaRPr lang="ko-KR" altLang="en-US"/>
           </a:p>
@@ -2758,7 +2756,7 @@
           <a:p>
             <a:fld id="{F0587D6F-B883-4BBB-A62E-81CB176EEE1D}" type="datetime1">
               <a:rPr lang="ko-KR" altLang="en-US" smtClean="0"/>
-              <a:t>2017-04-13</a:t>
+              <a:t>2017-04-27</a:t>
             </a:fld>
             <a:endParaRPr lang="ko-KR" altLang="en-US"/>
           </a:p>
@@ -3128,7 +3126,7 @@
           <a:p>
             <a:fld id="{72B77004-E0D1-4D62-AC8E-CD6F9B1B59FA}" type="datetime1">
               <a:rPr lang="ko-KR" altLang="en-US" smtClean="0"/>
-              <a:t>2017-04-13</a:t>
+              <a:t>2017-04-27</a:t>
             </a:fld>
             <a:endParaRPr lang="ko-KR" altLang="en-US"/>
           </a:p>
@@ -3521,7 +3519,7 @@
           <a:p>
             <a:fld id="{60EF9224-4757-420A-A5BD-49A859CCDDBB}" type="datetime1">
               <a:rPr lang="ko-KR" altLang="en-US" smtClean="0"/>
-              <a:t>2017-04-13</a:t>
+              <a:t>2017-04-27</a:t>
             </a:fld>
             <a:endParaRPr lang="ko-KR" altLang="en-US"/>
           </a:p>
@@ -3824,7 +3822,7 @@
           <a:p>
             <a:fld id="{91090BFC-B908-4FF8-8260-9112C2839C11}" type="datetime1">
               <a:rPr lang="ko-KR" altLang="en-US" smtClean="0"/>
-              <a:t>2017-04-13</a:t>
+              <a:t>2017-04-27</a:t>
             </a:fld>
             <a:endParaRPr lang="ko-KR" altLang="en-US"/>
           </a:p>
@@ -9231,496 +9229,1205 @@
           </a:p>
         </p:txBody>
       </p:sp>
+      <p:graphicFrame>
+        <p:nvGraphicFramePr>
+          <p:cNvPr id="11" name="표 10"/>
+          <p:cNvGraphicFramePr>
+            <a:graphicFrameLocks noGrp="1"/>
+          </p:cNvGraphicFramePr>
+          <p:nvPr>
+            <p:extLst>
+              <p:ext uri="{D42A27DB-BD31-4B8C-83A1-F6EECF244321}">
+                <p14:modId xmlns:p14="http://schemas.microsoft.com/office/powerpoint/2010/main" val="165193552"/>
+              </p:ext>
+            </p:extLst>
+          </p:nvPr>
+        </p:nvGraphicFramePr>
+        <p:xfrm>
+          <a:off x="2441754" y="1855012"/>
+          <a:ext cx="8713926" cy="4377112"/>
+        </p:xfrm>
+        <a:graphic>
+          <a:graphicData uri="http://schemas.openxmlformats.org/drawingml/2006/table">
+            <a:tbl>
+              <a:tblPr firstRow="1" bandRow="1">
+                <a:tableStyleId>{5C22544A-7EE6-4342-B048-85BDC9FD1C3A}</a:tableStyleId>
+              </a:tblPr>
+              <a:tblGrid>
+                <a:gridCol w="2904642">
+                  <a:extLst>
+                    <a:ext uri="{9D8B030D-6E8A-4147-A177-3AD203B41FA5}">
+                      <a16:colId xmlns:a16="http://schemas.microsoft.com/office/drawing/2014/main" val="866492935"/>
+                    </a:ext>
+                  </a:extLst>
+                </a:gridCol>
+                <a:gridCol w="2904642">
+                  <a:extLst>
+                    <a:ext uri="{9D8B030D-6E8A-4147-A177-3AD203B41FA5}">
+                      <a16:colId xmlns:a16="http://schemas.microsoft.com/office/drawing/2014/main" val="2866938355"/>
+                    </a:ext>
+                  </a:extLst>
+                </a:gridCol>
+                <a:gridCol w="2904642">
+                  <a:extLst>
+                    <a:ext uri="{9D8B030D-6E8A-4147-A177-3AD203B41FA5}">
+                      <a16:colId xmlns:a16="http://schemas.microsoft.com/office/drawing/2014/main" val="3164153899"/>
+                    </a:ext>
+                  </a:extLst>
+                </a:gridCol>
+              </a:tblGrid>
+              <a:tr h="424287">
+                <a:tc>
+                  <a:txBody>
+                    <a:bodyPr/>
+                    <a:lstStyle/>
+                    <a:p>
+                      <a:pPr algn="ctr" latinLnBrk="1"/>
+                      <a:r>
+                        <a:rPr lang="ko-KR" altLang="en-US" sz="1800" b="1" dirty="0">
+                          <a:solidFill>
+                            <a:schemeClr val="bg1"/>
+                          </a:solidFill>
+                        </a:rPr>
+                        <a:t>개발 완료한 기능 </a:t>
+                      </a:r>
+                      <a:endParaRPr lang="ko-KR" altLang="en-US" dirty="0">
+                        <a:solidFill>
+                          <a:schemeClr val="bg1"/>
+                        </a:solidFill>
+                      </a:endParaRPr>
+                    </a:p>
+                  </a:txBody>
+                  <a:tcPr/>
+                </a:tc>
+                <a:tc>
+                  <a:txBody>
+                    <a:bodyPr/>
+                    <a:lstStyle/>
+                    <a:p>
+                      <a:pPr algn="ctr" latinLnBrk="1"/>
+                      <a:r>
+                        <a:rPr lang="ko-KR" altLang="en-US" sz="1800" b="1" dirty="0">
+                          <a:solidFill>
+                            <a:schemeClr val="bg1"/>
+                          </a:solidFill>
+                        </a:rPr>
+                        <a:t>개발할 기능 </a:t>
+                      </a:r>
+                      <a:endParaRPr lang="ko-KR" altLang="en-US" dirty="0">
+                        <a:solidFill>
+                          <a:schemeClr val="bg1"/>
+                        </a:solidFill>
+                      </a:endParaRPr>
+                    </a:p>
+                  </a:txBody>
+                  <a:tcPr/>
+                </a:tc>
+                <a:tc>
+                  <a:txBody>
+                    <a:bodyPr/>
+                    <a:lstStyle/>
+                    <a:p>
+                      <a:pPr algn="ctr" latinLnBrk="1"/>
+                      <a:r>
+                        <a:rPr lang="ko-KR" altLang="en-US" sz="1800" b="1" dirty="0">
+                          <a:solidFill>
+                            <a:schemeClr val="bg1"/>
+                          </a:solidFill>
+                        </a:rPr>
+                        <a:t>개발에서 제외할 기능 </a:t>
+                      </a:r>
+                      <a:endParaRPr lang="ko-KR" altLang="en-US" dirty="0">
+                        <a:solidFill>
+                          <a:schemeClr val="bg1"/>
+                        </a:solidFill>
+                      </a:endParaRPr>
+                    </a:p>
+                  </a:txBody>
+                  <a:tcPr/>
+                </a:tc>
+                <a:extLst>
+                  <a:ext uri="{0D108BD9-81ED-4DB2-BD59-A6C34878D82A}">
+                    <a16:rowId xmlns:a16="http://schemas.microsoft.com/office/drawing/2014/main" val="1376537564"/>
+                  </a:ext>
+                </a:extLst>
+              </a:tr>
+              <a:tr h="3952825">
+                <a:tc>
+                  <a:txBody>
+                    <a:bodyPr/>
+                    <a:lstStyle/>
+                    <a:p>
+                      <a:pPr marL="0" indent="0">
+                        <a:buFont typeface="Wingdings" panose="05000000000000000000" pitchFamily="2" charset="2"/>
+                        <a:buNone/>
+                      </a:pPr>
+                      <a:r>
+                        <a:rPr lang="en-US" altLang="ko-KR" sz="1500" b="0" i="0" dirty="0">
+                          <a:solidFill>
+                            <a:schemeClr val="tx1"/>
+                          </a:solidFill>
+                          <a:latin typeface="+mn-ea"/>
+                          <a:ea typeface="+mn-ea"/>
+                        </a:rPr>
+                        <a:t>----------</a:t>
+                      </a:r>
+                      <a:r>
+                        <a:rPr lang="ko-KR" altLang="en-US" sz="1500" b="0" i="0" dirty="0">
+                          <a:solidFill>
+                            <a:schemeClr val="tx1"/>
+                          </a:solidFill>
+                          <a:latin typeface="+mn-ea"/>
+                          <a:ea typeface="+mn-ea"/>
+                        </a:rPr>
+                        <a:t>파일</a:t>
+                      </a:r>
+                      <a:r>
+                        <a:rPr lang="en-US" altLang="ko-KR" sz="1500" b="0" i="0" dirty="0">
+                          <a:solidFill>
+                            <a:schemeClr val="tx1"/>
+                          </a:solidFill>
+                          <a:latin typeface="+mn-ea"/>
+                          <a:ea typeface="+mn-ea"/>
+                        </a:rPr>
+                        <a:t>----------</a:t>
+                      </a:r>
+                    </a:p>
+                    <a:p>
+                      <a:pPr marL="285750" indent="-285750">
+                        <a:buFont typeface="Wingdings" panose="05000000000000000000" pitchFamily="2" charset="2"/>
+                        <a:buChar char="ü"/>
+                      </a:pPr>
+                      <a:r>
+                        <a:rPr lang="ko-KR" altLang="en-US" sz="1500" b="0" i="0" dirty="0">
+                          <a:solidFill>
+                            <a:schemeClr val="tx1"/>
+                          </a:solidFill>
+                          <a:latin typeface="+mn-ea"/>
+                          <a:ea typeface="+mn-ea"/>
+                        </a:rPr>
+                        <a:t>새로 만들기 </a:t>
+                      </a:r>
+                      <a:r>
+                        <a:rPr lang="en-US" altLang="ko-KR" sz="1500" b="0" i="0" dirty="0">
+                          <a:solidFill>
+                            <a:schemeClr val="tx1"/>
+                          </a:solidFill>
+                          <a:latin typeface="+mn-ea"/>
+                          <a:ea typeface="+mn-ea"/>
+                        </a:rPr>
+                        <a:t>(</a:t>
+                      </a:r>
+                      <a:r>
+                        <a:rPr lang="en-US" altLang="ko-KR" sz="1500" b="0" i="0" dirty="0" err="1">
+                          <a:solidFill>
+                            <a:schemeClr val="tx1"/>
+                          </a:solidFill>
+                          <a:latin typeface="+mn-ea"/>
+                          <a:ea typeface="+mn-ea"/>
+                        </a:rPr>
+                        <a:t>Ctrl+N</a:t>
+                      </a:r>
+                      <a:r>
+                        <a:rPr lang="en-US" altLang="ko-KR" sz="1500" b="0" i="0" dirty="0">
+                          <a:solidFill>
+                            <a:schemeClr val="tx1"/>
+                          </a:solidFill>
+                          <a:latin typeface="+mn-ea"/>
+                          <a:ea typeface="+mn-ea"/>
+                        </a:rPr>
+                        <a:t>)</a:t>
+                      </a:r>
+                    </a:p>
+                    <a:p>
+                      <a:pPr marL="285750" indent="-285750">
+                        <a:buFont typeface="Wingdings" panose="05000000000000000000" pitchFamily="2" charset="2"/>
+                        <a:buChar char="ü"/>
+                      </a:pPr>
+                      <a:r>
+                        <a:rPr lang="ko-KR" altLang="en-US" sz="1500" b="0" i="0" dirty="0">
+                          <a:solidFill>
+                            <a:schemeClr val="tx1"/>
+                          </a:solidFill>
+                          <a:latin typeface="+mn-ea"/>
+                          <a:ea typeface="+mn-ea"/>
+                        </a:rPr>
+                        <a:t>열기 </a:t>
+                      </a:r>
+                      <a:r>
+                        <a:rPr lang="en-US" altLang="ko-KR" sz="1500" b="0" i="0" dirty="0">
+                          <a:solidFill>
+                            <a:schemeClr val="tx1"/>
+                          </a:solidFill>
+                          <a:latin typeface="+mn-ea"/>
+                          <a:ea typeface="+mn-ea"/>
+                        </a:rPr>
+                        <a:t>(</a:t>
+                      </a:r>
+                      <a:r>
+                        <a:rPr lang="en-US" altLang="ko-KR" sz="1500" b="0" i="0" dirty="0" err="1">
+                          <a:solidFill>
+                            <a:schemeClr val="tx1"/>
+                          </a:solidFill>
+                          <a:latin typeface="+mn-ea"/>
+                          <a:ea typeface="+mn-ea"/>
+                        </a:rPr>
+                        <a:t>Ctrl+O</a:t>
+                      </a:r>
+                      <a:r>
+                        <a:rPr lang="en-US" altLang="ko-KR" sz="1500" b="0" i="0" dirty="0">
+                          <a:solidFill>
+                            <a:schemeClr val="tx1"/>
+                          </a:solidFill>
+                          <a:latin typeface="+mn-ea"/>
+                          <a:ea typeface="+mn-ea"/>
+                        </a:rPr>
+                        <a:t>)</a:t>
+                      </a:r>
+                    </a:p>
+                    <a:p>
+                      <a:pPr marL="457200" lvl="1" indent="0">
+                        <a:buFont typeface="Wingdings" panose="05000000000000000000" pitchFamily="2" charset="2"/>
+                        <a:buNone/>
+                      </a:pPr>
+                      <a:r>
+                        <a:rPr lang="en-US" altLang="ko-KR" sz="1400" b="0" i="0" dirty="0" err="1">
+                          <a:solidFill>
+                            <a:schemeClr val="tx1"/>
+                          </a:solidFill>
+                          <a:latin typeface="+mn-ea"/>
+                          <a:ea typeface="+mn-ea"/>
+                        </a:rPr>
+                        <a:t>OpenFileDialog</a:t>
+                      </a:r>
+                      <a:endParaRPr lang="en-US" altLang="ko-KR" sz="1400" b="0" i="0" dirty="0">
+                        <a:solidFill>
+                          <a:schemeClr val="tx1"/>
+                        </a:solidFill>
+                        <a:latin typeface="+mn-ea"/>
+                        <a:ea typeface="+mn-ea"/>
+                      </a:endParaRPr>
+                    </a:p>
+                    <a:p>
+                      <a:pPr marL="285750" indent="-285750">
+                        <a:buFont typeface="Wingdings" panose="05000000000000000000" pitchFamily="2" charset="2"/>
+                        <a:buChar char="ü"/>
+                      </a:pPr>
+                      <a:r>
+                        <a:rPr lang="ko-KR" altLang="en-US" sz="1500" b="0" i="0" dirty="0">
+                          <a:solidFill>
+                            <a:schemeClr val="tx1"/>
+                          </a:solidFill>
+                          <a:latin typeface="+mn-ea"/>
+                          <a:ea typeface="+mn-ea"/>
+                        </a:rPr>
+                        <a:t>저장 </a:t>
+                      </a:r>
+                      <a:r>
+                        <a:rPr lang="en-US" altLang="ko-KR" sz="1500" b="0" i="0" dirty="0">
+                          <a:solidFill>
+                            <a:schemeClr val="tx1"/>
+                          </a:solidFill>
+                          <a:latin typeface="+mn-ea"/>
+                          <a:ea typeface="+mn-ea"/>
+                        </a:rPr>
+                        <a:t>(</a:t>
+                      </a:r>
+                      <a:r>
+                        <a:rPr lang="en-US" altLang="ko-KR" sz="1500" b="0" i="0" dirty="0" err="1">
+                          <a:solidFill>
+                            <a:schemeClr val="tx1"/>
+                          </a:solidFill>
+                          <a:latin typeface="+mn-ea"/>
+                          <a:ea typeface="+mn-ea"/>
+                        </a:rPr>
+                        <a:t>Ctrl+S</a:t>
+                      </a:r>
+                      <a:r>
+                        <a:rPr lang="en-US" altLang="ko-KR" sz="1500" b="0" i="0" dirty="0">
+                          <a:solidFill>
+                            <a:schemeClr val="tx1"/>
+                          </a:solidFill>
+                          <a:latin typeface="+mn-ea"/>
+                          <a:ea typeface="+mn-ea"/>
+                        </a:rPr>
+                        <a:t>)</a:t>
+                      </a:r>
+                    </a:p>
+                    <a:p>
+                      <a:pPr marL="457200" lvl="1" indent="0">
+                        <a:buFont typeface="Wingdings" panose="05000000000000000000" pitchFamily="2" charset="2"/>
+                        <a:buNone/>
+                      </a:pPr>
+                      <a:r>
+                        <a:rPr lang="en-US" altLang="ko-KR" sz="1400" b="0" i="0" dirty="0" err="1">
+                          <a:solidFill>
+                            <a:schemeClr val="tx1"/>
+                          </a:solidFill>
+                          <a:latin typeface="+mn-ea"/>
+                          <a:ea typeface="+mn-ea"/>
+                        </a:rPr>
+                        <a:t>SaveFileDialog</a:t>
+                      </a:r>
+                      <a:endParaRPr lang="en-US" altLang="ko-KR" sz="1400" b="0" i="0" dirty="0">
+                        <a:solidFill>
+                          <a:schemeClr val="tx1"/>
+                        </a:solidFill>
+                        <a:latin typeface="+mn-ea"/>
+                        <a:ea typeface="+mn-ea"/>
+                      </a:endParaRPr>
+                    </a:p>
+                    <a:p>
+                      <a:pPr marL="285750" indent="-285750">
+                        <a:buFont typeface="Wingdings" panose="05000000000000000000" pitchFamily="2" charset="2"/>
+                        <a:buChar char="ü"/>
+                      </a:pPr>
+                      <a:r>
+                        <a:rPr lang="ko-KR" altLang="en-US" sz="1500" b="0" i="0" dirty="0">
+                          <a:solidFill>
+                            <a:schemeClr val="tx1"/>
+                          </a:solidFill>
+                          <a:latin typeface="+mn-ea"/>
+                          <a:ea typeface="+mn-ea"/>
+                        </a:rPr>
+                        <a:t>다른 이름으로 저장</a:t>
+                      </a:r>
+                      <a:endParaRPr lang="en-US" altLang="ko-KR" sz="1500" b="0" i="0" dirty="0">
+                        <a:solidFill>
+                          <a:schemeClr val="tx1"/>
+                        </a:solidFill>
+                        <a:latin typeface="+mn-ea"/>
+                        <a:ea typeface="+mn-ea"/>
+                      </a:endParaRPr>
+                    </a:p>
+                    <a:p>
+                      <a:pPr marL="285750" indent="-285750">
+                        <a:buFont typeface="Wingdings" panose="05000000000000000000" pitchFamily="2" charset="2"/>
+                        <a:buChar char="ü"/>
+                      </a:pPr>
+                      <a:r>
+                        <a:rPr lang="ko-KR" altLang="en-US" sz="1500" b="0" i="0" dirty="0">
+                          <a:solidFill>
+                            <a:schemeClr val="tx1"/>
+                          </a:solidFill>
+                          <a:latin typeface="+mn-ea"/>
+                          <a:ea typeface="+mn-ea"/>
+                        </a:rPr>
+                        <a:t>공유</a:t>
+                      </a:r>
+                      <a:endParaRPr lang="en-US" altLang="ko-KR" sz="1500" b="0" i="0" dirty="0">
+                        <a:solidFill>
+                          <a:schemeClr val="tx1"/>
+                        </a:solidFill>
+                        <a:latin typeface="+mn-ea"/>
+                        <a:ea typeface="+mn-ea"/>
+                      </a:endParaRPr>
+                    </a:p>
+                    <a:p>
+                      <a:pPr marL="285750" indent="-285750">
+                        <a:buFont typeface="Wingdings" panose="05000000000000000000" pitchFamily="2" charset="2"/>
+                        <a:buChar char="ü"/>
+                      </a:pPr>
+                      <a:endParaRPr lang="en-US" altLang="ko-KR" sz="1500" b="0" i="0" dirty="0">
+                        <a:solidFill>
+                          <a:schemeClr val="tx1"/>
+                        </a:solidFill>
+                        <a:latin typeface="+mn-ea"/>
+                        <a:ea typeface="+mn-ea"/>
+                      </a:endParaRPr>
+                    </a:p>
+                    <a:p>
+                      <a:pPr marL="0" indent="0">
+                        <a:buFont typeface="Wingdings" panose="05000000000000000000" pitchFamily="2" charset="2"/>
+                        <a:buNone/>
+                      </a:pPr>
+                      <a:r>
+                        <a:rPr lang="en-US" altLang="ko-KR" sz="1500" b="0" i="0" dirty="0">
+                          <a:solidFill>
+                            <a:schemeClr val="tx1"/>
+                          </a:solidFill>
+                          <a:latin typeface="+mn-ea"/>
+                          <a:ea typeface="+mn-ea"/>
+                        </a:rPr>
+                        <a:t>----------</a:t>
+                      </a:r>
+                      <a:r>
+                        <a:rPr lang="ko-KR" altLang="en-US" sz="1500" b="0" i="0" dirty="0">
+                          <a:solidFill>
+                            <a:schemeClr val="tx1"/>
+                          </a:solidFill>
+                          <a:latin typeface="+mn-ea"/>
+                          <a:ea typeface="+mn-ea"/>
+                        </a:rPr>
+                        <a:t>편집</a:t>
+                      </a:r>
+                      <a:r>
+                        <a:rPr lang="en-US" altLang="ko-KR" sz="1500" b="0" i="0" dirty="0">
+                          <a:solidFill>
+                            <a:schemeClr val="tx1"/>
+                          </a:solidFill>
+                          <a:latin typeface="+mn-ea"/>
+                          <a:ea typeface="+mn-ea"/>
+                        </a:rPr>
+                        <a:t>----------</a:t>
+                      </a:r>
+                    </a:p>
+                    <a:p>
+                      <a:pPr marL="285750" indent="-285750">
+                        <a:buFont typeface="Wingdings" panose="05000000000000000000" pitchFamily="2" charset="2"/>
+                        <a:buChar char="ü"/>
+                      </a:pPr>
+                      <a:r>
+                        <a:rPr lang="ko-KR" altLang="en-US" sz="1500" b="0" i="0" dirty="0">
+                          <a:solidFill>
+                            <a:schemeClr val="tx1"/>
+                          </a:solidFill>
+                          <a:latin typeface="+mn-ea"/>
+                          <a:ea typeface="+mn-ea"/>
+                        </a:rPr>
+                        <a:t>지우기 </a:t>
+                      </a:r>
+                      <a:r>
+                        <a:rPr lang="en-US" altLang="ko-KR" sz="1500" b="0" i="0" dirty="0">
+                          <a:solidFill>
+                            <a:schemeClr val="tx1"/>
+                          </a:solidFill>
+                          <a:latin typeface="+mn-ea"/>
+                          <a:ea typeface="+mn-ea"/>
+                        </a:rPr>
+                        <a:t>(</a:t>
+                      </a:r>
+                      <a:r>
+                        <a:rPr lang="en-US" altLang="ko-KR" sz="1500" b="0" i="0" dirty="0" err="1">
+                          <a:solidFill>
+                            <a:schemeClr val="tx1"/>
+                          </a:solidFill>
+                          <a:latin typeface="+mn-ea"/>
+                          <a:ea typeface="+mn-ea"/>
+                        </a:rPr>
+                        <a:t>Ctrl+R</a:t>
+                      </a:r>
+                      <a:r>
+                        <a:rPr lang="en-US" altLang="ko-KR" sz="1500" b="0" i="0" dirty="0">
+                          <a:solidFill>
+                            <a:schemeClr val="tx1"/>
+                          </a:solidFill>
+                          <a:latin typeface="+mn-ea"/>
+                          <a:ea typeface="+mn-ea"/>
+                        </a:rPr>
+                        <a:t>)</a:t>
+                      </a:r>
+                    </a:p>
+                    <a:p>
+                      <a:pPr marL="457200" lvl="1" indent="0">
+                        <a:buFont typeface="Wingdings" panose="05000000000000000000" pitchFamily="2" charset="2"/>
+                        <a:buNone/>
+                      </a:pPr>
+                      <a:r>
+                        <a:rPr lang="en-US" altLang="ko-KR" sz="1400" b="0" i="0" dirty="0">
+                          <a:solidFill>
+                            <a:schemeClr val="tx1"/>
+                          </a:solidFill>
+                          <a:latin typeface="+mn-ea"/>
+                          <a:ea typeface="+mn-ea"/>
+                        </a:rPr>
+                        <a:t>Medium eraser</a:t>
+                      </a:r>
+                    </a:p>
+                    <a:p>
+                      <a:pPr marL="457200" lvl="1" indent="0">
+                        <a:buFont typeface="Wingdings" panose="05000000000000000000" pitchFamily="2" charset="2"/>
+                        <a:buNone/>
+                      </a:pPr>
+                      <a:r>
+                        <a:rPr lang="en-US" altLang="ko-KR" sz="1400" b="0" i="0" dirty="0">
+                          <a:solidFill>
+                            <a:schemeClr val="tx1"/>
+                          </a:solidFill>
+                          <a:latin typeface="+mn-ea"/>
+                          <a:ea typeface="+mn-ea"/>
+                        </a:rPr>
+                        <a:t>Stroke eraser</a:t>
+                      </a:r>
+                    </a:p>
+                    <a:p>
+                      <a:pPr marL="285750" indent="-285750">
+                        <a:buFont typeface="Wingdings" panose="05000000000000000000" pitchFamily="2" charset="2"/>
+                        <a:buChar char="ü"/>
+                      </a:pPr>
+                      <a:r>
+                        <a:rPr lang="ko-KR" altLang="en-US" sz="1500" b="0" i="0" dirty="0">
+                          <a:solidFill>
+                            <a:schemeClr val="tx1"/>
+                          </a:solidFill>
+                          <a:latin typeface="+mn-ea"/>
+                          <a:ea typeface="+mn-ea"/>
+                        </a:rPr>
+                        <a:t>되돌리기 </a:t>
+                      </a:r>
+                      <a:r>
+                        <a:rPr lang="en-US" altLang="ko-KR" sz="1500" b="0" i="0" dirty="0">
+                          <a:solidFill>
+                            <a:schemeClr val="tx1"/>
+                          </a:solidFill>
+                          <a:latin typeface="+mn-ea"/>
+                          <a:ea typeface="+mn-ea"/>
+                        </a:rPr>
+                        <a:t>(</a:t>
+                      </a:r>
+                      <a:r>
+                        <a:rPr lang="en-US" altLang="ko-KR" sz="1500" b="0" i="0" dirty="0" err="1">
+                          <a:solidFill>
+                            <a:schemeClr val="tx1"/>
+                          </a:solidFill>
+                          <a:latin typeface="+mn-ea"/>
+                          <a:ea typeface="+mn-ea"/>
+                        </a:rPr>
+                        <a:t>Ctrl+Z</a:t>
+                      </a:r>
+                      <a:r>
+                        <a:rPr lang="en-US" altLang="ko-KR" sz="1500" b="0" i="0" dirty="0">
+                          <a:solidFill>
+                            <a:schemeClr val="tx1"/>
+                          </a:solidFill>
+                          <a:latin typeface="+mn-ea"/>
+                          <a:ea typeface="+mn-ea"/>
+                        </a:rPr>
+                        <a:t>) </a:t>
+                      </a:r>
+                    </a:p>
+                    <a:p>
+                      <a:pPr marL="457200" lvl="1" indent="0">
+                        <a:buFont typeface="Wingdings" panose="05000000000000000000" pitchFamily="2" charset="2"/>
+                        <a:buNone/>
+                      </a:pPr>
+                      <a:r>
+                        <a:rPr lang="en-US" altLang="ko-KR" sz="1400" b="0" i="0" dirty="0">
+                          <a:solidFill>
+                            <a:schemeClr val="tx1"/>
+                          </a:solidFill>
+                          <a:latin typeface="+mn-ea"/>
+                          <a:ea typeface="+mn-ea"/>
+                        </a:rPr>
+                        <a:t>+</a:t>
+                      </a:r>
+                      <a:r>
+                        <a:rPr lang="ko-KR" altLang="en-US" sz="1400" b="0" i="0" dirty="0">
+                          <a:solidFill>
+                            <a:schemeClr val="tx1"/>
+                          </a:solidFill>
+                          <a:latin typeface="+mn-ea"/>
+                          <a:ea typeface="+mn-ea"/>
+                        </a:rPr>
+                        <a:t> </a:t>
+                      </a:r>
+                      <a:r>
+                        <a:rPr lang="en-US" altLang="ko-KR" sz="1400" b="0" i="0" dirty="0">
+                          <a:solidFill>
+                            <a:schemeClr val="tx1"/>
+                          </a:solidFill>
+                          <a:latin typeface="+mn-ea"/>
+                          <a:ea typeface="+mn-ea"/>
+                        </a:rPr>
+                        <a:t>/ -</a:t>
+                      </a:r>
+                      <a:r>
+                        <a:rPr lang="ko-KR" altLang="en-US" sz="1400" b="0" i="0" dirty="0">
+                          <a:solidFill>
+                            <a:schemeClr val="tx1"/>
+                          </a:solidFill>
+                          <a:latin typeface="+mn-ea"/>
+                          <a:ea typeface="+mn-ea"/>
+                        </a:rPr>
+                        <a:t> </a:t>
+                      </a:r>
+                      <a:r>
+                        <a:rPr lang="en-US" altLang="ko-KR" sz="1400" b="0" i="0" dirty="0">
+                          <a:solidFill>
+                            <a:schemeClr val="tx1"/>
+                          </a:solidFill>
+                          <a:latin typeface="+mn-ea"/>
+                          <a:ea typeface="+mn-ea"/>
+                        </a:rPr>
+                        <a:t>: 5</a:t>
+                      </a:r>
+                      <a:r>
+                        <a:rPr lang="ko-KR" altLang="en-US" sz="1400" b="0" i="0" dirty="0">
+                          <a:solidFill>
+                            <a:schemeClr val="tx1"/>
+                          </a:solidFill>
+                          <a:latin typeface="+mn-ea"/>
+                          <a:ea typeface="+mn-ea"/>
+                        </a:rPr>
+                        <a:t>번</a:t>
+                      </a:r>
+                      <a:endParaRPr lang="en-US" altLang="ko-KR" sz="1400" b="0" i="0" dirty="0">
+                        <a:solidFill>
+                          <a:schemeClr val="tx1"/>
+                        </a:solidFill>
+                        <a:latin typeface="+mn-ea"/>
+                        <a:ea typeface="+mn-ea"/>
+                      </a:endParaRPr>
+                    </a:p>
+                    <a:p>
+                      <a:pPr marL="285750" indent="-285750">
+                        <a:buFont typeface="Wingdings" panose="05000000000000000000" pitchFamily="2" charset="2"/>
+                        <a:buChar char="ü"/>
+                      </a:pPr>
+                      <a:r>
+                        <a:rPr lang="ko-KR" altLang="en-US" sz="1500" b="0" i="0" dirty="0">
+                          <a:solidFill>
+                            <a:schemeClr val="tx1"/>
+                          </a:solidFill>
+                          <a:latin typeface="+mn-ea"/>
+                          <a:ea typeface="+mn-ea"/>
+                        </a:rPr>
+                        <a:t>되살리기 </a:t>
+                      </a:r>
+                      <a:r>
+                        <a:rPr lang="en-US" altLang="ko-KR" sz="1500" b="0" i="0" dirty="0">
+                          <a:solidFill>
+                            <a:schemeClr val="tx1"/>
+                          </a:solidFill>
+                          <a:latin typeface="+mn-ea"/>
+                          <a:ea typeface="+mn-ea"/>
+                        </a:rPr>
+                        <a:t>(</a:t>
+                      </a:r>
+                      <a:r>
+                        <a:rPr lang="en-US" altLang="ko-KR" sz="1500" b="0" i="0" dirty="0" err="1">
+                          <a:solidFill>
+                            <a:schemeClr val="tx1"/>
+                          </a:solidFill>
+                          <a:latin typeface="+mn-ea"/>
+                          <a:ea typeface="+mn-ea"/>
+                        </a:rPr>
+                        <a:t>Ctrl+Y</a:t>
+                      </a:r>
+                      <a:r>
+                        <a:rPr lang="en-US" altLang="ko-KR" sz="1500" b="0" i="0" dirty="0">
+                          <a:solidFill>
+                            <a:schemeClr val="tx1"/>
+                          </a:solidFill>
+                          <a:latin typeface="+mn-ea"/>
+                          <a:ea typeface="+mn-ea"/>
+                        </a:rPr>
+                        <a:t>)</a:t>
+                      </a:r>
+                    </a:p>
+                    <a:p>
+                      <a:pPr marL="457200" lvl="1" indent="0">
+                        <a:buFont typeface="Wingdings" panose="05000000000000000000" pitchFamily="2" charset="2"/>
+                        <a:buNone/>
+                      </a:pPr>
+                      <a:r>
+                        <a:rPr lang="en-US" altLang="ko-KR" sz="1400" b="0" i="0" dirty="0">
+                          <a:solidFill>
+                            <a:schemeClr val="tx1"/>
+                          </a:solidFill>
+                          <a:latin typeface="+mn-ea"/>
+                          <a:ea typeface="+mn-ea"/>
+                        </a:rPr>
+                        <a:t>+ / - : 5</a:t>
+                      </a:r>
+                      <a:r>
+                        <a:rPr lang="ko-KR" altLang="en-US" sz="1400" b="0" i="0" dirty="0">
+                          <a:solidFill>
+                            <a:schemeClr val="tx1"/>
+                          </a:solidFill>
+                          <a:latin typeface="+mn-ea"/>
+                          <a:ea typeface="+mn-ea"/>
+                        </a:rPr>
+                        <a:t>번</a:t>
+                      </a:r>
+                      <a:endParaRPr lang="en-US" altLang="ko-KR" sz="1400" b="0" i="0" dirty="0">
+                        <a:solidFill>
+                          <a:schemeClr val="tx1"/>
+                        </a:solidFill>
+                        <a:latin typeface="+mn-ea"/>
+                        <a:ea typeface="+mn-ea"/>
+                      </a:endParaRPr>
+                    </a:p>
+                  </a:txBody>
+                  <a:tcPr/>
+                </a:tc>
+                <a:tc>
+                  <a:txBody>
+                    <a:bodyPr/>
+                    <a:lstStyle/>
+                    <a:p>
+                      <a:pPr marL="0" indent="0">
+                        <a:buFont typeface="Wingdings" panose="05000000000000000000" pitchFamily="2" charset="2"/>
+                        <a:buNone/>
+                      </a:pPr>
+                      <a:r>
+                        <a:rPr lang="en-US" altLang="ko-KR" sz="1500" b="0" i="0" dirty="0">
+                          <a:solidFill>
+                            <a:schemeClr val="tx1"/>
+                          </a:solidFill>
+                          <a:latin typeface="+mn-ea"/>
+                          <a:ea typeface="+mn-ea"/>
+                        </a:rPr>
+                        <a:t>--------</a:t>
+                      </a:r>
+                      <a:r>
+                        <a:rPr lang="ko-KR" altLang="en-US" sz="1500" b="0" i="0" dirty="0">
+                          <a:solidFill>
+                            <a:schemeClr val="tx1"/>
+                          </a:solidFill>
+                          <a:latin typeface="+mn-ea"/>
+                          <a:ea typeface="+mn-ea"/>
+                        </a:rPr>
+                        <a:t>파일</a:t>
+                      </a:r>
+                      <a:r>
+                        <a:rPr lang="en-US" altLang="ko-KR" sz="1500" b="0" i="0" dirty="0">
+                          <a:solidFill>
+                            <a:schemeClr val="tx1"/>
+                          </a:solidFill>
+                          <a:latin typeface="+mn-ea"/>
+                          <a:ea typeface="+mn-ea"/>
+                        </a:rPr>
+                        <a:t>---------</a:t>
+                      </a:r>
+                    </a:p>
+                    <a:p>
+                      <a:pPr marL="285750" indent="-285750">
+                        <a:buFont typeface="Wingdings" panose="05000000000000000000" pitchFamily="2" charset="2"/>
+                        <a:buChar char="ü"/>
+                      </a:pPr>
+                      <a:r>
+                        <a:rPr lang="ko-KR" altLang="en-US" sz="1500" b="0" i="0" dirty="0">
+                          <a:solidFill>
+                            <a:schemeClr val="tx1"/>
+                          </a:solidFill>
+                          <a:latin typeface="+mn-ea"/>
+                          <a:ea typeface="+mn-ea"/>
+                        </a:rPr>
+                        <a:t>파일 업로드</a:t>
+                      </a:r>
+                      <a:endParaRPr lang="en-US" altLang="ko-KR" sz="1500" b="0" i="0" dirty="0">
+                        <a:solidFill>
+                          <a:schemeClr val="tx1"/>
+                        </a:solidFill>
+                        <a:latin typeface="+mn-ea"/>
+                        <a:ea typeface="+mn-ea"/>
+                      </a:endParaRPr>
+                    </a:p>
+                    <a:p>
+                      <a:pPr marL="285750" indent="-285750">
+                        <a:buFont typeface="Wingdings" panose="05000000000000000000" pitchFamily="2" charset="2"/>
+                        <a:buChar char="ü"/>
+                      </a:pPr>
+                      <a:endParaRPr lang="en-US" altLang="ko-KR" sz="1500" b="0" i="0" dirty="0">
+                        <a:solidFill>
+                          <a:schemeClr val="tx1"/>
+                        </a:solidFill>
+                        <a:latin typeface="+mn-ea"/>
+                        <a:ea typeface="+mn-ea"/>
+                      </a:endParaRPr>
+                    </a:p>
+                    <a:p>
+                      <a:pPr marL="285750" indent="-285750">
+                        <a:buFont typeface="Wingdings" panose="05000000000000000000" pitchFamily="2" charset="2"/>
+                        <a:buChar char="ü"/>
+                      </a:pPr>
+                      <a:r>
+                        <a:rPr lang="ko-KR" altLang="en-US" sz="1500" b="0" i="0" dirty="0">
+                          <a:solidFill>
+                            <a:schemeClr val="tx1"/>
+                          </a:solidFill>
+                          <a:latin typeface="+mn-ea"/>
+                          <a:ea typeface="+mn-ea"/>
+                        </a:rPr>
+                        <a:t>이미지를 </a:t>
+                      </a:r>
+                      <a:r>
+                        <a:rPr lang="en-US" altLang="ko-KR" sz="1500" b="0" i="0" dirty="0" err="1">
+                          <a:solidFill>
+                            <a:schemeClr val="tx1"/>
+                          </a:solidFill>
+                          <a:latin typeface="+mn-ea"/>
+                          <a:ea typeface="+mn-ea"/>
+                        </a:rPr>
+                        <a:t>epub</a:t>
+                      </a:r>
+                      <a:r>
+                        <a:rPr lang="ko-KR" altLang="en-US" sz="1500" b="0" i="0" dirty="0">
+                          <a:solidFill>
+                            <a:schemeClr val="tx1"/>
+                          </a:solidFill>
+                          <a:latin typeface="+mn-ea"/>
+                          <a:ea typeface="+mn-ea"/>
+                        </a:rPr>
+                        <a:t>파일에 같이 저장</a:t>
+                      </a:r>
+                      <a:endParaRPr lang="en-US" altLang="ko-KR" sz="1500" b="0" i="0" dirty="0">
+                        <a:solidFill>
+                          <a:schemeClr val="tx1"/>
+                        </a:solidFill>
+                        <a:latin typeface="+mn-ea"/>
+                        <a:ea typeface="+mn-ea"/>
+                      </a:endParaRPr>
+                    </a:p>
+                    <a:p>
+                      <a:pPr marL="0" indent="0">
+                        <a:buFont typeface="Wingdings" panose="05000000000000000000" pitchFamily="2" charset="2"/>
+                        <a:buNone/>
+                      </a:pPr>
+                      <a:endParaRPr lang="en-US" altLang="ko-KR" sz="1500" b="0" i="0" dirty="0">
+                        <a:solidFill>
+                          <a:schemeClr val="tx1"/>
+                        </a:solidFill>
+                        <a:latin typeface="+mn-ea"/>
+                        <a:ea typeface="+mn-ea"/>
+                      </a:endParaRPr>
+                    </a:p>
+                    <a:p>
+                      <a:pPr marL="0" indent="0">
+                        <a:buFont typeface="Wingdings" panose="05000000000000000000" pitchFamily="2" charset="2"/>
+                        <a:buNone/>
+                      </a:pPr>
+                      <a:endParaRPr lang="en-US" altLang="ko-KR" sz="1500" b="0" i="0" dirty="0">
+                        <a:solidFill>
+                          <a:schemeClr val="tx1"/>
+                        </a:solidFill>
+                        <a:latin typeface="+mn-ea"/>
+                        <a:ea typeface="+mn-ea"/>
+                      </a:endParaRPr>
+                    </a:p>
+                    <a:p>
+                      <a:pPr marL="0" indent="0">
+                        <a:buFont typeface="Wingdings" panose="05000000000000000000" pitchFamily="2" charset="2"/>
+                        <a:buNone/>
+                      </a:pPr>
+                      <a:endParaRPr lang="en-US" altLang="ko-KR" sz="1500" b="0" i="0" dirty="0">
+                        <a:solidFill>
+                          <a:schemeClr val="tx1"/>
+                        </a:solidFill>
+                        <a:latin typeface="+mn-ea"/>
+                        <a:ea typeface="+mn-ea"/>
+                      </a:endParaRPr>
+                    </a:p>
+                    <a:p>
+                      <a:pPr marL="0" indent="0">
+                        <a:buFont typeface="Wingdings" panose="05000000000000000000" pitchFamily="2" charset="2"/>
+                        <a:buNone/>
+                      </a:pPr>
+                      <a:endParaRPr lang="en-US" altLang="ko-KR" sz="1500" b="0" i="0" dirty="0">
+                        <a:solidFill>
+                          <a:schemeClr val="tx1"/>
+                        </a:solidFill>
+                        <a:latin typeface="+mn-ea"/>
+                        <a:ea typeface="+mn-ea"/>
+                      </a:endParaRPr>
+                    </a:p>
+                    <a:p>
+                      <a:pPr marL="0" indent="0">
+                        <a:buFont typeface="Wingdings" panose="05000000000000000000" pitchFamily="2" charset="2"/>
+                        <a:buNone/>
+                      </a:pPr>
+                      <a:r>
+                        <a:rPr lang="en-US" altLang="ko-KR" sz="1500" b="0" i="0" dirty="0">
+                          <a:solidFill>
+                            <a:schemeClr val="tx1"/>
+                          </a:solidFill>
+                          <a:latin typeface="+mn-ea"/>
+                          <a:ea typeface="+mn-ea"/>
+                        </a:rPr>
+                        <a:t>----------</a:t>
+                      </a:r>
+                      <a:r>
+                        <a:rPr lang="ko-KR" altLang="en-US" sz="1500" b="0" i="0" dirty="0">
+                          <a:solidFill>
+                            <a:schemeClr val="tx1"/>
+                          </a:solidFill>
+                          <a:latin typeface="+mn-ea"/>
+                          <a:ea typeface="+mn-ea"/>
+                        </a:rPr>
+                        <a:t>삽입</a:t>
+                      </a:r>
+                      <a:r>
+                        <a:rPr lang="en-US" altLang="ko-KR" sz="1500" b="0" i="0" dirty="0">
+                          <a:solidFill>
+                            <a:schemeClr val="tx1"/>
+                          </a:solidFill>
+                          <a:latin typeface="+mn-ea"/>
+                          <a:ea typeface="+mn-ea"/>
+                        </a:rPr>
+                        <a:t>---------</a:t>
+                      </a:r>
+                    </a:p>
+                    <a:p>
+                      <a:pPr marL="285750" indent="-285750">
+                        <a:buFont typeface="Wingdings" panose="05000000000000000000" pitchFamily="2" charset="2"/>
+                        <a:buChar char="ü"/>
+                      </a:pPr>
+                      <a:r>
+                        <a:rPr lang="ko-KR" altLang="en-US" sz="1500" b="0" i="0" dirty="0">
+                          <a:solidFill>
+                            <a:schemeClr val="tx1"/>
+                          </a:solidFill>
+                          <a:latin typeface="+mn-ea"/>
+                          <a:ea typeface="+mn-ea"/>
+                        </a:rPr>
+                        <a:t>이미지 </a:t>
+                      </a:r>
+                      <a:r>
+                        <a:rPr lang="en-US" altLang="ko-KR" sz="1500" b="0" i="0" dirty="0">
+                          <a:solidFill>
+                            <a:schemeClr val="tx1"/>
+                          </a:solidFill>
+                          <a:latin typeface="+mn-ea"/>
+                          <a:ea typeface="+mn-ea"/>
+                        </a:rPr>
+                        <a:t>(</a:t>
+                      </a:r>
+                      <a:r>
+                        <a:rPr lang="en-US" altLang="ko-KR" sz="1500" b="0" i="0" dirty="0" err="1">
+                          <a:solidFill>
+                            <a:schemeClr val="tx1"/>
+                          </a:solidFill>
+                          <a:latin typeface="+mn-ea"/>
+                          <a:ea typeface="+mn-ea"/>
+                        </a:rPr>
+                        <a:t>Ctrl+I</a:t>
+                      </a:r>
+                      <a:r>
+                        <a:rPr lang="en-US" altLang="ko-KR" sz="1500" b="0" i="0" dirty="0">
+                          <a:solidFill>
+                            <a:schemeClr val="tx1"/>
+                          </a:solidFill>
+                          <a:latin typeface="+mn-ea"/>
+                          <a:ea typeface="+mn-ea"/>
+                        </a:rPr>
+                        <a:t>)</a:t>
+                      </a:r>
+                    </a:p>
+                    <a:p>
+                      <a:pPr marL="457200" lvl="1" indent="0">
+                        <a:buFont typeface="Wingdings" panose="05000000000000000000" pitchFamily="2" charset="2"/>
+                        <a:buNone/>
+                      </a:pPr>
+                      <a:r>
+                        <a:rPr lang="en-US" altLang="ko-KR" sz="1400" b="0" i="0" dirty="0" err="1">
+                          <a:solidFill>
+                            <a:schemeClr val="tx1"/>
+                          </a:solidFill>
+                          <a:latin typeface="+mn-ea"/>
+                          <a:ea typeface="+mn-ea"/>
+                        </a:rPr>
+                        <a:t>Daum</a:t>
+                      </a:r>
+                      <a:r>
+                        <a:rPr lang="en-US" altLang="ko-KR" sz="1400" b="0" i="0" dirty="0">
+                          <a:solidFill>
+                            <a:schemeClr val="tx1"/>
+                          </a:solidFill>
+                          <a:latin typeface="+mn-ea"/>
+                          <a:ea typeface="+mn-ea"/>
+                        </a:rPr>
+                        <a:t> API</a:t>
+                      </a:r>
+                    </a:p>
+                    <a:p>
+                      <a:pPr marL="457200" lvl="1" indent="0">
+                        <a:buFont typeface="Wingdings" panose="05000000000000000000" pitchFamily="2" charset="2"/>
+                        <a:buNone/>
+                      </a:pPr>
+                      <a:endParaRPr lang="en-US" altLang="ko-KR" sz="1400" b="0" i="0" dirty="0">
+                        <a:solidFill>
+                          <a:schemeClr val="tx1"/>
+                        </a:solidFill>
+                        <a:latin typeface="+mn-ea"/>
+                        <a:ea typeface="+mn-ea"/>
+                      </a:endParaRPr>
+                    </a:p>
+                    <a:p>
+                      <a:pPr marL="457200" lvl="1" indent="0">
+                        <a:buFont typeface="Wingdings" panose="05000000000000000000" pitchFamily="2" charset="2"/>
+                        <a:buNone/>
+                      </a:pPr>
+                      <a:endParaRPr lang="en-US" altLang="ko-KR" sz="1600" b="0" i="0" dirty="0">
+                        <a:solidFill>
+                          <a:schemeClr val="tx1"/>
+                        </a:solidFill>
+                        <a:latin typeface="+mn-ea"/>
+                        <a:ea typeface="+mn-ea"/>
+                      </a:endParaRPr>
+                    </a:p>
+                    <a:p>
+                      <a:pPr marL="285750" indent="-285750">
+                        <a:buFont typeface="Wingdings" panose="05000000000000000000" pitchFamily="2" charset="2"/>
+                        <a:buChar char="ü"/>
+                      </a:pPr>
+                      <a:r>
+                        <a:rPr lang="ko-KR" altLang="en-US" sz="1500" b="0" i="0" dirty="0">
+                          <a:solidFill>
+                            <a:schemeClr val="tx1"/>
+                          </a:solidFill>
+                          <a:latin typeface="+mn-ea"/>
+                          <a:ea typeface="+mn-ea"/>
+                        </a:rPr>
+                        <a:t>도형 </a:t>
+                      </a:r>
+                      <a:r>
+                        <a:rPr lang="en-US" altLang="ko-KR" sz="1500" b="0" i="0" dirty="0">
+                          <a:solidFill>
+                            <a:schemeClr val="tx1"/>
+                          </a:solidFill>
+                          <a:latin typeface="+mn-ea"/>
+                          <a:ea typeface="+mn-ea"/>
+                        </a:rPr>
+                        <a:t>(</a:t>
+                      </a:r>
+                      <a:r>
+                        <a:rPr lang="en-US" altLang="ko-KR" sz="1500" b="0" i="0" dirty="0" err="1">
+                          <a:solidFill>
+                            <a:schemeClr val="tx1"/>
+                          </a:solidFill>
+                          <a:latin typeface="+mn-ea"/>
+                          <a:ea typeface="+mn-ea"/>
+                        </a:rPr>
+                        <a:t>Ctrl+F</a:t>
+                      </a:r>
+                      <a:r>
+                        <a:rPr lang="en-US" altLang="ko-KR" sz="1500" b="0" i="0" dirty="0">
+                          <a:solidFill>
+                            <a:schemeClr val="tx1"/>
+                          </a:solidFill>
+                          <a:latin typeface="+mn-ea"/>
+                          <a:ea typeface="+mn-ea"/>
+                        </a:rPr>
+                        <a:t>)</a:t>
+                      </a:r>
+                    </a:p>
+                    <a:p>
+                      <a:pPr marL="457200" lvl="1" indent="0">
+                        <a:buFont typeface="Wingdings" panose="05000000000000000000" pitchFamily="2" charset="2"/>
+                        <a:buNone/>
+                      </a:pPr>
+                      <a:r>
+                        <a:rPr lang="ko-KR" altLang="en-US" sz="1400" b="0" i="0" dirty="0">
+                          <a:solidFill>
+                            <a:schemeClr val="tx1"/>
+                          </a:solidFill>
+                          <a:latin typeface="+mn-ea"/>
+                          <a:ea typeface="+mn-ea"/>
+                        </a:rPr>
+                        <a:t>모양</a:t>
+                      </a:r>
+                      <a:r>
+                        <a:rPr lang="en-US" altLang="ko-KR" sz="1400" b="0" i="0" dirty="0">
+                          <a:solidFill>
+                            <a:schemeClr val="tx1"/>
+                          </a:solidFill>
+                          <a:latin typeface="+mn-ea"/>
+                          <a:ea typeface="+mn-ea"/>
+                        </a:rPr>
+                        <a:t>/</a:t>
+                      </a:r>
+                      <a:r>
+                        <a:rPr lang="ko-KR" altLang="en-US" sz="1400" b="0" i="0" dirty="0">
+                          <a:solidFill>
+                            <a:schemeClr val="tx1"/>
+                          </a:solidFill>
+                          <a:latin typeface="+mn-ea"/>
+                          <a:ea typeface="+mn-ea"/>
+                        </a:rPr>
+                        <a:t>크기 수정 가능</a:t>
+                      </a:r>
+                      <a:endParaRPr lang="en-US" altLang="ko-KR" sz="1400" b="0" i="0" dirty="0">
+                        <a:solidFill>
+                          <a:schemeClr val="tx1"/>
+                        </a:solidFill>
+                        <a:latin typeface="+mn-ea"/>
+                        <a:ea typeface="+mn-ea"/>
+                      </a:endParaRPr>
+                    </a:p>
+                    <a:p>
+                      <a:pPr marL="457200" lvl="1" indent="0">
+                        <a:buFont typeface="Wingdings" panose="05000000000000000000" pitchFamily="2" charset="2"/>
+                        <a:buNone/>
+                      </a:pPr>
+                      <a:endParaRPr lang="en-US" altLang="ko-KR" sz="1400" b="0" i="0" dirty="0">
+                        <a:solidFill>
+                          <a:schemeClr val="tx1"/>
+                        </a:solidFill>
+                        <a:latin typeface="+mn-ea"/>
+                        <a:ea typeface="+mn-ea"/>
+                      </a:endParaRPr>
+                    </a:p>
+                  </a:txBody>
+                  <a:tcPr/>
+                </a:tc>
+                <a:tc>
+                  <a:txBody>
+                    <a:bodyPr/>
+                    <a:lstStyle/>
+                    <a:p>
+                      <a:pPr marL="285750" marR="0" lvl="0" indent="-285750" algn="l" defTabSz="914400" rtl="0" eaLnBrk="1" fontAlgn="auto" latinLnBrk="1" hangingPunct="1">
+                        <a:lnSpc>
+                          <a:spcPct val="100000"/>
+                        </a:lnSpc>
+                        <a:spcBef>
+                          <a:spcPts val="0"/>
+                        </a:spcBef>
+                        <a:spcAft>
+                          <a:spcPts val="0"/>
+                        </a:spcAft>
+                        <a:buClrTx/>
+                        <a:buSzTx/>
+                        <a:buFont typeface="Wingdings" panose="05000000000000000000" pitchFamily="2" charset="2"/>
+                        <a:buChar char="ü"/>
+                        <a:tabLst/>
+                        <a:defRPr/>
+                      </a:pPr>
+                      <a:r>
+                        <a:rPr lang="ko-KR" altLang="en-US" sz="1600" dirty="0">
+                          <a:solidFill>
+                            <a:schemeClr val="tx1"/>
+                          </a:solidFill>
+                        </a:rPr>
+                        <a:t> </a:t>
+                      </a:r>
+                      <a:r>
+                        <a:rPr lang="ko-KR" altLang="en-US" sz="1500" dirty="0">
+                          <a:solidFill>
+                            <a:schemeClr val="tx1"/>
+                          </a:solidFill>
+                        </a:rPr>
+                        <a:t>이미지 저장 후 수정 불가</a:t>
+                      </a:r>
+                    </a:p>
+                  </a:txBody>
+                  <a:tcPr/>
+                </a:tc>
+                <a:extLst>
+                  <a:ext uri="{0D108BD9-81ED-4DB2-BD59-A6C34878D82A}">
+                    <a16:rowId xmlns:a16="http://schemas.microsoft.com/office/drawing/2014/main" val="3713962764"/>
+                  </a:ext>
+                </a:extLst>
+              </a:tr>
+            </a:tbl>
+          </a:graphicData>
+        </a:graphic>
+      </p:graphicFrame>
       <p:sp>
         <p:nvSpPr>
-          <p:cNvPr id="10" name="내용 개체 틀 9"/>
-          <p:cNvSpPr>
-            <a:spLocks noGrp="1"/>
-          </p:cNvSpPr>
-          <p:nvPr>
-            <p:ph idx="1"/>
-          </p:nvPr>
-        </p:nvSpPr>
-        <p:spPr>
-          <a:xfrm>
-            <a:off x="1958102" y="2049948"/>
-            <a:ext cx="8525171" cy="4023360"/>
-          </a:xfrm>
-        </p:spPr>
-        <p:txBody>
-          <a:bodyPr>
-            <a:normAutofit/>
-          </a:bodyPr>
-          <a:lstStyle/>
-          <a:p>
-            <a:pPr marL="0" indent="0">
-              <a:buNone/>
-            </a:pPr>
-            <a:r>
-              <a:rPr lang="ko-KR" altLang="en-US" b="1">
-                <a:solidFill>
-                  <a:schemeClr val="tx1"/>
-                </a:solidFill>
-                <a:latin typeface="Batang" panose="02030600000101010101" pitchFamily="18" charset="-127"/>
-                <a:ea typeface="Batang" panose="02030600000101010101" pitchFamily="18" charset="-127"/>
-              </a:rPr>
-              <a:t>☞ </a:t>
-            </a:r>
-            <a:r>
-              <a:rPr lang="ko-KR" altLang="en-US" b="1">
-                <a:solidFill>
-                  <a:schemeClr val="tx1"/>
-                </a:solidFill>
-              </a:rPr>
-              <a:t>개발 </a:t>
-            </a:r>
-            <a:r>
-              <a:rPr lang="ko-KR" altLang="en-US" b="1">
-                <a:solidFill>
-                  <a:srgbClr val="63A537"/>
-                </a:solidFill>
-              </a:rPr>
-              <a:t>완료</a:t>
-            </a:r>
-            <a:r>
-              <a:rPr lang="ko-KR" altLang="en-US" b="1">
-                <a:solidFill>
-                  <a:schemeClr val="tx1"/>
-                </a:solidFill>
-              </a:rPr>
-              <a:t>한 기능 </a:t>
-            </a:r>
-            <a:r>
-              <a:rPr lang="en-US" altLang="ko-KR" b="1">
-                <a:solidFill>
-                  <a:schemeClr val="tx1"/>
-                </a:solidFill>
-              </a:rPr>
-              <a:t>(</a:t>
-            </a:r>
-            <a:r>
-              <a:rPr lang="ko-KR" altLang="en-US" b="1">
-                <a:solidFill>
-                  <a:schemeClr val="tx1"/>
-                </a:solidFill>
-              </a:rPr>
-              <a:t>툴</a:t>
-            </a:r>
-            <a:r>
-              <a:rPr lang="en-US" altLang="ko-KR" b="1">
-                <a:solidFill>
-                  <a:schemeClr val="tx1"/>
-                </a:solidFill>
-              </a:rPr>
-              <a:t>)</a:t>
-            </a:r>
-          </a:p>
-          <a:p>
-            <a:pPr marL="0" indent="0">
-              <a:buNone/>
-            </a:pPr>
-            <a:r>
-              <a:rPr lang="ko-KR" altLang="en-US" b="1">
-                <a:solidFill>
-                  <a:schemeClr val="tx1"/>
-                </a:solidFill>
-                <a:latin typeface="Batang" panose="02030600000101010101" pitchFamily="18" charset="-127"/>
-                <a:ea typeface="Batang" panose="02030600000101010101" pitchFamily="18" charset="-127"/>
-              </a:rPr>
-              <a:t>☞ </a:t>
-            </a:r>
-            <a:r>
-              <a:rPr lang="ko-KR" altLang="en-US" b="1">
-                <a:solidFill>
-                  <a:srgbClr val="FF0000"/>
-                </a:solidFill>
-              </a:rPr>
-              <a:t>개발할 기능</a:t>
-            </a:r>
-            <a:r>
-              <a:rPr lang="ko-KR" altLang="en-US" b="1">
-                <a:solidFill>
-                  <a:schemeClr val="tx1"/>
-                </a:solidFill>
-              </a:rPr>
-              <a:t> </a:t>
-            </a:r>
-            <a:r>
-              <a:rPr lang="en-US" altLang="ko-KR" b="1">
-                <a:solidFill>
-                  <a:schemeClr val="tx1"/>
-                </a:solidFill>
-              </a:rPr>
-              <a:t>(</a:t>
-            </a:r>
-            <a:r>
-              <a:rPr lang="ko-KR" altLang="en-US" b="1">
-                <a:solidFill>
-                  <a:schemeClr val="tx1"/>
-                </a:solidFill>
-              </a:rPr>
-              <a:t>툴</a:t>
-            </a:r>
-            <a:r>
-              <a:rPr lang="en-US" altLang="ko-KR" b="1">
-                <a:solidFill>
-                  <a:schemeClr val="tx1"/>
-                </a:solidFill>
-              </a:rPr>
-              <a:t>)</a:t>
-            </a:r>
-          </a:p>
-          <a:p>
-            <a:pPr marL="0" indent="0">
-              <a:buNone/>
-            </a:pPr>
-            <a:r>
-              <a:rPr lang="ko-KR" altLang="en-US" b="1">
-                <a:solidFill>
-                  <a:schemeClr val="tx1"/>
-                </a:solidFill>
-                <a:latin typeface="Batang" panose="02030600000101010101" pitchFamily="18" charset="-127"/>
-                <a:ea typeface="Batang" panose="02030600000101010101" pitchFamily="18" charset="-127"/>
-              </a:rPr>
-              <a:t>☞ </a:t>
-            </a:r>
-            <a:r>
-              <a:rPr lang="ko-KR" altLang="en-US" b="1">
-                <a:solidFill>
-                  <a:schemeClr val="tx1"/>
-                </a:solidFill>
-              </a:rPr>
-              <a:t>개발에서 제외할 기능 </a:t>
-            </a:r>
-            <a:r>
-              <a:rPr lang="en-US" altLang="ko-KR" b="1">
-                <a:solidFill>
-                  <a:schemeClr val="tx1"/>
-                </a:solidFill>
-              </a:rPr>
-              <a:t>(</a:t>
-            </a:r>
-            <a:r>
-              <a:rPr lang="ko-KR" altLang="en-US" b="1">
-                <a:solidFill>
-                  <a:schemeClr val="tx1"/>
-                </a:solidFill>
-              </a:rPr>
-              <a:t>툴</a:t>
-            </a:r>
-            <a:r>
-              <a:rPr lang="en-US" altLang="ko-KR" b="1">
-                <a:solidFill>
-                  <a:schemeClr val="tx1"/>
-                </a:solidFill>
-              </a:rPr>
-              <a:t>)</a:t>
-            </a:r>
-          </a:p>
-        </p:txBody>
-      </p:sp>
-      <p:sp>
-        <p:nvSpPr>
-          <p:cNvPr id="6" name="내용 개체 틀 2"/>
-          <p:cNvSpPr txBox="1">
-            <a:spLocks/>
-          </p:cNvSpPr>
-          <p:nvPr/>
-        </p:nvSpPr>
-        <p:spPr>
-          <a:xfrm>
-            <a:off x="1958104" y="2049948"/>
-            <a:ext cx="8525169" cy="4023360"/>
-          </a:xfrm>
-          <a:prstGeom prst="rect">
-            <a:avLst/>
-          </a:prstGeom>
-        </p:spPr>
-        <p:txBody>
-          <a:bodyPr vert="horz" lIns="0" tIns="45720" rIns="0" bIns="45720" rtlCol="0">
-            <a:normAutofit/>
-          </a:bodyPr>
-          <a:lstStyle>
-            <a:lvl1pPr marL="91440" indent="-91440" algn="l" defTabSz="914400" rtl="0" eaLnBrk="1" latinLnBrk="1" hangingPunct="1">
-              <a:lnSpc>
-                <a:spcPct val="90000"/>
-              </a:lnSpc>
-              <a:spcBef>
-                <a:spcPts val="1200"/>
-              </a:spcBef>
-              <a:spcAft>
-                <a:spcPts val="200"/>
-              </a:spcAft>
-              <a:buClr>
-                <a:schemeClr val="accent1"/>
-              </a:buClr>
-              <a:buSzPct val="100000"/>
-              <a:buFont typeface="Calibri" panose="020F0502020204030204" pitchFamily="34" charset="0"/>
-              <a:buChar char=" "/>
-              <a:defRPr sz="2000" kern="1200">
-                <a:solidFill>
-                  <a:schemeClr val="tx1">
-                    <a:lumMod val="75000"/>
-                    <a:lumOff val="25000"/>
-                  </a:schemeClr>
-                </a:solidFill>
-                <a:latin typeface="+mn-lt"/>
-                <a:ea typeface="+mn-ea"/>
-                <a:cs typeface="+mn-cs"/>
-              </a:defRPr>
-            </a:lvl1pPr>
-            <a:lvl2pPr marL="384048" indent="-182880" algn="l" defTabSz="914400" rtl="0" eaLnBrk="1" latinLnBrk="1" hangingPunct="1">
-              <a:lnSpc>
-                <a:spcPct val="90000"/>
-              </a:lnSpc>
-              <a:spcBef>
-                <a:spcPts val="200"/>
-              </a:spcBef>
-              <a:spcAft>
-                <a:spcPts val="400"/>
-              </a:spcAft>
-              <a:buClr>
-                <a:schemeClr val="accent1"/>
-              </a:buClr>
-              <a:buFont typeface="Calibri" pitchFamily="34" charset="0"/>
-              <a:buChar char="◦"/>
-              <a:defRPr sz="1800" kern="1200">
-                <a:solidFill>
-                  <a:schemeClr val="tx1">
-                    <a:lumMod val="75000"/>
-                    <a:lumOff val="25000"/>
-                  </a:schemeClr>
-                </a:solidFill>
-                <a:latin typeface="+mn-lt"/>
-                <a:ea typeface="+mn-ea"/>
-                <a:cs typeface="+mn-cs"/>
-              </a:defRPr>
-            </a:lvl2pPr>
-            <a:lvl3pPr marL="566928" indent="-182880" algn="l" defTabSz="914400" rtl="0" eaLnBrk="1" latinLnBrk="1" hangingPunct="1">
-              <a:lnSpc>
-                <a:spcPct val="90000"/>
-              </a:lnSpc>
-              <a:spcBef>
-                <a:spcPts val="200"/>
-              </a:spcBef>
-              <a:spcAft>
-                <a:spcPts val="400"/>
-              </a:spcAft>
-              <a:buClr>
-                <a:schemeClr val="accent1"/>
-              </a:buClr>
-              <a:buFont typeface="Calibri" pitchFamily="34" charset="0"/>
-              <a:buChar char="◦"/>
-              <a:defRPr sz="1400" kern="1200">
-                <a:solidFill>
-                  <a:schemeClr val="tx1">
-                    <a:lumMod val="75000"/>
-                    <a:lumOff val="25000"/>
-                  </a:schemeClr>
-                </a:solidFill>
-                <a:latin typeface="+mn-lt"/>
-                <a:ea typeface="+mn-ea"/>
-                <a:cs typeface="+mn-cs"/>
-              </a:defRPr>
-            </a:lvl3pPr>
-            <a:lvl4pPr marL="749808" indent="-182880" algn="l" defTabSz="914400" rtl="0" eaLnBrk="1" latinLnBrk="1" hangingPunct="1">
-              <a:lnSpc>
-                <a:spcPct val="90000"/>
-              </a:lnSpc>
-              <a:spcBef>
-                <a:spcPts val="200"/>
-              </a:spcBef>
-              <a:spcAft>
-                <a:spcPts val="400"/>
-              </a:spcAft>
-              <a:buClr>
-                <a:schemeClr val="accent1"/>
-              </a:buClr>
-              <a:buFont typeface="Calibri" pitchFamily="34" charset="0"/>
-              <a:buChar char="◦"/>
-              <a:defRPr sz="1400" kern="1200">
-                <a:solidFill>
-                  <a:schemeClr val="tx1">
-                    <a:lumMod val="75000"/>
-                    <a:lumOff val="25000"/>
-                  </a:schemeClr>
-                </a:solidFill>
-                <a:latin typeface="+mn-lt"/>
-                <a:ea typeface="+mn-ea"/>
-                <a:cs typeface="+mn-cs"/>
-              </a:defRPr>
-            </a:lvl4pPr>
-            <a:lvl5pPr marL="932688" indent="-182880" algn="l" defTabSz="914400" rtl="0" eaLnBrk="1" latinLnBrk="1" hangingPunct="1">
-              <a:lnSpc>
-                <a:spcPct val="90000"/>
-              </a:lnSpc>
-              <a:spcBef>
-                <a:spcPts val="200"/>
-              </a:spcBef>
-              <a:spcAft>
-                <a:spcPts val="400"/>
-              </a:spcAft>
-              <a:buClr>
-                <a:schemeClr val="accent1"/>
-              </a:buClr>
-              <a:buFont typeface="Calibri" pitchFamily="34" charset="0"/>
-              <a:buChar char="◦"/>
-              <a:defRPr sz="1400" kern="1200">
-                <a:solidFill>
-                  <a:schemeClr val="tx1">
-                    <a:lumMod val="75000"/>
-                    <a:lumOff val="25000"/>
-                  </a:schemeClr>
-                </a:solidFill>
-                <a:latin typeface="+mn-lt"/>
-                <a:ea typeface="+mn-ea"/>
-                <a:cs typeface="+mn-cs"/>
-              </a:defRPr>
-            </a:lvl5pPr>
-            <a:lvl6pPr marL="1100000" indent="-228600" algn="l" defTabSz="914400" rtl="0" eaLnBrk="1" latinLnBrk="1" hangingPunct="1">
-              <a:lnSpc>
-                <a:spcPct val="90000"/>
-              </a:lnSpc>
-              <a:spcBef>
-                <a:spcPts val="200"/>
-              </a:spcBef>
-              <a:spcAft>
-                <a:spcPts val="400"/>
-              </a:spcAft>
-              <a:buClr>
-                <a:schemeClr val="accent1"/>
-              </a:buClr>
-              <a:buFont typeface="Calibri" pitchFamily="34" charset="0"/>
-              <a:buChar char="◦"/>
-              <a:defRPr sz="1400" kern="1200">
-                <a:solidFill>
-                  <a:schemeClr val="tx1">
-                    <a:lumMod val="75000"/>
-                    <a:lumOff val="25000"/>
-                  </a:schemeClr>
-                </a:solidFill>
-                <a:latin typeface="+mn-lt"/>
-                <a:ea typeface="+mn-ea"/>
-                <a:cs typeface="+mn-cs"/>
-              </a:defRPr>
-            </a:lvl6pPr>
-            <a:lvl7pPr marL="1300000" indent="-228600" algn="l" defTabSz="914400" rtl="0" eaLnBrk="1" latinLnBrk="1" hangingPunct="1">
-              <a:lnSpc>
-                <a:spcPct val="90000"/>
-              </a:lnSpc>
-              <a:spcBef>
-                <a:spcPts val="200"/>
-              </a:spcBef>
-              <a:spcAft>
-                <a:spcPts val="400"/>
-              </a:spcAft>
-              <a:buClr>
-                <a:schemeClr val="accent1"/>
-              </a:buClr>
-              <a:buFont typeface="Calibri" pitchFamily="34" charset="0"/>
-              <a:buChar char="◦"/>
-              <a:defRPr sz="1400" kern="1200">
-                <a:solidFill>
-                  <a:schemeClr val="tx1">
-                    <a:lumMod val="75000"/>
-                    <a:lumOff val="25000"/>
-                  </a:schemeClr>
-                </a:solidFill>
-                <a:latin typeface="+mn-lt"/>
-                <a:ea typeface="+mn-ea"/>
-                <a:cs typeface="+mn-cs"/>
-              </a:defRPr>
-            </a:lvl7pPr>
-            <a:lvl8pPr marL="1500000" indent="-228600" algn="l" defTabSz="914400" rtl="0" eaLnBrk="1" latinLnBrk="1" hangingPunct="1">
-              <a:lnSpc>
-                <a:spcPct val="90000"/>
-              </a:lnSpc>
-              <a:spcBef>
-                <a:spcPts val="200"/>
-              </a:spcBef>
-              <a:spcAft>
-                <a:spcPts val="400"/>
-              </a:spcAft>
-              <a:buClr>
-                <a:schemeClr val="accent1"/>
-              </a:buClr>
-              <a:buFont typeface="Calibri" pitchFamily="34" charset="0"/>
-              <a:buChar char="◦"/>
-              <a:defRPr sz="1400" kern="1200">
-                <a:solidFill>
-                  <a:schemeClr val="tx1">
-                    <a:lumMod val="75000"/>
-                    <a:lumOff val="25000"/>
-                  </a:schemeClr>
-                </a:solidFill>
-                <a:latin typeface="+mn-lt"/>
-                <a:ea typeface="+mn-ea"/>
-                <a:cs typeface="+mn-cs"/>
-              </a:defRPr>
-            </a:lvl8pPr>
-            <a:lvl9pPr marL="1700000" indent="-228600" algn="l" defTabSz="914400" rtl="0" eaLnBrk="1" latinLnBrk="1" hangingPunct="1">
-              <a:lnSpc>
-                <a:spcPct val="90000"/>
-              </a:lnSpc>
-              <a:spcBef>
-                <a:spcPts val="200"/>
-              </a:spcBef>
-              <a:spcAft>
-                <a:spcPts val="400"/>
-              </a:spcAft>
-              <a:buClr>
-                <a:schemeClr val="accent1"/>
-              </a:buClr>
-              <a:buFont typeface="Calibri" pitchFamily="34" charset="0"/>
-              <a:buChar char="◦"/>
-              <a:defRPr sz="1400" kern="1200">
-                <a:solidFill>
-                  <a:schemeClr val="tx1">
-                    <a:lumMod val="75000"/>
-                    <a:lumOff val="25000"/>
-                  </a:schemeClr>
-                </a:solidFill>
-                <a:latin typeface="+mn-lt"/>
-                <a:ea typeface="+mn-ea"/>
-                <a:cs typeface="+mn-cs"/>
-              </a:defRPr>
-            </a:lvl9pPr>
-          </a:lstStyle>
-          <a:p>
-            <a:pPr marL="0" indent="0">
-              <a:buFont typeface="Calibri" panose="020F0502020204030204" pitchFamily="34" charset="0"/>
-              <a:buNone/>
-            </a:pPr>
-            <a:endParaRPr lang="en-US" altLang="ko-KR">
-              <a:solidFill>
-                <a:srgbClr val="FFFFFF"/>
-              </a:solidFill>
-            </a:endParaRPr>
-          </a:p>
-        </p:txBody>
-      </p:sp>
-      <p:sp>
-        <p:nvSpPr>
-          <p:cNvPr id="11" name="직사각형 10"/>
+          <p:cNvPr id="13" name="사각형: 둥근 모서리 12"/>
           <p:cNvSpPr/>
           <p:nvPr/>
         </p:nvSpPr>
         <p:spPr>
           <a:xfrm>
-            <a:off x="2830980" y="3432956"/>
-            <a:ext cx="2052000" cy="720000"/>
+            <a:off x="1251428" y="1855012"/>
+            <a:ext cx="973561" cy="360000"/>
           </a:xfrm>
-          <a:prstGeom prst="rect">
+          <a:prstGeom prst="roundRect">
             <a:avLst/>
           </a:prstGeom>
-          <a:solidFill>
-            <a:schemeClr val="bg1"/>
-          </a:solidFill>
-          <a:ln w="25400">
-            <a:solidFill>
-              <a:srgbClr val="63A537"/>
-            </a:solidFill>
-          </a:ln>
+          <a:ln w="25400"/>
         </p:spPr>
         <p:style>
           <a:lnRef idx="2">
@@ -9744,870 +10451,17 @@
           <a:p>
             <a:pPr algn="ctr"/>
             <a:r>
-              <a:rPr lang="en-US" altLang="ko-KR" sz="2000">
-                <a:solidFill>
-                  <a:schemeClr val="tx1"/>
-                </a:solidFill>
-              </a:rPr>
-              <a:t>1.1 </a:t>
-            </a:r>
-            <a:r>
-              <a:rPr lang="ko-KR" altLang="en-US" sz="2000">
-                <a:solidFill>
-                  <a:schemeClr val="tx1"/>
-                </a:solidFill>
-              </a:rPr>
-              <a:t>파일</a:t>
-            </a:r>
-          </a:p>
-        </p:txBody>
-      </p:sp>
-      <p:sp>
-        <p:nvSpPr>
-          <p:cNvPr id="12" name="직사각형 11"/>
-          <p:cNvSpPr/>
-          <p:nvPr/>
-        </p:nvSpPr>
-        <p:spPr>
-          <a:xfrm>
-            <a:off x="5100480" y="3432956"/>
-            <a:ext cx="2052000" cy="720000"/>
-          </a:xfrm>
-          <a:prstGeom prst="rect">
-            <a:avLst/>
-          </a:prstGeom>
-          <a:solidFill>
-            <a:schemeClr val="bg1"/>
-          </a:solidFill>
-          <a:ln w="25400">
-            <a:solidFill>
-              <a:srgbClr val="63A537"/>
-            </a:solidFill>
-          </a:ln>
-        </p:spPr>
-        <p:style>
-          <a:lnRef idx="2">
-            <a:schemeClr val="accent1">
-              <a:shade val="50000"/>
-            </a:schemeClr>
-          </a:lnRef>
-          <a:fillRef idx="1">
-            <a:schemeClr val="accent1"/>
-          </a:fillRef>
-          <a:effectRef idx="0">
-            <a:schemeClr val="accent1"/>
-          </a:effectRef>
-          <a:fontRef idx="minor">
-            <a:schemeClr val="lt1"/>
-          </a:fontRef>
-        </p:style>
-        <p:txBody>
-          <a:bodyPr rtlCol="0" anchor="ctr"/>
-          <a:lstStyle/>
-          <a:p>
-            <a:pPr algn="ctr"/>
-            <a:r>
-              <a:rPr lang="en-US" altLang="ko-KR" sz="2000">
-                <a:solidFill>
-                  <a:schemeClr val="tx1"/>
-                </a:solidFill>
-              </a:rPr>
-              <a:t>1.2 </a:t>
-            </a:r>
-            <a:r>
-              <a:rPr lang="ko-KR" altLang="en-US" sz="2000">
-                <a:solidFill>
-                  <a:schemeClr val="tx1"/>
-                </a:solidFill>
-              </a:rPr>
-              <a:t>편집</a:t>
-            </a:r>
-          </a:p>
-        </p:txBody>
-      </p:sp>
-      <p:sp>
-        <p:nvSpPr>
-          <p:cNvPr id="13" name="직사각형 12"/>
-          <p:cNvSpPr/>
-          <p:nvPr/>
-        </p:nvSpPr>
-        <p:spPr>
-          <a:xfrm>
-            <a:off x="7364836" y="3432956"/>
-            <a:ext cx="2052000" cy="720000"/>
-          </a:xfrm>
-          <a:prstGeom prst="rect">
-            <a:avLst/>
-          </a:prstGeom>
-          <a:solidFill>
-            <a:schemeClr val="bg1"/>
-          </a:solidFill>
-          <a:ln w="25400">
-            <a:solidFill>
-              <a:srgbClr val="63A537"/>
-            </a:solidFill>
-          </a:ln>
-        </p:spPr>
-        <p:style>
-          <a:lnRef idx="2">
-            <a:schemeClr val="accent1">
-              <a:shade val="50000"/>
-            </a:schemeClr>
-          </a:lnRef>
-          <a:fillRef idx="1">
-            <a:schemeClr val="accent1"/>
-          </a:fillRef>
-          <a:effectRef idx="0">
-            <a:schemeClr val="accent1"/>
-          </a:effectRef>
-          <a:fontRef idx="minor">
-            <a:schemeClr val="lt1"/>
-          </a:fontRef>
-        </p:style>
-        <p:txBody>
-          <a:bodyPr rtlCol="0" anchor="ctr"/>
-          <a:lstStyle/>
-          <a:p>
-            <a:pPr algn="ctr"/>
-            <a:r>
-              <a:rPr lang="en-US" altLang="ko-KR" sz="2000">
-                <a:solidFill>
-                  <a:schemeClr val="tx1"/>
-                </a:solidFill>
-              </a:rPr>
-              <a:t>1.3 </a:t>
-            </a:r>
-            <a:r>
-              <a:rPr lang="ko-KR" altLang="en-US" sz="2000">
-                <a:solidFill>
-                  <a:schemeClr val="tx1"/>
-                </a:solidFill>
-              </a:rPr>
-              <a:t>삽입</a:t>
-            </a:r>
-            <a:endParaRPr lang="ko-KR" altLang="en-US" sz="1000">
-              <a:solidFill>
-                <a:schemeClr val="tx1"/>
-              </a:solidFill>
-            </a:endParaRPr>
-          </a:p>
-        </p:txBody>
-      </p:sp>
-      <p:sp>
-        <p:nvSpPr>
-          <p:cNvPr id="15" name="직사각형 14"/>
-          <p:cNvSpPr/>
-          <p:nvPr/>
-        </p:nvSpPr>
-        <p:spPr>
-          <a:xfrm>
-            <a:off x="2830980" y="4235245"/>
-            <a:ext cx="2052000" cy="1764000"/>
-          </a:xfrm>
-          <a:prstGeom prst="rect">
-            <a:avLst/>
-          </a:prstGeom>
-          <a:solidFill>
-            <a:schemeClr val="bg1"/>
-          </a:solidFill>
-          <a:ln w="25400">
-            <a:solidFill>
-              <a:srgbClr val="63A537"/>
-            </a:solidFill>
-          </a:ln>
-        </p:spPr>
-        <p:style>
-          <a:lnRef idx="2">
-            <a:schemeClr val="accent1">
-              <a:shade val="50000"/>
-            </a:schemeClr>
-          </a:lnRef>
-          <a:fillRef idx="1">
-            <a:schemeClr val="accent1"/>
-          </a:fillRef>
-          <a:effectRef idx="0">
-            <a:schemeClr val="accent1"/>
-          </a:effectRef>
-          <a:fontRef idx="minor">
-            <a:schemeClr val="lt1"/>
-          </a:fontRef>
-        </p:style>
-        <p:txBody>
-          <a:bodyPr rtlCol="0" anchor="ctr"/>
-          <a:lstStyle/>
-          <a:p>
-            <a:pPr marL="285750" indent="-285750">
-              <a:buFont typeface="Arial" panose="020B0604020202020204" pitchFamily="34" charset="0"/>
-              <a:buChar char="•"/>
-            </a:pPr>
-            <a:r>
-              <a:rPr lang="ko-KR" altLang="en-US" sz="1400">
-                <a:solidFill>
-                  <a:srgbClr val="0A0C11"/>
-                </a:solidFill>
-              </a:rPr>
-              <a:t>파일정보</a:t>
-            </a:r>
-            <a:endParaRPr lang="en-US" altLang="ko-KR" sz="1400">
-              <a:solidFill>
-                <a:srgbClr val="0A0C11"/>
-              </a:solidFill>
-            </a:endParaRPr>
-          </a:p>
-          <a:p>
-            <a:pPr marL="285750" indent="-285750">
-              <a:buFont typeface="Arial" panose="020B0604020202020204" pitchFamily="34" charset="0"/>
-              <a:buChar char="•"/>
-            </a:pPr>
-            <a:r>
-              <a:rPr lang="ko-KR" altLang="en-US" sz="1400">
-                <a:solidFill>
-                  <a:srgbClr val="63A537"/>
-                </a:solidFill>
-              </a:rPr>
-              <a:t>새로 만들기 </a:t>
-            </a:r>
-            <a:r>
-              <a:rPr lang="en-US" altLang="ko-KR" sz="1400">
-                <a:solidFill>
-                  <a:srgbClr val="63A537"/>
-                </a:solidFill>
-              </a:rPr>
-              <a:t>(</a:t>
-            </a:r>
-            <a:r>
-              <a:rPr lang="en-US" altLang="ko-KR" sz="1400" err="1">
-                <a:solidFill>
-                  <a:srgbClr val="63A537"/>
-                </a:solidFill>
-              </a:rPr>
-              <a:t>Ctrl+N</a:t>
-            </a:r>
-            <a:r>
-              <a:rPr lang="en-US" altLang="ko-KR" sz="1400">
-                <a:solidFill>
-                  <a:srgbClr val="63A537"/>
-                </a:solidFill>
-              </a:rPr>
-              <a:t>)</a:t>
-            </a:r>
-          </a:p>
-          <a:p>
-            <a:pPr marL="285750" indent="-285750">
-              <a:buFont typeface="Arial" panose="020B0604020202020204" pitchFamily="34" charset="0"/>
-              <a:buChar char="•"/>
-            </a:pPr>
-            <a:r>
-              <a:rPr lang="ko-KR" altLang="en-US" sz="1400">
-                <a:solidFill>
-                  <a:srgbClr val="63A537"/>
-                </a:solidFill>
-              </a:rPr>
-              <a:t>열기 </a:t>
-            </a:r>
-            <a:r>
-              <a:rPr lang="en-US" altLang="ko-KR" sz="1400">
-                <a:solidFill>
-                  <a:srgbClr val="63A537"/>
-                </a:solidFill>
-              </a:rPr>
-              <a:t>(</a:t>
-            </a:r>
-            <a:r>
-              <a:rPr lang="en-US" altLang="ko-KR" sz="1400" err="1">
-                <a:solidFill>
-                  <a:srgbClr val="63A537"/>
-                </a:solidFill>
-              </a:rPr>
-              <a:t>Ctrl+O</a:t>
-            </a:r>
-            <a:r>
-              <a:rPr lang="en-US" altLang="ko-KR" sz="1400">
-                <a:solidFill>
-                  <a:srgbClr val="63A537"/>
-                </a:solidFill>
-              </a:rPr>
-              <a:t>)</a:t>
-            </a:r>
-          </a:p>
-          <a:p>
-            <a:pPr marL="742950" lvl="1" indent="-285750">
-              <a:buFont typeface="Arial" panose="020B0604020202020204" pitchFamily="34" charset="0"/>
-              <a:buChar char="•"/>
-            </a:pPr>
-            <a:r>
-              <a:rPr lang="en-US" altLang="ko-KR" sz="1400" err="1">
-                <a:solidFill>
-                  <a:srgbClr val="63A537"/>
-                </a:solidFill>
-              </a:rPr>
-              <a:t>OpenFileDialog</a:t>
-            </a:r>
-            <a:endParaRPr lang="en-US" altLang="ko-KR" sz="1400">
-              <a:solidFill>
-                <a:srgbClr val="63A537"/>
-              </a:solidFill>
-            </a:endParaRPr>
-          </a:p>
-          <a:p>
-            <a:pPr marL="285750" indent="-285750">
-              <a:buFont typeface="Arial" panose="020B0604020202020204" pitchFamily="34" charset="0"/>
-              <a:buChar char="•"/>
-            </a:pPr>
-            <a:r>
-              <a:rPr lang="ko-KR" altLang="en-US" sz="1400">
-                <a:solidFill>
-                  <a:srgbClr val="63A537"/>
-                </a:solidFill>
-              </a:rPr>
-              <a:t>저장 </a:t>
-            </a:r>
-            <a:r>
-              <a:rPr lang="en-US" altLang="ko-KR" sz="1400">
-                <a:solidFill>
-                  <a:srgbClr val="63A537"/>
-                </a:solidFill>
-              </a:rPr>
-              <a:t>(</a:t>
-            </a:r>
-            <a:r>
-              <a:rPr lang="en-US" altLang="ko-KR" sz="1400" err="1">
-                <a:solidFill>
-                  <a:srgbClr val="63A537"/>
-                </a:solidFill>
-              </a:rPr>
-              <a:t>Ctrl+S</a:t>
-            </a:r>
-            <a:r>
-              <a:rPr lang="en-US" altLang="ko-KR" sz="1400">
-                <a:solidFill>
-                  <a:srgbClr val="63A537"/>
-                </a:solidFill>
-              </a:rPr>
-              <a:t>)</a:t>
-            </a:r>
-          </a:p>
-          <a:p>
-            <a:pPr marL="742950" lvl="1" indent="-285750">
-              <a:buFont typeface="Arial" panose="020B0604020202020204" pitchFamily="34" charset="0"/>
-              <a:buChar char="•"/>
-            </a:pPr>
-            <a:r>
-              <a:rPr lang="en-US" altLang="ko-KR" sz="1400" err="1">
-                <a:solidFill>
-                  <a:srgbClr val="63A537"/>
-                </a:solidFill>
-              </a:rPr>
-              <a:t>SaveFileDialog</a:t>
-            </a:r>
-            <a:endParaRPr lang="en-US" altLang="ko-KR" sz="1400">
-              <a:solidFill>
-                <a:srgbClr val="63A537"/>
-              </a:solidFill>
-            </a:endParaRPr>
-          </a:p>
-          <a:p>
-            <a:pPr marL="285750" indent="-285750">
-              <a:buFont typeface="Arial" panose="020B0604020202020204" pitchFamily="34" charset="0"/>
-              <a:buChar char="•"/>
-            </a:pPr>
-            <a:r>
-              <a:rPr lang="ko-KR" altLang="en-US" sz="1400">
-                <a:solidFill>
-                  <a:srgbClr val="63A537"/>
-                </a:solidFill>
-              </a:rPr>
-              <a:t>다른 이름으로 저장</a:t>
-            </a:r>
-            <a:endParaRPr lang="en-US" altLang="ko-KR" sz="1400">
-              <a:solidFill>
-                <a:srgbClr val="63A537"/>
-              </a:solidFill>
-            </a:endParaRPr>
-          </a:p>
-          <a:p>
-            <a:pPr marL="285750" indent="-285750">
-              <a:buFont typeface="Arial" panose="020B0604020202020204" pitchFamily="34" charset="0"/>
-              <a:buChar char="•"/>
-            </a:pPr>
-            <a:r>
-              <a:rPr lang="ko-KR" altLang="en-US" sz="1400">
-                <a:solidFill>
-                  <a:srgbClr val="63A537"/>
-                </a:solidFill>
-              </a:rPr>
-              <a:t>공유</a:t>
-            </a:r>
-          </a:p>
-        </p:txBody>
-      </p:sp>
-      <p:sp>
-        <p:nvSpPr>
-          <p:cNvPr id="16" name="직사각형 15"/>
-          <p:cNvSpPr/>
-          <p:nvPr/>
-        </p:nvSpPr>
-        <p:spPr>
-          <a:xfrm>
-            <a:off x="5097908" y="4235420"/>
-            <a:ext cx="2052000" cy="1764000"/>
-          </a:xfrm>
-          <a:prstGeom prst="rect">
-            <a:avLst/>
-          </a:prstGeom>
-          <a:solidFill>
-            <a:schemeClr val="bg1"/>
-          </a:solidFill>
-          <a:ln w="25400">
-            <a:solidFill>
-              <a:srgbClr val="63A537"/>
-            </a:solidFill>
-          </a:ln>
-        </p:spPr>
-        <p:style>
-          <a:lnRef idx="2">
-            <a:schemeClr val="accent1">
-              <a:shade val="50000"/>
-            </a:schemeClr>
-          </a:lnRef>
-          <a:fillRef idx="1">
-            <a:schemeClr val="accent1"/>
-          </a:fillRef>
-          <a:effectRef idx="0">
-            <a:schemeClr val="accent1"/>
-          </a:effectRef>
-          <a:fontRef idx="minor">
-            <a:schemeClr val="lt1"/>
-          </a:fontRef>
-        </p:style>
-        <p:txBody>
-          <a:bodyPr rtlCol="0" anchor="ctr"/>
-          <a:lstStyle/>
-          <a:p>
-            <a:pPr marL="285750" indent="-285750">
-              <a:buFont typeface="Arial" panose="020B0604020202020204" pitchFamily="34" charset="0"/>
-              <a:buChar char="•"/>
-            </a:pPr>
-            <a:r>
-              <a:rPr lang="ko-KR" altLang="en-US" sz="1400">
-                <a:solidFill>
-                  <a:srgbClr val="63A537"/>
-                </a:solidFill>
-              </a:rPr>
-              <a:t>지우기 </a:t>
-            </a:r>
-            <a:r>
-              <a:rPr lang="en-US" altLang="ko-KR" sz="1400">
-                <a:solidFill>
-                  <a:srgbClr val="63A537"/>
-                </a:solidFill>
-              </a:rPr>
-              <a:t>(</a:t>
-            </a:r>
-            <a:r>
-              <a:rPr lang="en-US" altLang="ko-KR" sz="1400" err="1">
-                <a:solidFill>
-                  <a:srgbClr val="63A537"/>
-                </a:solidFill>
-              </a:rPr>
-              <a:t>Ctrl+R</a:t>
-            </a:r>
-            <a:r>
-              <a:rPr lang="en-US" altLang="ko-KR" sz="1400">
-                <a:solidFill>
-                  <a:srgbClr val="63A537"/>
-                </a:solidFill>
-              </a:rPr>
-              <a:t>)</a:t>
-            </a:r>
-          </a:p>
-          <a:p>
-            <a:pPr marL="742950" lvl="1" indent="-285750">
-              <a:buFont typeface="Arial" panose="020B0604020202020204" pitchFamily="34" charset="0"/>
-              <a:buChar char="•"/>
-            </a:pPr>
-            <a:r>
-              <a:rPr lang="en-US" altLang="ko-KR" sz="1400">
-                <a:solidFill>
-                  <a:srgbClr val="63A537"/>
-                </a:solidFill>
-              </a:rPr>
-              <a:t>Medium eraser</a:t>
-            </a:r>
-          </a:p>
-          <a:p>
-            <a:pPr marL="742950" lvl="1" indent="-285750">
-              <a:buFont typeface="Arial" panose="020B0604020202020204" pitchFamily="34" charset="0"/>
-              <a:buChar char="•"/>
-            </a:pPr>
-            <a:r>
-              <a:rPr lang="en-US" altLang="ko-KR" sz="1400">
-                <a:solidFill>
-                  <a:srgbClr val="63A537"/>
-                </a:solidFill>
-              </a:rPr>
-              <a:t>Stroke eraser</a:t>
-            </a:r>
-          </a:p>
-          <a:p>
-            <a:pPr marL="285750" indent="-285750">
-              <a:buFont typeface="Arial" panose="020B0604020202020204" pitchFamily="34" charset="0"/>
-              <a:buChar char="•"/>
-            </a:pPr>
-            <a:r>
-              <a:rPr lang="ko-KR" altLang="en-US" sz="1400">
-                <a:solidFill>
-                  <a:srgbClr val="63A537"/>
-                </a:solidFill>
-              </a:rPr>
-              <a:t>되돌리기 </a:t>
-            </a:r>
-            <a:r>
-              <a:rPr lang="en-US" altLang="ko-KR" sz="1400">
-                <a:solidFill>
-                  <a:srgbClr val="63A537"/>
-                </a:solidFill>
-              </a:rPr>
-              <a:t>(</a:t>
-            </a:r>
-            <a:r>
-              <a:rPr lang="en-US" altLang="ko-KR" sz="1400" err="1">
-                <a:solidFill>
-                  <a:srgbClr val="63A537"/>
-                </a:solidFill>
-              </a:rPr>
-              <a:t>Ctrl+Z</a:t>
-            </a:r>
-            <a:r>
-              <a:rPr lang="en-US" altLang="ko-KR" sz="1400">
-                <a:solidFill>
-                  <a:srgbClr val="63A537"/>
-                </a:solidFill>
-              </a:rPr>
-              <a:t>) </a:t>
-            </a:r>
-          </a:p>
-          <a:p>
-            <a:pPr marL="742950" lvl="1" indent="-285750">
-              <a:buFont typeface="Arial" panose="020B0604020202020204" pitchFamily="34" charset="0"/>
-              <a:buChar char="•"/>
-            </a:pPr>
-            <a:r>
-              <a:rPr lang="en-US" altLang="ko-KR" sz="1400">
-                <a:solidFill>
-                  <a:srgbClr val="63A537"/>
-                </a:solidFill>
-              </a:rPr>
-              <a:t>+</a:t>
-            </a:r>
-            <a:r>
-              <a:rPr lang="ko-KR" altLang="en-US" sz="1400">
-                <a:solidFill>
-                  <a:srgbClr val="63A537"/>
-                </a:solidFill>
-              </a:rPr>
-              <a:t> </a:t>
-            </a:r>
-            <a:r>
-              <a:rPr lang="en-US" altLang="ko-KR" sz="1400">
-                <a:solidFill>
-                  <a:srgbClr val="63A537"/>
-                </a:solidFill>
-              </a:rPr>
-              <a:t>/ -</a:t>
-            </a:r>
-            <a:r>
-              <a:rPr lang="ko-KR" altLang="en-US" sz="1400">
-                <a:solidFill>
-                  <a:srgbClr val="63A537"/>
-                </a:solidFill>
-              </a:rPr>
-              <a:t> </a:t>
-            </a:r>
-            <a:r>
-              <a:rPr lang="en-US" altLang="ko-KR" sz="1400">
-                <a:solidFill>
-                  <a:srgbClr val="63A537"/>
-                </a:solidFill>
-              </a:rPr>
-              <a:t>: 5</a:t>
-            </a:r>
-            <a:r>
-              <a:rPr lang="ko-KR" altLang="en-US" sz="1400">
-                <a:solidFill>
-                  <a:srgbClr val="63A537"/>
-                </a:solidFill>
-              </a:rPr>
-              <a:t>번</a:t>
-            </a:r>
-            <a:endParaRPr lang="en-US" altLang="ko-KR" sz="1400">
-              <a:solidFill>
-                <a:srgbClr val="63A537"/>
-              </a:solidFill>
-            </a:endParaRPr>
-          </a:p>
-          <a:p>
-            <a:pPr marL="285750" indent="-285750">
-              <a:buFont typeface="Arial" panose="020B0604020202020204" pitchFamily="34" charset="0"/>
-              <a:buChar char="•"/>
-            </a:pPr>
-            <a:r>
-              <a:rPr lang="ko-KR" altLang="en-US" sz="1400">
-                <a:solidFill>
-                  <a:srgbClr val="63A537"/>
-                </a:solidFill>
-              </a:rPr>
-              <a:t>되살리기 </a:t>
-            </a:r>
-            <a:r>
-              <a:rPr lang="en-US" altLang="ko-KR" sz="1400">
-                <a:solidFill>
-                  <a:srgbClr val="63A537"/>
-                </a:solidFill>
-              </a:rPr>
-              <a:t>(</a:t>
-            </a:r>
-            <a:r>
-              <a:rPr lang="en-US" altLang="ko-KR" sz="1400" err="1">
-                <a:solidFill>
-                  <a:srgbClr val="63A537"/>
-                </a:solidFill>
-              </a:rPr>
-              <a:t>Ctrl+Y</a:t>
-            </a:r>
-            <a:r>
-              <a:rPr lang="en-US" altLang="ko-KR" sz="1400">
-                <a:solidFill>
-                  <a:srgbClr val="63A537"/>
-                </a:solidFill>
-              </a:rPr>
-              <a:t>)</a:t>
-            </a:r>
-          </a:p>
-          <a:p>
-            <a:pPr marL="742950" lvl="1" indent="-285750">
-              <a:buFont typeface="Arial" panose="020B0604020202020204" pitchFamily="34" charset="0"/>
-              <a:buChar char="•"/>
-            </a:pPr>
-            <a:r>
-              <a:rPr lang="en-US" altLang="ko-KR" sz="1400">
-                <a:solidFill>
-                  <a:srgbClr val="63A537"/>
-                </a:solidFill>
-              </a:rPr>
-              <a:t>+ / - : 5</a:t>
-            </a:r>
-            <a:r>
-              <a:rPr lang="ko-KR" altLang="en-US" sz="1400">
-                <a:solidFill>
-                  <a:srgbClr val="63A537"/>
-                </a:solidFill>
-              </a:rPr>
-              <a:t>번</a:t>
-            </a:r>
-            <a:endParaRPr lang="en-US" altLang="ko-KR" sz="1400">
-              <a:solidFill>
-                <a:srgbClr val="63A537"/>
-              </a:solidFill>
-            </a:endParaRPr>
-          </a:p>
-        </p:txBody>
-      </p:sp>
-      <p:sp>
-        <p:nvSpPr>
-          <p:cNvPr id="17" name="직사각형 16"/>
-          <p:cNvSpPr/>
-          <p:nvPr/>
-        </p:nvSpPr>
-        <p:spPr>
-          <a:xfrm>
-            <a:off x="7364836" y="4235246"/>
-            <a:ext cx="2052000" cy="1764000"/>
-          </a:xfrm>
-          <a:prstGeom prst="rect">
-            <a:avLst/>
-          </a:prstGeom>
-          <a:solidFill>
-            <a:schemeClr val="bg1"/>
-          </a:solidFill>
-          <a:ln w="25400">
-            <a:solidFill>
-              <a:srgbClr val="63A537"/>
-            </a:solidFill>
-          </a:ln>
-        </p:spPr>
-        <p:style>
-          <a:lnRef idx="2">
-            <a:schemeClr val="accent1">
-              <a:shade val="50000"/>
-            </a:schemeClr>
-          </a:lnRef>
-          <a:fillRef idx="1">
-            <a:schemeClr val="accent1"/>
-          </a:fillRef>
-          <a:effectRef idx="0">
-            <a:schemeClr val="accent1"/>
-          </a:effectRef>
-          <a:fontRef idx="minor">
-            <a:schemeClr val="lt1"/>
-          </a:fontRef>
-        </p:style>
-        <p:txBody>
-          <a:bodyPr rtlCol="0" anchor="ctr"/>
-          <a:lstStyle/>
-          <a:p>
-            <a:pPr marL="285750" indent="-285750">
-              <a:buFont typeface="Arial" panose="020B0604020202020204" pitchFamily="34" charset="0"/>
-              <a:buChar char="•"/>
-            </a:pPr>
-            <a:r>
-              <a:rPr lang="ko-KR" altLang="en-US" sz="1400">
-                <a:solidFill>
-                  <a:srgbClr val="FF0000"/>
-                </a:solidFill>
-              </a:rPr>
-              <a:t>이미지 </a:t>
-            </a:r>
-            <a:r>
-              <a:rPr lang="en-US" altLang="ko-KR" sz="1400">
-                <a:solidFill>
-                  <a:srgbClr val="FF0000"/>
-                </a:solidFill>
-              </a:rPr>
-              <a:t>(</a:t>
-            </a:r>
-            <a:r>
-              <a:rPr lang="en-US" altLang="ko-KR" sz="1400" err="1">
-                <a:solidFill>
-                  <a:srgbClr val="FF0000"/>
-                </a:solidFill>
-              </a:rPr>
-              <a:t>Ctrl+I</a:t>
-            </a:r>
-            <a:r>
-              <a:rPr lang="en-US" altLang="ko-KR" sz="1400">
-                <a:solidFill>
-                  <a:srgbClr val="FF0000"/>
-                </a:solidFill>
-              </a:rPr>
-              <a:t>)</a:t>
-            </a:r>
-          </a:p>
-          <a:p>
-            <a:pPr marL="742950" lvl="1" indent="-285750">
-              <a:buFont typeface="Arial" panose="020B0604020202020204" pitchFamily="34" charset="0"/>
-              <a:buChar char="•"/>
-            </a:pPr>
-            <a:r>
-              <a:rPr lang="en-US" altLang="ko-KR" sz="1400" err="1">
-                <a:solidFill>
-                  <a:srgbClr val="FF0000"/>
-                </a:solidFill>
-              </a:rPr>
-              <a:t>Daum</a:t>
-            </a:r>
-            <a:r>
-              <a:rPr lang="en-US" altLang="ko-KR" sz="1400">
-                <a:solidFill>
-                  <a:srgbClr val="FF0000"/>
-                </a:solidFill>
-              </a:rPr>
-              <a:t> API</a:t>
-            </a:r>
-          </a:p>
-          <a:p>
-            <a:pPr marL="742950" lvl="1" indent="-285750">
-              <a:buFont typeface="Arial" panose="020B0604020202020204" pitchFamily="34" charset="0"/>
-              <a:buChar char="•"/>
-            </a:pPr>
-            <a:r>
-              <a:rPr lang="en-US" altLang="ko-KR" sz="1400">
-                <a:solidFill>
-                  <a:srgbClr val="FF0000"/>
-                </a:solidFill>
-              </a:rPr>
-              <a:t>Image Dialog</a:t>
-            </a:r>
-          </a:p>
-          <a:p>
-            <a:pPr marL="285750" indent="-285750">
-              <a:buFont typeface="Arial" panose="020B0604020202020204" pitchFamily="34" charset="0"/>
-              <a:buChar char="•"/>
-            </a:pPr>
-            <a:r>
-              <a:rPr lang="ko-KR" altLang="en-US" sz="1400">
-                <a:solidFill>
-                  <a:srgbClr val="FF0000"/>
-                </a:solidFill>
-              </a:rPr>
-              <a:t>도형 </a:t>
-            </a:r>
-            <a:r>
-              <a:rPr lang="en-US" altLang="ko-KR" sz="1400">
-                <a:solidFill>
-                  <a:srgbClr val="FF0000"/>
-                </a:solidFill>
-              </a:rPr>
-              <a:t>(</a:t>
-            </a:r>
-            <a:r>
-              <a:rPr lang="en-US" altLang="ko-KR" sz="1400" err="1">
-                <a:solidFill>
-                  <a:srgbClr val="FF0000"/>
-                </a:solidFill>
-              </a:rPr>
-              <a:t>Ctrl+F</a:t>
-            </a:r>
-            <a:r>
-              <a:rPr lang="en-US" altLang="ko-KR" sz="1400">
-                <a:solidFill>
-                  <a:srgbClr val="FF0000"/>
-                </a:solidFill>
-              </a:rPr>
-              <a:t>)</a:t>
-            </a:r>
-          </a:p>
-          <a:p>
-            <a:pPr marL="742950" lvl="1" indent="-285750">
-              <a:buFont typeface="Arial" panose="020B0604020202020204" pitchFamily="34" charset="0"/>
-              <a:buChar char="•"/>
-            </a:pPr>
-            <a:r>
-              <a:rPr lang="ko-KR" altLang="en-US" sz="1400">
-                <a:solidFill>
-                  <a:srgbClr val="FF0000"/>
-                </a:solidFill>
-              </a:rPr>
-              <a:t>모양</a:t>
-            </a:r>
-            <a:r>
-              <a:rPr lang="en-US" altLang="ko-KR" sz="1400">
-                <a:solidFill>
-                  <a:srgbClr val="FF0000"/>
-                </a:solidFill>
-              </a:rPr>
-              <a:t>/</a:t>
-            </a:r>
-            <a:r>
-              <a:rPr lang="ko-KR" altLang="en-US" sz="1400">
-                <a:solidFill>
-                  <a:srgbClr val="FF0000"/>
-                </a:solidFill>
-              </a:rPr>
-              <a:t>크기 수정 가능</a:t>
-            </a:r>
-            <a:endParaRPr lang="en-US" altLang="ko-KR" sz="1400">
-              <a:solidFill>
-                <a:srgbClr val="FF0000"/>
-              </a:solidFill>
-            </a:endParaRPr>
+              <a:rPr lang="en-US" altLang="ko-KR" sz="2400" b="1" dirty="0"/>
+              <a:t>Tool</a:t>
+            </a:r>
+            <a:endParaRPr lang="ko-KR" altLang="en-US" sz="2400" b="1" dirty="0"/>
           </a:p>
         </p:txBody>
       </p:sp>
     </p:spTree>
     <p:extLst>
       <p:ext uri="{BB962C8B-B14F-4D97-AF65-F5344CB8AC3E}">
-        <p14:creationId xmlns:p14="http://schemas.microsoft.com/office/powerpoint/2010/main" val="2003828197"/>
+        <p14:creationId xmlns:p14="http://schemas.microsoft.com/office/powerpoint/2010/main" val="4205579320"/>
       </p:ext>
     </p:extLst>
   </p:cSld>
@@ -10717,104 +10571,643 @@
           </a:p>
         </p:txBody>
       </p:sp>
+      <p:graphicFrame>
+        <p:nvGraphicFramePr>
+          <p:cNvPr id="6" name="표 5"/>
+          <p:cNvGraphicFramePr>
+            <a:graphicFrameLocks noGrp="1"/>
+          </p:cNvGraphicFramePr>
+          <p:nvPr>
+            <p:extLst>
+              <p:ext uri="{D42A27DB-BD31-4B8C-83A1-F6EECF244321}">
+                <p14:modId xmlns:p14="http://schemas.microsoft.com/office/powerpoint/2010/main" val="1738443846"/>
+              </p:ext>
+            </p:extLst>
+          </p:nvPr>
+        </p:nvGraphicFramePr>
+        <p:xfrm>
+          <a:off x="2441754" y="1846134"/>
+          <a:ext cx="8713926" cy="4370238"/>
+        </p:xfrm>
+        <a:graphic>
+          <a:graphicData uri="http://schemas.openxmlformats.org/drawingml/2006/table">
+            <a:tbl>
+              <a:tblPr firstRow="1" bandRow="1">
+                <a:tableStyleId>{5C22544A-7EE6-4342-B048-85BDC9FD1C3A}</a:tableStyleId>
+              </a:tblPr>
+              <a:tblGrid>
+                <a:gridCol w="2904642">
+                  <a:extLst>
+                    <a:ext uri="{9D8B030D-6E8A-4147-A177-3AD203B41FA5}">
+                      <a16:colId xmlns:a16="http://schemas.microsoft.com/office/drawing/2014/main" val="866492935"/>
+                    </a:ext>
+                  </a:extLst>
+                </a:gridCol>
+                <a:gridCol w="2904642">
+                  <a:extLst>
+                    <a:ext uri="{9D8B030D-6E8A-4147-A177-3AD203B41FA5}">
+                      <a16:colId xmlns:a16="http://schemas.microsoft.com/office/drawing/2014/main" val="2866938355"/>
+                    </a:ext>
+                  </a:extLst>
+                </a:gridCol>
+                <a:gridCol w="2904642">
+                  <a:extLst>
+                    <a:ext uri="{9D8B030D-6E8A-4147-A177-3AD203B41FA5}">
+                      <a16:colId xmlns:a16="http://schemas.microsoft.com/office/drawing/2014/main" val="3164153899"/>
+                    </a:ext>
+                  </a:extLst>
+                </a:gridCol>
+              </a:tblGrid>
+              <a:tr h="392598">
+                <a:tc>
+                  <a:txBody>
+                    <a:bodyPr/>
+                    <a:lstStyle/>
+                    <a:p>
+                      <a:pPr algn="ctr" latinLnBrk="1"/>
+                      <a:r>
+                        <a:rPr lang="ko-KR" altLang="en-US" sz="1800" b="1" dirty="0">
+                          <a:solidFill>
+                            <a:schemeClr val="bg1"/>
+                          </a:solidFill>
+                        </a:rPr>
+                        <a:t>개발 완료한 기능 </a:t>
+                      </a:r>
+                      <a:endParaRPr lang="ko-KR" altLang="en-US" dirty="0">
+                        <a:solidFill>
+                          <a:schemeClr val="bg1"/>
+                        </a:solidFill>
+                      </a:endParaRPr>
+                    </a:p>
+                  </a:txBody>
+                  <a:tcPr/>
+                </a:tc>
+                <a:tc>
+                  <a:txBody>
+                    <a:bodyPr/>
+                    <a:lstStyle/>
+                    <a:p>
+                      <a:pPr algn="ctr" latinLnBrk="1"/>
+                      <a:r>
+                        <a:rPr lang="ko-KR" altLang="en-US" sz="1800" b="1" dirty="0">
+                          <a:solidFill>
+                            <a:schemeClr val="bg1"/>
+                          </a:solidFill>
+                        </a:rPr>
+                        <a:t>개발할 기능 </a:t>
+                      </a:r>
+                      <a:endParaRPr lang="ko-KR" altLang="en-US" dirty="0">
+                        <a:solidFill>
+                          <a:schemeClr val="bg1"/>
+                        </a:solidFill>
+                      </a:endParaRPr>
+                    </a:p>
+                  </a:txBody>
+                  <a:tcPr/>
+                </a:tc>
+                <a:tc>
+                  <a:txBody>
+                    <a:bodyPr/>
+                    <a:lstStyle/>
+                    <a:p>
+                      <a:pPr algn="ctr" latinLnBrk="1"/>
+                      <a:r>
+                        <a:rPr lang="ko-KR" altLang="en-US" sz="1800" b="1" dirty="0">
+                          <a:solidFill>
+                            <a:schemeClr val="bg1"/>
+                          </a:solidFill>
+                        </a:rPr>
+                        <a:t>개발에서 제외할 기능 </a:t>
+                      </a:r>
+                      <a:endParaRPr lang="ko-KR" altLang="en-US" dirty="0">
+                        <a:solidFill>
+                          <a:schemeClr val="bg1"/>
+                        </a:solidFill>
+                      </a:endParaRPr>
+                    </a:p>
+                  </a:txBody>
+                  <a:tcPr/>
+                </a:tc>
+                <a:extLst>
+                  <a:ext uri="{0D108BD9-81ED-4DB2-BD59-A6C34878D82A}">
+                    <a16:rowId xmlns:a16="http://schemas.microsoft.com/office/drawing/2014/main" val="1376537564"/>
+                  </a:ext>
+                </a:extLst>
+              </a:tr>
+              <a:tr h="3549509">
+                <a:tc>
+                  <a:txBody>
+                    <a:bodyPr/>
+                    <a:lstStyle/>
+                    <a:p>
+                      <a:pPr marL="342900" indent="-342900">
+                        <a:buFont typeface="Wingdings" panose="05000000000000000000" pitchFamily="2" charset="2"/>
+                        <a:buChar char="ü"/>
+                      </a:pPr>
+                      <a:r>
+                        <a:rPr lang="ko-KR" altLang="en-US" sz="1500" b="0" i="0" dirty="0">
+                          <a:latin typeface="+mn-ea"/>
+                          <a:ea typeface="+mn-ea"/>
+                        </a:rPr>
+                        <a:t>어플리케이션에서 시각장애인 접근성 지침 일부 적용</a:t>
+                      </a:r>
+                      <a:endParaRPr lang="en-US" altLang="ko-KR" sz="1500" b="0" i="0" dirty="0">
+                        <a:latin typeface="+mn-ea"/>
+                        <a:ea typeface="+mn-ea"/>
+                      </a:endParaRPr>
+                    </a:p>
+                    <a:p>
+                      <a:pPr marL="342900" indent="-342900">
+                        <a:buFont typeface="Wingdings" panose="05000000000000000000" pitchFamily="2" charset="2"/>
+                        <a:buChar char="ü"/>
+                      </a:pPr>
+                      <a:endParaRPr lang="en-US" altLang="ko-KR" sz="1500" b="0" i="0" dirty="0">
+                        <a:latin typeface="+mn-ea"/>
+                        <a:ea typeface="+mn-ea"/>
+                      </a:endParaRPr>
+                    </a:p>
+                    <a:p>
+                      <a:pPr marL="342900" indent="-342900">
+                        <a:buFont typeface="Wingdings" panose="05000000000000000000" pitchFamily="2" charset="2"/>
+                        <a:buChar char="ü"/>
+                      </a:pPr>
+                      <a:r>
+                        <a:rPr lang="en-US" altLang="ko-KR" sz="1500" b="0" i="0" dirty="0">
+                          <a:latin typeface="+mn-ea"/>
+                          <a:ea typeface="+mn-ea"/>
+                        </a:rPr>
+                        <a:t>E-Book </a:t>
+                      </a:r>
+                      <a:r>
+                        <a:rPr lang="ko-KR" altLang="en-US" sz="1500" b="0" i="0" dirty="0">
+                          <a:latin typeface="+mn-ea"/>
+                          <a:ea typeface="+mn-ea"/>
+                        </a:rPr>
+                        <a:t>불러오기</a:t>
+                      </a:r>
+                      <a:endParaRPr lang="en-US" altLang="ko-KR" sz="1500" b="0" i="0" dirty="0">
+                        <a:latin typeface="+mn-ea"/>
+                        <a:ea typeface="+mn-ea"/>
+                      </a:endParaRPr>
+                    </a:p>
+                    <a:p>
+                      <a:pPr marL="0" indent="0">
+                        <a:buFont typeface="Wingdings" panose="05000000000000000000" pitchFamily="2" charset="2"/>
+                        <a:buNone/>
+                      </a:pPr>
+                      <a:r>
+                        <a:rPr lang="en-US" altLang="ko-KR" sz="1500" b="0" i="0" dirty="0">
+                          <a:latin typeface="+mn-ea"/>
+                          <a:ea typeface="+mn-ea"/>
+                        </a:rPr>
+                        <a:t>    - </a:t>
+                      </a:r>
+                      <a:r>
+                        <a:rPr lang="ko-KR" altLang="en-US" sz="1500" b="0" i="0" dirty="0">
+                          <a:latin typeface="+mn-ea"/>
+                          <a:ea typeface="+mn-ea"/>
+                        </a:rPr>
+                        <a:t>웹으로부터 파싱</a:t>
+                      </a:r>
+                      <a:endParaRPr lang="en-US" altLang="ko-KR" sz="1500" b="0" i="0" dirty="0">
+                        <a:latin typeface="+mn-ea"/>
+                        <a:ea typeface="+mn-ea"/>
+                      </a:endParaRPr>
+                    </a:p>
+                    <a:p>
+                      <a:pPr marL="0" indent="0">
+                        <a:buFont typeface="Wingdings" panose="05000000000000000000" pitchFamily="2" charset="2"/>
+                        <a:buNone/>
+                      </a:pPr>
+                      <a:endParaRPr lang="en-US" altLang="ko-KR" sz="1500" b="0" i="0" dirty="0">
+                        <a:latin typeface="+mn-ea"/>
+                        <a:ea typeface="+mn-ea"/>
+                      </a:endParaRPr>
+                    </a:p>
+                    <a:p>
+                      <a:pPr marL="342900" indent="-342900">
+                        <a:buFont typeface="Wingdings" panose="05000000000000000000" pitchFamily="2" charset="2"/>
+                        <a:buChar char="ü"/>
+                      </a:pPr>
+                      <a:r>
+                        <a:rPr lang="en-US" altLang="ko-KR" sz="1500" b="0" i="0" dirty="0">
+                          <a:latin typeface="+mn-ea"/>
+                          <a:ea typeface="+mn-ea"/>
+                        </a:rPr>
+                        <a:t>E-Book </a:t>
+                      </a:r>
+                      <a:r>
+                        <a:rPr lang="ko-KR" altLang="en-US" sz="1500" b="0" i="0" dirty="0">
+                          <a:latin typeface="+mn-ea"/>
+                          <a:ea typeface="+mn-ea"/>
+                        </a:rPr>
+                        <a:t>열기</a:t>
+                      </a:r>
+                      <a:endParaRPr lang="en-US" altLang="ko-KR" sz="1500" b="0" i="0" dirty="0">
+                        <a:latin typeface="+mn-ea"/>
+                        <a:ea typeface="+mn-ea"/>
+                      </a:endParaRPr>
+                    </a:p>
+                    <a:p>
+                      <a:pPr marL="0" indent="0">
+                        <a:buFont typeface="Wingdings" panose="05000000000000000000" pitchFamily="2" charset="2"/>
+                        <a:buNone/>
+                      </a:pPr>
+                      <a:r>
+                        <a:rPr lang="en-US" altLang="ko-KR" sz="1500" b="0" i="0" dirty="0">
+                          <a:latin typeface="+mn-ea"/>
+                          <a:ea typeface="+mn-ea"/>
+                        </a:rPr>
+                        <a:t>    - </a:t>
+                      </a:r>
+                      <a:r>
+                        <a:rPr lang="en-US" altLang="ko-KR" sz="1500" b="0" i="0" dirty="0" err="1">
+                          <a:latin typeface="+mn-ea"/>
+                          <a:ea typeface="+mn-ea"/>
+                        </a:rPr>
+                        <a:t>Epublib</a:t>
+                      </a:r>
+                      <a:r>
+                        <a:rPr lang="en-US" altLang="ko-KR" sz="1500" b="0" i="0" dirty="0">
+                          <a:latin typeface="+mn-ea"/>
+                          <a:ea typeface="+mn-ea"/>
+                        </a:rPr>
+                        <a:t> </a:t>
+                      </a:r>
+                      <a:r>
+                        <a:rPr lang="ko-KR" altLang="en-US" sz="1500" b="0" i="0" dirty="0">
+                          <a:latin typeface="+mn-ea"/>
+                          <a:ea typeface="+mn-ea"/>
+                        </a:rPr>
+                        <a:t>사용</a:t>
+                      </a:r>
+                      <a:endParaRPr lang="en-US" altLang="ko-KR" sz="1500" b="0" i="0" dirty="0">
+                        <a:latin typeface="+mn-ea"/>
+                        <a:ea typeface="+mn-ea"/>
+                      </a:endParaRPr>
+                    </a:p>
+                    <a:p>
+                      <a:pPr marL="0" indent="0">
+                        <a:buFont typeface="Wingdings" panose="05000000000000000000" pitchFamily="2" charset="2"/>
+                        <a:buNone/>
+                      </a:pPr>
+                      <a:endParaRPr lang="en-US" altLang="ko-KR" sz="1500" b="0" i="0" dirty="0">
+                        <a:latin typeface="+mn-ea"/>
+                        <a:ea typeface="+mn-ea"/>
+                      </a:endParaRPr>
+                    </a:p>
+                    <a:p>
+                      <a:pPr marL="342900" indent="-342900">
+                        <a:buFont typeface="Wingdings" panose="05000000000000000000" pitchFamily="2" charset="2"/>
+                        <a:buChar char="ü"/>
+                      </a:pPr>
+                      <a:r>
+                        <a:rPr lang="en-US" altLang="ko-KR" sz="1500" b="0" i="0" dirty="0">
+                          <a:latin typeface="+mn-ea"/>
+                          <a:ea typeface="+mn-ea"/>
+                        </a:rPr>
+                        <a:t> E-Book TTS</a:t>
+                      </a:r>
+                    </a:p>
+                    <a:p>
+                      <a:pPr marL="0" indent="0">
+                        <a:buFont typeface="Wingdings" panose="05000000000000000000" pitchFamily="2" charset="2"/>
+                        <a:buNone/>
+                      </a:pPr>
+                      <a:r>
+                        <a:rPr lang="en-US" altLang="ko-KR" sz="1500" b="0" i="0" dirty="0">
+                          <a:latin typeface="+mn-ea"/>
+                          <a:ea typeface="+mn-ea"/>
+                        </a:rPr>
+                        <a:t>     - </a:t>
+                      </a:r>
+                      <a:r>
+                        <a:rPr lang="en-US" altLang="ko-KR" sz="1500" b="0" i="0" dirty="0" err="1">
+                          <a:latin typeface="+mn-ea"/>
+                          <a:ea typeface="+mn-ea"/>
+                        </a:rPr>
+                        <a:t>Epublib</a:t>
+                      </a:r>
+                      <a:r>
+                        <a:rPr lang="en-US" altLang="ko-KR" sz="1500" b="0" i="0" dirty="0">
+                          <a:latin typeface="+mn-ea"/>
+                          <a:ea typeface="+mn-ea"/>
+                        </a:rPr>
+                        <a:t> </a:t>
+                      </a:r>
+                      <a:r>
+                        <a:rPr lang="ko-KR" altLang="en-US" sz="1500" b="0" i="0" dirty="0">
+                          <a:latin typeface="+mn-ea"/>
+                          <a:ea typeface="+mn-ea"/>
+                        </a:rPr>
+                        <a:t>사용</a:t>
+                      </a:r>
+                      <a:endParaRPr lang="en-US" altLang="ko-KR" sz="1500" b="0" i="0" dirty="0">
+                        <a:latin typeface="+mn-ea"/>
+                        <a:ea typeface="+mn-ea"/>
+                      </a:endParaRPr>
+                    </a:p>
+                    <a:p>
+                      <a:pPr marL="0" indent="0">
+                        <a:buFont typeface="Wingdings" panose="05000000000000000000" pitchFamily="2" charset="2"/>
+                        <a:buNone/>
+                      </a:pPr>
+                      <a:endParaRPr lang="en-US" altLang="ko-KR" sz="1500" b="0" i="0" dirty="0">
+                        <a:latin typeface="+mn-ea"/>
+                        <a:ea typeface="+mn-ea"/>
+                      </a:endParaRPr>
+                    </a:p>
+                    <a:p>
+                      <a:pPr marL="342900" indent="-342900">
+                        <a:buFont typeface="Wingdings" panose="05000000000000000000" pitchFamily="2" charset="2"/>
+                        <a:buChar char="ü"/>
+                      </a:pPr>
+                      <a:r>
+                        <a:rPr lang="en-US" altLang="ko-KR" sz="1500" b="0" i="0" dirty="0">
+                          <a:latin typeface="+mn-ea"/>
+                          <a:ea typeface="+mn-ea"/>
+                        </a:rPr>
+                        <a:t> E-Book STT</a:t>
+                      </a:r>
+                    </a:p>
+                    <a:p>
+                      <a:pPr marL="0" indent="0">
+                        <a:buFont typeface="Wingdings" panose="05000000000000000000" pitchFamily="2" charset="2"/>
+                        <a:buNone/>
+                      </a:pPr>
+                      <a:r>
+                        <a:rPr lang="en-US" altLang="ko-KR" sz="1500" b="0" i="0" dirty="0">
+                          <a:latin typeface="+mn-ea"/>
+                          <a:ea typeface="+mn-ea"/>
+                        </a:rPr>
+                        <a:t>     - Google’s STT </a:t>
+                      </a:r>
+                      <a:r>
+                        <a:rPr lang="ko-KR" altLang="en-US" sz="1500" b="0" i="0" dirty="0">
+                          <a:latin typeface="+mn-ea"/>
+                          <a:ea typeface="+mn-ea"/>
+                        </a:rPr>
+                        <a:t>사용</a:t>
+                      </a:r>
+                      <a:endParaRPr lang="en-US" altLang="ko-KR" sz="1500" b="0" i="0" dirty="0">
+                        <a:latin typeface="+mn-ea"/>
+                        <a:ea typeface="+mn-ea"/>
+                      </a:endParaRPr>
+                    </a:p>
+                    <a:p>
+                      <a:pPr marL="0" indent="0">
+                        <a:buFont typeface="Wingdings" panose="05000000000000000000" pitchFamily="2" charset="2"/>
+                        <a:buNone/>
+                      </a:pPr>
+                      <a:endParaRPr lang="en-US" altLang="ko-KR" sz="1500" b="0" i="0" dirty="0">
+                        <a:latin typeface="+mn-ea"/>
+                        <a:ea typeface="+mn-ea"/>
+                      </a:endParaRPr>
+                    </a:p>
+                    <a:p>
+                      <a:pPr marL="342900" indent="-342900">
+                        <a:buFont typeface="Wingdings" panose="05000000000000000000" pitchFamily="2" charset="2"/>
+                        <a:buChar char="ü"/>
+                      </a:pPr>
+                      <a:r>
+                        <a:rPr lang="ko-KR" altLang="en-US" sz="1500" b="0" i="0" dirty="0">
+                          <a:latin typeface="+mn-ea"/>
+                          <a:ea typeface="+mn-ea"/>
+                        </a:rPr>
+                        <a:t>블루투스 연결</a:t>
+                      </a:r>
+                    </a:p>
+                    <a:p>
+                      <a:pPr latinLnBrk="1"/>
+                      <a:endParaRPr lang="ko-KR" altLang="en-US" sz="1500" dirty="0"/>
+                    </a:p>
+                  </a:txBody>
+                  <a:tcPr/>
+                </a:tc>
+                <a:tc>
+                  <a:txBody>
+                    <a:bodyPr/>
+                    <a:lstStyle/>
+                    <a:p>
+                      <a:pPr marL="342900" indent="-342900">
+                        <a:buFont typeface="Wingdings" panose="05000000000000000000" pitchFamily="2" charset="2"/>
+                        <a:buChar char="ü"/>
+                      </a:pPr>
+                      <a:r>
+                        <a:rPr lang="en-US" altLang="ko-KR" sz="1500" b="0" i="0" dirty="0">
+                          <a:solidFill>
+                            <a:schemeClr val="tx1"/>
+                          </a:solidFill>
+                          <a:latin typeface="+mn-ea"/>
+                          <a:ea typeface="+mn-ea"/>
+                        </a:rPr>
+                        <a:t>STT </a:t>
+                      </a:r>
+                      <a:r>
+                        <a:rPr lang="ko-KR" altLang="en-US" sz="1500" b="0" i="0" dirty="0">
+                          <a:solidFill>
+                            <a:schemeClr val="tx1"/>
+                          </a:solidFill>
+                          <a:latin typeface="+mn-ea"/>
+                          <a:ea typeface="+mn-ea"/>
+                        </a:rPr>
+                        <a:t>기능 보완</a:t>
+                      </a:r>
+                      <a:endParaRPr lang="en-US" altLang="ko-KR" sz="1500" b="0" i="0" dirty="0">
+                        <a:solidFill>
+                          <a:schemeClr val="tx1"/>
+                        </a:solidFill>
+                        <a:latin typeface="+mn-ea"/>
+                        <a:ea typeface="+mn-ea"/>
+                      </a:endParaRPr>
+                    </a:p>
+                    <a:p>
+                      <a:pPr marL="342900" indent="-342900">
+                        <a:buFont typeface="Wingdings" panose="05000000000000000000" pitchFamily="2" charset="2"/>
+                        <a:buChar char="ü"/>
+                      </a:pPr>
+                      <a:endParaRPr lang="en-US" altLang="ko-KR" sz="1500" b="0" i="0" dirty="0">
+                        <a:solidFill>
+                          <a:schemeClr val="tx1"/>
+                        </a:solidFill>
+                        <a:latin typeface="+mn-ea"/>
+                        <a:ea typeface="+mn-ea"/>
+                      </a:endParaRPr>
+                    </a:p>
+                    <a:p>
+                      <a:pPr marL="342900" indent="-342900">
+                        <a:buFont typeface="Wingdings" panose="05000000000000000000" pitchFamily="2" charset="2"/>
+                        <a:buChar char="ü"/>
+                      </a:pPr>
+                      <a:r>
+                        <a:rPr lang="ko-KR" altLang="en-US" sz="1500" b="0" i="0" dirty="0">
+                          <a:solidFill>
+                            <a:schemeClr val="tx1"/>
+                          </a:solidFill>
+                          <a:latin typeface="+mn-ea"/>
+                          <a:ea typeface="+mn-ea"/>
+                        </a:rPr>
+                        <a:t>촉각그래픽 디스플레이 역할 </a:t>
+                      </a:r>
+                      <a:r>
+                        <a:rPr lang="ko-KR" altLang="en-US" sz="1500" b="0" i="0" dirty="0" err="1">
+                          <a:solidFill>
+                            <a:schemeClr val="tx1"/>
+                          </a:solidFill>
+                          <a:latin typeface="+mn-ea"/>
+                          <a:ea typeface="+mn-ea"/>
+                        </a:rPr>
+                        <a:t>테블릿에서</a:t>
+                      </a:r>
+                      <a:r>
+                        <a:rPr lang="ko-KR" altLang="en-US" sz="1500" b="0" i="0" dirty="0">
+                          <a:solidFill>
+                            <a:schemeClr val="tx1"/>
+                          </a:solidFill>
+                          <a:latin typeface="+mn-ea"/>
+                          <a:ea typeface="+mn-ea"/>
+                        </a:rPr>
+                        <a:t> 일부분 시각장애인 접근성 지침 적용</a:t>
+                      </a:r>
+                      <a:endParaRPr lang="en-US" altLang="ko-KR" sz="1500" b="0" i="0" dirty="0">
+                        <a:solidFill>
+                          <a:schemeClr val="tx1"/>
+                        </a:solidFill>
+                        <a:latin typeface="+mn-ea"/>
+                        <a:ea typeface="+mn-ea"/>
+                      </a:endParaRPr>
+                    </a:p>
+                    <a:p>
+                      <a:pPr marL="342900" indent="-342900">
+                        <a:buFont typeface="Wingdings" panose="05000000000000000000" pitchFamily="2" charset="2"/>
+                        <a:buChar char="ü"/>
+                      </a:pPr>
+                      <a:endParaRPr lang="en-US" altLang="ko-KR" sz="1500" b="0" i="0" dirty="0">
+                        <a:solidFill>
+                          <a:schemeClr val="tx1"/>
+                        </a:solidFill>
+                        <a:latin typeface="+mn-ea"/>
+                        <a:ea typeface="+mn-ea"/>
+                      </a:endParaRPr>
+                    </a:p>
+                    <a:p>
+                      <a:pPr marL="342900" indent="-342900">
+                        <a:buFont typeface="Wingdings" panose="05000000000000000000" pitchFamily="2" charset="2"/>
+                        <a:buChar char="ü"/>
+                      </a:pPr>
+                      <a:r>
+                        <a:rPr lang="ko-KR" altLang="en-US" sz="1500" b="0" i="0" dirty="0">
+                          <a:solidFill>
+                            <a:schemeClr val="tx1"/>
+                          </a:solidFill>
+                          <a:latin typeface="+mn-ea"/>
+                          <a:ea typeface="+mn-ea"/>
+                        </a:rPr>
+                        <a:t>촉각그래픽 디스플레이 역할 </a:t>
+                      </a:r>
+                      <a:r>
+                        <a:rPr lang="ko-KR" altLang="en-US" sz="1500" b="0" i="0" dirty="0" err="1">
+                          <a:solidFill>
+                            <a:schemeClr val="tx1"/>
+                          </a:solidFill>
+                          <a:latin typeface="+mn-ea"/>
+                          <a:ea typeface="+mn-ea"/>
+                        </a:rPr>
+                        <a:t>테블릿에서</a:t>
+                      </a:r>
+                      <a:r>
+                        <a:rPr lang="ko-KR" altLang="en-US" sz="1500" b="0" i="0" dirty="0">
+                          <a:solidFill>
+                            <a:schemeClr val="tx1"/>
+                          </a:solidFill>
+                          <a:latin typeface="+mn-ea"/>
+                          <a:ea typeface="+mn-ea"/>
+                        </a:rPr>
+                        <a:t> 이미지 인지 기능 보완</a:t>
+                      </a:r>
+                      <a:endParaRPr lang="en-US" altLang="ko-KR" sz="1500" b="0" i="0" dirty="0">
+                        <a:solidFill>
+                          <a:schemeClr val="tx1"/>
+                        </a:solidFill>
+                        <a:latin typeface="+mn-ea"/>
+                        <a:ea typeface="+mn-ea"/>
+                      </a:endParaRPr>
+                    </a:p>
+                    <a:p>
+                      <a:pPr marL="342900" indent="-342900">
+                        <a:buFont typeface="Wingdings" panose="05000000000000000000" pitchFamily="2" charset="2"/>
+                        <a:buChar char="ü"/>
+                      </a:pPr>
+                      <a:endParaRPr lang="en-US" altLang="ko-KR" sz="1600" b="0" i="0" dirty="0">
+                        <a:solidFill>
+                          <a:schemeClr val="tx1"/>
+                        </a:solidFill>
+                        <a:latin typeface="+mn-ea"/>
+                        <a:ea typeface="+mn-ea"/>
+                      </a:endParaRPr>
+                    </a:p>
+                  </a:txBody>
+                  <a:tcPr/>
+                </a:tc>
+                <a:tc>
+                  <a:txBody>
+                    <a:bodyPr/>
+                    <a:lstStyle/>
+                    <a:p>
+                      <a:pPr algn="ctr" latinLnBrk="1"/>
+                      <a:endParaRPr lang="en-US" altLang="ko-KR" dirty="0"/>
+                    </a:p>
+                    <a:p>
+                      <a:pPr algn="ctr" latinLnBrk="1"/>
+                      <a:endParaRPr lang="en-US" altLang="ko-KR" dirty="0"/>
+                    </a:p>
+                    <a:p>
+                      <a:pPr algn="ctr" latinLnBrk="1"/>
+                      <a:endParaRPr lang="en-US" altLang="ko-KR" dirty="0"/>
+                    </a:p>
+                    <a:p>
+                      <a:pPr algn="ctr" latinLnBrk="1"/>
+                      <a:endParaRPr lang="en-US" altLang="ko-KR" dirty="0"/>
+                    </a:p>
+                    <a:p>
+                      <a:pPr algn="ctr" latinLnBrk="1"/>
+                      <a:endParaRPr lang="en-US" altLang="ko-KR" dirty="0"/>
+                    </a:p>
+                    <a:p>
+                      <a:pPr algn="ctr" latinLnBrk="1"/>
+                      <a:r>
+                        <a:rPr lang="en-US" altLang="ko-KR" dirty="0"/>
+                        <a:t>_</a:t>
+                      </a:r>
+                    </a:p>
+                  </a:txBody>
+                  <a:tcPr/>
+                </a:tc>
+                <a:extLst>
+                  <a:ext uri="{0D108BD9-81ED-4DB2-BD59-A6C34878D82A}">
+                    <a16:rowId xmlns:a16="http://schemas.microsoft.com/office/drawing/2014/main" val="3713962764"/>
+                  </a:ext>
+                </a:extLst>
+              </a:tr>
+            </a:tbl>
+          </a:graphicData>
+        </a:graphic>
+      </p:graphicFrame>
       <p:sp>
         <p:nvSpPr>
-          <p:cNvPr id="10" name="내용 개체 틀 9"/>
-          <p:cNvSpPr>
-            <a:spLocks noGrp="1"/>
-          </p:cNvSpPr>
-          <p:nvPr>
-            <p:ph idx="1"/>
-          </p:nvPr>
-        </p:nvSpPr>
-        <p:spPr>
-          <a:xfrm>
-            <a:off x="1958102" y="2049948"/>
-            <a:ext cx="8525171" cy="4023360"/>
-          </a:xfrm>
-        </p:spPr>
-        <p:txBody>
-          <a:bodyPr>
-            <a:normAutofit/>
-          </a:bodyPr>
-          <a:lstStyle/>
-          <a:p>
-            <a:pPr marL="0" indent="0">
-              <a:buNone/>
-            </a:pPr>
-            <a:r>
-              <a:rPr lang="ko-KR" altLang="en-US" sz="2400" b="1">
-                <a:solidFill>
-                  <a:schemeClr val="tx1"/>
-                </a:solidFill>
-                <a:latin typeface="Batang" panose="02030600000101010101" pitchFamily="18" charset="-127"/>
-                <a:ea typeface="Batang" panose="02030600000101010101" pitchFamily="18" charset="-127"/>
-              </a:rPr>
-              <a:t>☞ </a:t>
-            </a:r>
-            <a:r>
-              <a:rPr lang="ko-KR" altLang="en-US" sz="2400" b="1">
-                <a:solidFill>
-                  <a:srgbClr val="63A537"/>
-                </a:solidFill>
-              </a:rPr>
-              <a:t>개발 완료한 기능</a:t>
-            </a:r>
-            <a:r>
-              <a:rPr lang="ko-KR" altLang="en-US" sz="2400" b="1">
-                <a:solidFill>
-                  <a:schemeClr val="tx1"/>
-                </a:solidFill>
-              </a:rPr>
-              <a:t> </a:t>
-            </a:r>
-            <a:r>
-              <a:rPr lang="en-US" altLang="ko-KR" sz="2400" b="1">
-                <a:solidFill>
-                  <a:schemeClr val="tx1"/>
-                </a:solidFill>
-              </a:rPr>
-              <a:t>(</a:t>
-            </a:r>
-            <a:r>
-              <a:rPr lang="ko-KR" altLang="en-US" sz="2400" b="1">
-                <a:solidFill>
-                  <a:schemeClr val="tx1"/>
-                </a:solidFill>
-              </a:rPr>
-              <a:t>툴</a:t>
-            </a:r>
-            <a:r>
-              <a:rPr lang="en-US" altLang="ko-KR" sz="2400" b="1">
-                <a:solidFill>
-                  <a:schemeClr val="tx1"/>
-                </a:solidFill>
-              </a:rPr>
-              <a:t>)</a:t>
-            </a:r>
-          </a:p>
-        </p:txBody>
-      </p:sp>
-      <p:sp>
-        <p:nvSpPr>
-          <p:cNvPr id="16" name="직사각형 15"/>
+          <p:cNvPr id="8" name="사각형: 둥근 모서리 7"/>
           <p:cNvSpPr/>
           <p:nvPr/>
         </p:nvSpPr>
         <p:spPr>
           <a:xfrm>
-            <a:off x="2204731" y="2569253"/>
-            <a:ext cx="2052000" cy="3298760"/>
+            <a:off x="1230445" y="1846134"/>
+            <a:ext cx="973561" cy="360000"/>
           </a:xfrm>
-          <a:prstGeom prst="rect">
+          <a:prstGeom prst="roundRect">
             <a:avLst/>
           </a:prstGeom>
-          <a:solidFill>
-            <a:schemeClr val="bg1"/>
-          </a:solidFill>
-          <a:ln w="25400">
-            <a:noFill/>
-          </a:ln>
+          <a:ln w="25400"/>
         </p:spPr>
         <p:style>
           <a:lnRef idx="2">
@@ -10836,440 +11229,19 @@
           <a:bodyPr rtlCol="0" anchor="ctr"/>
           <a:lstStyle/>
           <a:p>
-            <a:pPr marL="285750" indent="-285750">
-              <a:buFont typeface="Arial" panose="020B0604020202020204" pitchFamily="34" charset="0"/>
-              <a:buChar char="•"/>
-            </a:pPr>
-            <a:r>
-              <a:rPr lang="ko-KR" altLang="en-US" sz="1400" b="1">
-                <a:solidFill>
-                  <a:schemeClr val="tx1"/>
-                </a:solidFill>
-              </a:rPr>
-              <a:t>새로 만들기</a:t>
-            </a:r>
-            <a:r>
-              <a:rPr lang="ko-KR" altLang="en-US" sz="1400">
-                <a:solidFill>
-                  <a:schemeClr val="tx1"/>
-                </a:solidFill>
-              </a:rPr>
-              <a:t> </a:t>
-            </a:r>
-            <a:r>
-              <a:rPr lang="en-US" altLang="ko-KR" sz="1400">
-                <a:solidFill>
-                  <a:schemeClr val="tx1"/>
-                </a:solidFill>
-              </a:rPr>
-              <a:t>(</a:t>
-            </a:r>
-            <a:r>
-              <a:rPr lang="en-US" altLang="ko-KR" sz="1400" err="1">
-                <a:solidFill>
-                  <a:schemeClr val="tx1"/>
-                </a:solidFill>
-              </a:rPr>
-              <a:t>Ctrl+N</a:t>
-            </a:r>
-            <a:r>
-              <a:rPr lang="en-US" altLang="ko-KR" sz="1400">
-                <a:solidFill>
-                  <a:schemeClr val="tx1"/>
-                </a:solidFill>
-              </a:rPr>
-              <a:t>)</a:t>
-            </a:r>
-          </a:p>
-          <a:p>
-            <a:pPr marL="285750" indent="-285750">
-              <a:buFont typeface="Arial" panose="020B0604020202020204" pitchFamily="34" charset="0"/>
-              <a:buChar char="•"/>
-            </a:pPr>
-            <a:r>
-              <a:rPr lang="ko-KR" altLang="en-US" sz="1400" b="1">
-                <a:solidFill>
-                  <a:schemeClr val="tx1"/>
-                </a:solidFill>
-              </a:rPr>
-              <a:t>열기</a:t>
-            </a:r>
-            <a:r>
-              <a:rPr lang="ko-KR" altLang="en-US" sz="1400">
-                <a:solidFill>
-                  <a:schemeClr val="tx1"/>
-                </a:solidFill>
-              </a:rPr>
-              <a:t> </a:t>
-            </a:r>
-            <a:r>
-              <a:rPr lang="en-US" altLang="ko-KR" sz="1400">
-                <a:solidFill>
-                  <a:schemeClr val="tx1"/>
-                </a:solidFill>
-              </a:rPr>
-              <a:t>(</a:t>
-            </a:r>
-            <a:r>
-              <a:rPr lang="en-US" altLang="ko-KR" sz="1400" err="1">
-                <a:solidFill>
-                  <a:schemeClr val="tx1"/>
-                </a:solidFill>
-              </a:rPr>
-              <a:t>Ctrl+O</a:t>
-            </a:r>
-            <a:r>
-              <a:rPr lang="en-US" altLang="ko-KR" sz="1400">
-                <a:solidFill>
-                  <a:schemeClr val="tx1"/>
-                </a:solidFill>
-              </a:rPr>
-              <a:t>)</a:t>
-            </a:r>
-          </a:p>
-          <a:p>
-            <a:pPr marL="742950" lvl="1" indent="-285750">
-              <a:buFont typeface="Arial" panose="020B0604020202020204" pitchFamily="34" charset="0"/>
-              <a:buChar char="•"/>
-            </a:pPr>
-            <a:r>
-              <a:rPr lang="en-US" altLang="ko-KR" sz="1400" err="1">
-                <a:solidFill>
-                  <a:schemeClr val="tx1"/>
-                </a:solidFill>
-              </a:rPr>
-              <a:t>OpenFileDialog</a:t>
-            </a:r>
-            <a:endParaRPr lang="en-US" altLang="ko-KR" sz="1400">
-              <a:solidFill>
-                <a:schemeClr val="tx1"/>
-              </a:solidFill>
-            </a:endParaRPr>
-          </a:p>
-          <a:p>
-            <a:pPr marL="285750" indent="-285750">
-              <a:buFont typeface="Arial" panose="020B0604020202020204" pitchFamily="34" charset="0"/>
-              <a:buChar char="•"/>
-            </a:pPr>
-            <a:r>
-              <a:rPr lang="ko-KR" altLang="en-US" sz="1400" b="1">
-                <a:solidFill>
-                  <a:schemeClr val="tx1"/>
-                </a:solidFill>
-              </a:rPr>
-              <a:t>저장</a:t>
-            </a:r>
-            <a:r>
-              <a:rPr lang="ko-KR" altLang="en-US" sz="1400">
-                <a:solidFill>
-                  <a:schemeClr val="tx1"/>
-                </a:solidFill>
-              </a:rPr>
-              <a:t> </a:t>
-            </a:r>
-            <a:r>
-              <a:rPr lang="en-US" altLang="ko-KR" sz="1400">
-                <a:solidFill>
-                  <a:schemeClr val="tx1"/>
-                </a:solidFill>
-              </a:rPr>
-              <a:t>(</a:t>
-            </a:r>
-            <a:r>
-              <a:rPr lang="en-US" altLang="ko-KR" sz="1400" err="1">
-                <a:solidFill>
-                  <a:schemeClr val="tx1"/>
-                </a:solidFill>
-              </a:rPr>
-              <a:t>Ctrl+S</a:t>
-            </a:r>
-            <a:r>
-              <a:rPr lang="en-US" altLang="ko-KR" sz="1400">
-                <a:solidFill>
-                  <a:schemeClr val="tx1"/>
-                </a:solidFill>
-              </a:rPr>
-              <a:t>)</a:t>
-            </a:r>
-          </a:p>
-          <a:p>
-            <a:pPr marL="742950" lvl="1" indent="-285750">
-              <a:buFont typeface="Arial" panose="020B0604020202020204" pitchFamily="34" charset="0"/>
-              <a:buChar char="•"/>
-            </a:pPr>
-            <a:r>
-              <a:rPr lang="en-US" altLang="ko-KR" sz="1400" err="1">
-                <a:solidFill>
-                  <a:schemeClr val="tx1"/>
-                </a:solidFill>
-              </a:rPr>
-              <a:t>SaveFileDialog</a:t>
-            </a:r>
-            <a:endParaRPr lang="en-US" altLang="ko-KR" sz="1400">
-              <a:solidFill>
-                <a:schemeClr val="tx1"/>
-              </a:solidFill>
-            </a:endParaRPr>
-          </a:p>
-          <a:p>
-            <a:pPr marL="285750" indent="-285750">
-              <a:buFont typeface="Arial" panose="020B0604020202020204" pitchFamily="34" charset="0"/>
-              <a:buChar char="•"/>
-            </a:pPr>
-            <a:r>
-              <a:rPr lang="ko-KR" altLang="en-US" sz="1400" b="1">
-                <a:solidFill>
-                  <a:schemeClr val="tx1"/>
-                </a:solidFill>
-              </a:rPr>
-              <a:t>다른 이름으로 저장</a:t>
-            </a:r>
-            <a:endParaRPr lang="en-US" altLang="ko-KR" sz="1400" b="1">
-              <a:solidFill>
-                <a:schemeClr val="tx1"/>
-              </a:solidFill>
-            </a:endParaRPr>
-          </a:p>
-          <a:p>
-            <a:pPr marL="285750" indent="-285750">
-              <a:buFont typeface="Arial" panose="020B0604020202020204" pitchFamily="34" charset="0"/>
-              <a:buChar char="•"/>
-            </a:pPr>
-            <a:r>
-              <a:rPr lang="ko-KR" altLang="en-US" sz="1400" b="1">
-                <a:solidFill>
-                  <a:schemeClr val="tx1"/>
-                </a:solidFill>
-              </a:rPr>
-              <a:t>공유</a:t>
-            </a:r>
-            <a:endParaRPr lang="en-US" altLang="ko-KR" sz="1400" b="1">
-              <a:solidFill>
-                <a:schemeClr val="tx1"/>
-              </a:solidFill>
-            </a:endParaRPr>
-          </a:p>
-          <a:p>
-            <a:pPr marL="285750" indent="-285750">
-              <a:buFont typeface="Arial" panose="020B0604020202020204" pitchFamily="34" charset="0"/>
-              <a:buChar char="•"/>
-            </a:pPr>
-            <a:r>
-              <a:rPr lang="ko-KR" altLang="en-US" sz="1400" b="1">
-                <a:solidFill>
-                  <a:schemeClr val="tx1"/>
-                </a:solidFill>
-              </a:rPr>
-              <a:t>지우기</a:t>
-            </a:r>
-            <a:r>
-              <a:rPr lang="ko-KR" altLang="en-US" sz="1400">
-                <a:solidFill>
-                  <a:schemeClr val="tx1"/>
-                </a:solidFill>
-              </a:rPr>
-              <a:t> </a:t>
-            </a:r>
-            <a:r>
-              <a:rPr lang="en-US" altLang="ko-KR" sz="1400">
-                <a:solidFill>
-                  <a:schemeClr val="tx1"/>
-                </a:solidFill>
-              </a:rPr>
-              <a:t>(Ctrl+R)</a:t>
-            </a:r>
-          </a:p>
-          <a:p>
-            <a:pPr marL="742950" lvl="1" indent="-285750">
-              <a:buFont typeface="Arial" panose="020B0604020202020204" pitchFamily="34" charset="0"/>
-              <a:buChar char="•"/>
-            </a:pPr>
-            <a:r>
-              <a:rPr lang="en-US" altLang="ko-KR" sz="1400">
-                <a:solidFill>
-                  <a:schemeClr val="tx1"/>
-                </a:solidFill>
-              </a:rPr>
-              <a:t>Medium eraser</a:t>
-            </a:r>
-          </a:p>
-          <a:p>
-            <a:pPr marL="742950" lvl="1" indent="-285750">
-              <a:buFont typeface="Arial" panose="020B0604020202020204" pitchFamily="34" charset="0"/>
-              <a:buChar char="•"/>
-            </a:pPr>
-            <a:r>
-              <a:rPr lang="en-US" altLang="ko-KR" sz="1400">
-                <a:solidFill>
-                  <a:schemeClr val="tx1"/>
-                </a:solidFill>
-              </a:rPr>
-              <a:t>Stroke eraser</a:t>
-            </a:r>
-          </a:p>
-          <a:p>
-            <a:pPr marL="285750" indent="-285750">
-              <a:buFont typeface="Arial" panose="020B0604020202020204" pitchFamily="34" charset="0"/>
-              <a:buChar char="•"/>
-            </a:pPr>
-            <a:r>
-              <a:rPr lang="ko-KR" altLang="en-US" sz="1400" b="1">
-                <a:solidFill>
-                  <a:schemeClr val="tx1"/>
-                </a:solidFill>
-              </a:rPr>
-              <a:t>되돌리기</a:t>
-            </a:r>
-            <a:r>
-              <a:rPr lang="ko-KR" altLang="en-US" sz="1400">
-                <a:solidFill>
-                  <a:schemeClr val="tx1"/>
-                </a:solidFill>
-              </a:rPr>
-              <a:t> </a:t>
-            </a:r>
-            <a:r>
-              <a:rPr lang="en-US" altLang="ko-KR" sz="1400">
-                <a:solidFill>
-                  <a:schemeClr val="tx1"/>
-                </a:solidFill>
-              </a:rPr>
-              <a:t>(Ctrl+Z) </a:t>
-            </a:r>
-          </a:p>
-          <a:p>
-            <a:pPr marL="742950" lvl="1" indent="-285750">
-              <a:buFont typeface="Arial" panose="020B0604020202020204" pitchFamily="34" charset="0"/>
-              <a:buChar char="•"/>
-            </a:pPr>
-            <a:r>
-              <a:rPr lang="en-US" altLang="ko-KR" sz="1400">
-                <a:solidFill>
-                  <a:schemeClr val="tx1"/>
-                </a:solidFill>
-              </a:rPr>
-              <a:t>+</a:t>
-            </a:r>
-            <a:r>
-              <a:rPr lang="ko-KR" altLang="en-US" sz="1400">
-                <a:solidFill>
-                  <a:schemeClr val="tx1"/>
-                </a:solidFill>
-              </a:rPr>
-              <a:t> </a:t>
-            </a:r>
-            <a:r>
-              <a:rPr lang="en-US" altLang="ko-KR" sz="1400">
-                <a:solidFill>
-                  <a:schemeClr val="tx1"/>
-                </a:solidFill>
-              </a:rPr>
-              <a:t>/ -</a:t>
-            </a:r>
-            <a:r>
-              <a:rPr lang="ko-KR" altLang="en-US" sz="1400">
-                <a:solidFill>
-                  <a:schemeClr val="tx1"/>
-                </a:solidFill>
-              </a:rPr>
-              <a:t> </a:t>
-            </a:r>
-            <a:r>
-              <a:rPr lang="en-US" altLang="ko-KR" sz="1400">
-                <a:solidFill>
-                  <a:schemeClr val="tx1"/>
-                </a:solidFill>
-              </a:rPr>
-              <a:t>: 5</a:t>
-            </a:r>
-            <a:r>
-              <a:rPr lang="ko-KR" altLang="en-US" sz="1400">
-                <a:solidFill>
-                  <a:schemeClr val="tx1"/>
-                </a:solidFill>
-              </a:rPr>
-              <a:t>번</a:t>
-            </a:r>
-            <a:endParaRPr lang="en-US" altLang="ko-KR" sz="1400">
-              <a:solidFill>
-                <a:schemeClr val="tx1"/>
-              </a:solidFill>
-            </a:endParaRPr>
-          </a:p>
-          <a:p>
-            <a:pPr marL="285750" indent="-285750">
-              <a:buFont typeface="Arial" panose="020B0604020202020204" pitchFamily="34" charset="0"/>
-              <a:buChar char="•"/>
-            </a:pPr>
-            <a:r>
-              <a:rPr lang="ko-KR" altLang="en-US" sz="1400" b="1">
-                <a:solidFill>
-                  <a:schemeClr val="tx1"/>
-                </a:solidFill>
-              </a:rPr>
-              <a:t>되살리기</a:t>
-            </a:r>
-            <a:r>
-              <a:rPr lang="ko-KR" altLang="en-US" sz="1400">
-                <a:solidFill>
-                  <a:schemeClr val="tx1"/>
-                </a:solidFill>
-              </a:rPr>
-              <a:t> </a:t>
-            </a:r>
-            <a:r>
-              <a:rPr lang="en-US" altLang="ko-KR" sz="1400">
-                <a:solidFill>
-                  <a:schemeClr val="tx1"/>
-                </a:solidFill>
-              </a:rPr>
-              <a:t>(Ctrl+Y)</a:t>
-            </a:r>
-          </a:p>
-          <a:p>
-            <a:pPr marL="742950" lvl="1" indent="-285750">
-              <a:buFont typeface="Arial" panose="020B0604020202020204" pitchFamily="34" charset="0"/>
-              <a:buChar char="•"/>
-            </a:pPr>
-            <a:r>
-              <a:rPr lang="en-US" altLang="ko-KR" sz="1400">
-                <a:solidFill>
-                  <a:schemeClr val="tx1"/>
-                </a:solidFill>
-              </a:rPr>
-              <a:t>+ / - : 5</a:t>
-            </a:r>
-            <a:r>
-              <a:rPr lang="ko-KR" altLang="en-US" sz="1400">
-                <a:solidFill>
-                  <a:schemeClr val="tx1"/>
-                </a:solidFill>
-              </a:rPr>
-              <a:t>번</a:t>
-            </a:r>
-            <a:endParaRPr lang="en-US" altLang="ko-KR" sz="1400">
-              <a:solidFill>
-                <a:schemeClr val="tx1"/>
-              </a:solidFill>
-            </a:endParaRPr>
-          </a:p>
-          <a:p>
-            <a:pPr marL="285750" indent="-285750">
-              <a:buFont typeface="Arial" panose="020B0604020202020204" pitchFamily="34" charset="0"/>
-              <a:buChar char="•"/>
-            </a:pPr>
-            <a:endParaRPr lang="ko-KR" altLang="en-US" sz="1400">
-              <a:solidFill>
-                <a:schemeClr val="tx1"/>
-              </a:solidFill>
-            </a:endParaRPr>
+            <a:pPr algn="ctr"/>
+            <a:r>
+              <a:rPr lang="en-US" altLang="ko-KR" sz="2400" b="1" dirty="0"/>
+              <a:t>App</a:t>
+            </a:r>
+            <a:endParaRPr lang="ko-KR" altLang="en-US" sz="2400" b="1" dirty="0"/>
           </a:p>
         </p:txBody>
       </p:sp>
     </p:spTree>
     <p:extLst>
       <p:ext uri="{BB962C8B-B14F-4D97-AF65-F5344CB8AC3E}">
-        <p14:creationId xmlns:p14="http://schemas.microsoft.com/office/powerpoint/2010/main" val="4205579320"/>
+        <p14:creationId xmlns:p14="http://schemas.microsoft.com/office/powerpoint/2010/main" val="2678460618"/>
       </p:ext>
     </p:extLst>
   </p:cSld>
@@ -11323,678 +11295,6 @@
       </p:sp>
       <p:sp>
         <p:nvSpPr>
-          <p:cNvPr id="4" name="바닥글 개체 틀 3"/>
-          <p:cNvSpPr>
-            <a:spLocks noGrp="1"/>
-          </p:cNvSpPr>
-          <p:nvPr>
-            <p:ph type="ftr" sz="quarter" idx="11"/>
-          </p:nvPr>
-        </p:nvSpPr>
-        <p:spPr/>
-        <p:txBody>
-          <a:bodyPr/>
-          <a:lstStyle/>
-          <a:p>
-            <a:r>
-              <a:rPr lang="ko-KR" altLang="en-US"/>
-              <a:t>종합설계</a:t>
-            </a:r>
-            <a:r>
-              <a:rPr lang="en-US" altLang="ko-KR"/>
-              <a:t>-</a:t>
-            </a:r>
-            <a:r>
-              <a:rPr lang="ko-KR" altLang="en-US"/>
-              <a:t>세션</a:t>
-            </a:r>
-            <a:r>
-              <a:rPr lang="en-US" altLang="ko-KR"/>
-              <a:t>1</a:t>
-            </a:r>
-            <a:endParaRPr lang="ko-KR" altLang="en-US"/>
-          </a:p>
-        </p:txBody>
-      </p:sp>
-      <p:sp>
-        <p:nvSpPr>
-          <p:cNvPr id="5" name="슬라이드 번호 개체 틀 4"/>
-          <p:cNvSpPr>
-            <a:spLocks noGrp="1"/>
-          </p:cNvSpPr>
-          <p:nvPr>
-            <p:ph type="sldNum" sz="quarter" idx="12"/>
-          </p:nvPr>
-        </p:nvSpPr>
-        <p:spPr/>
-        <p:txBody>
-          <a:bodyPr/>
-          <a:lstStyle/>
-          <a:p>
-            <a:fld id="{AE3C5E8D-A75B-42AE-BF89-0851C0BAE761}" type="slidenum">
-              <a:rPr lang="ko-KR" altLang="en-US" smtClean="0"/>
-              <a:t>16</a:t>
-            </a:fld>
-            <a:endParaRPr lang="ko-KR" altLang="en-US"/>
-          </a:p>
-        </p:txBody>
-      </p:sp>
-      <p:sp>
-        <p:nvSpPr>
-          <p:cNvPr id="10" name="내용 개체 틀 9"/>
-          <p:cNvSpPr>
-            <a:spLocks noGrp="1"/>
-          </p:cNvSpPr>
-          <p:nvPr>
-            <p:ph idx="1"/>
-          </p:nvPr>
-        </p:nvSpPr>
-        <p:spPr>
-          <a:xfrm>
-            <a:off x="1958102" y="2049948"/>
-            <a:ext cx="8525171" cy="4023360"/>
-          </a:xfrm>
-        </p:spPr>
-        <p:txBody>
-          <a:bodyPr>
-            <a:normAutofit/>
-          </a:bodyPr>
-          <a:lstStyle/>
-          <a:p>
-            <a:pPr marL="0" indent="0">
-              <a:buNone/>
-            </a:pPr>
-            <a:r>
-              <a:rPr lang="ko-KR" altLang="en-US" sz="2400" b="1">
-                <a:solidFill>
-                  <a:srgbClr val="63A537"/>
-                </a:solidFill>
-                <a:latin typeface="Batang" panose="02030600000101010101" pitchFamily="18" charset="-127"/>
-                <a:ea typeface="Batang" panose="02030600000101010101" pitchFamily="18" charset="-127"/>
-              </a:rPr>
-              <a:t>☞ </a:t>
-            </a:r>
-            <a:r>
-              <a:rPr lang="ko-KR" altLang="en-US" sz="2400" b="1">
-                <a:solidFill>
-                  <a:srgbClr val="63A537"/>
-                </a:solidFill>
-              </a:rPr>
-              <a:t>개발 완료한 기능 </a:t>
-            </a:r>
-            <a:r>
-              <a:rPr lang="en-US" altLang="ko-KR" sz="2400" b="1">
-                <a:solidFill>
-                  <a:schemeClr val="tx1"/>
-                </a:solidFill>
-              </a:rPr>
-              <a:t>(</a:t>
-            </a:r>
-            <a:r>
-              <a:rPr lang="ko-KR" altLang="en-US" sz="2400" b="1">
-                <a:solidFill>
-                  <a:schemeClr val="tx1"/>
-                </a:solidFill>
-              </a:rPr>
-              <a:t>앱</a:t>
-            </a:r>
-            <a:r>
-              <a:rPr lang="en-US" altLang="ko-KR" sz="2400" b="1">
-                <a:solidFill>
-                  <a:schemeClr val="tx1"/>
-                </a:solidFill>
-              </a:rPr>
-              <a:t>)</a:t>
-            </a:r>
-          </a:p>
-        </p:txBody>
-      </p:sp>
-      <p:sp>
-        <p:nvSpPr>
-          <p:cNvPr id="6" name="TextBox 5"/>
-          <p:cNvSpPr txBox="1"/>
-          <p:nvPr/>
-        </p:nvSpPr>
-        <p:spPr>
-          <a:xfrm>
-            <a:off x="2290818" y="2541014"/>
-            <a:ext cx="3293726" cy="2862322"/>
-          </a:xfrm>
-          <a:prstGeom prst="rect">
-            <a:avLst/>
-          </a:prstGeom>
-          <a:noFill/>
-        </p:spPr>
-        <p:txBody>
-          <a:bodyPr wrap="square" rtlCol="0">
-            <a:spAutoFit/>
-          </a:bodyPr>
-          <a:lstStyle/>
-          <a:p>
-            <a:r>
-              <a:rPr lang="en-US" altLang="ko-KR"/>
-              <a:t>* </a:t>
-            </a:r>
-            <a:r>
-              <a:rPr lang="ko-KR" altLang="en-US"/>
-              <a:t>시각장애인 접근성 지침 적용</a:t>
-            </a:r>
-            <a:endParaRPr lang="en-US" altLang="ko-KR"/>
-          </a:p>
-          <a:p>
-            <a:r>
-              <a:rPr lang="en-US" altLang="ko-KR"/>
-              <a:t>* E-Book </a:t>
-            </a:r>
-            <a:r>
-              <a:rPr lang="ko-KR" altLang="en-US"/>
-              <a:t>불러오기</a:t>
-            </a:r>
-            <a:endParaRPr lang="en-US" altLang="ko-KR"/>
-          </a:p>
-          <a:p>
-            <a:r>
-              <a:rPr lang="en-US" altLang="ko-KR"/>
-              <a:t>  - </a:t>
-            </a:r>
-            <a:r>
-              <a:rPr lang="ko-KR" altLang="en-US"/>
-              <a:t>웹으로부터 파싱</a:t>
-            </a:r>
-            <a:endParaRPr lang="en-US" altLang="ko-KR"/>
-          </a:p>
-          <a:p>
-            <a:r>
-              <a:rPr lang="en-US" altLang="ko-KR"/>
-              <a:t>* E-Book </a:t>
-            </a:r>
-            <a:r>
-              <a:rPr lang="ko-KR" altLang="en-US"/>
-              <a:t>열기</a:t>
-            </a:r>
-            <a:endParaRPr lang="en-US" altLang="ko-KR"/>
-          </a:p>
-          <a:p>
-            <a:r>
-              <a:rPr lang="en-US" altLang="ko-KR"/>
-              <a:t>  - Epublib </a:t>
-            </a:r>
-            <a:r>
-              <a:rPr lang="ko-KR" altLang="en-US"/>
-              <a:t>사용</a:t>
-            </a:r>
-            <a:endParaRPr lang="en-US" altLang="ko-KR"/>
-          </a:p>
-          <a:p>
-            <a:r>
-              <a:rPr lang="en-US" altLang="ko-KR"/>
-              <a:t>* E-Book TTS</a:t>
-            </a:r>
-          </a:p>
-          <a:p>
-            <a:r>
-              <a:rPr lang="en-US" altLang="ko-KR"/>
-              <a:t>  - Epublib </a:t>
-            </a:r>
-            <a:r>
-              <a:rPr lang="ko-KR" altLang="en-US"/>
-              <a:t>사용</a:t>
-            </a:r>
-            <a:endParaRPr lang="en-US" altLang="ko-KR"/>
-          </a:p>
-          <a:p>
-            <a:r>
-              <a:rPr lang="en-US" altLang="ko-KR"/>
-              <a:t>* E-Book STT</a:t>
-            </a:r>
-          </a:p>
-          <a:p>
-            <a:r>
-              <a:rPr lang="en-US" altLang="ko-KR"/>
-              <a:t>  - Google’s STT </a:t>
-            </a:r>
-            <a:r>
-              <a:rPr lang="ko-KR" altLang="en-US"/>
-              <a:t>사용</a:t>
-            </a:r>
-            <a:endParaRPr lang="en-US" altLang="ko-KR"/>
-          </a:p>
-          <a:p>
-            <a:r>
-              <a:rPr lang="en-US" altLang="ko-KR"/>
-              <a:t>* </a:t>
-            </a:r>
-            <a:r>
-              <a:rPr lang="ko-KR" altLang="en-US"/>
-              <a:t>블루투스 연결</a:t>
-            </a:r>
-          </a:p>
-        </p:txBody>
-      </p:sp>
-    </p:spTree>
-    <p:extLst>
-      <p:ext uri="{BB962C8B-B14F-4D97-AF65-F5344CB8AC3E}">
-        <p14:creationId xmlns:p14="http://schemas.microsoft.com/office/powerpoint/2010/main" val="1144795962"/>
-      </p:ext>
-    </p:extLst>
-  </p:cSld>
-  <p:clrMapOvr>
-    <a:masterClrMapping/>
-  </p:clrMapOvr>
-</p:sld>
-</file>
-
-<file path=ppt/slides/slide17.xml><?xml version="1.0" encoding="utf-8"?>
-<p:sld xmlns:a="http://schemas.openxmlformats.org/drawingml/2006/main" xmlns:r="http://schemas.openxmlformats.org/officeDocument/2006/relationships" xmlns:p="http://schemas.openxmlformats.org/presentationml/2006/main">
-  <p:cSld>
-    <p:spTree>
-      <p:nvGrpSpPr>
-        <p:cNvPr id="1" name=""/>
-        <p:cNvGrpSpPr/>
-        <p:nvPr/>
-      </p:nvGrpSpPr>
-      <p:grpSpPr>
-        <a:xfrm>
-          <a:off x="0" y="0"/>
-          <a:ext cx="0" cy="0"/>
-          <a:chOff x="0" y="0"/>
-          <a:chExt cx="0" cy="0"/>
-        </a:xfrm>
-      </p:grpSpPr>
-      <p:sp>
-        <p:nvSpPr>
-          <p:cNvPr id="2" name="제목 1"/>
-          <p:cNvSpPr>
-            <a:spLocks noGrp="1"/>
-          </p:cNvSpPr>
-          <p:nvPr>
-            <p:ph type="title"/>
-          </p:nvPr>
-        </p:nvSpPr>
-        <p:spPr/>
-        <p:txBody>
-          <a:bodyPr>
-            <a:normAutofit/>
-          </a:bodyPr>
-          <a:lstStyle/>
-          <a:p>
-            <a:pPr algn="ctr"/>
-            <a:r>
-              <a:rPr lang="ko-KR" altLang="en-US" sz="4400"/>
-              <a:t>개발 현황</a:t>
-            </a:r>
-          </a:p>
-        </p:txBody>
-      </p:sp>
-      <p:sp>
-        <p:nvSpPr>
-          <p:cNvPr id="4" name="바닥글 개체 틀 3"/>
-          <p:cNvSpPr>
-            <a:spLocks noGrp="1"/>
-          </p:cNvSpPr>
-          <p:nvPr>
-            <p:ph type="ftr" sz="quarter" idx="11"/>
-          </p:nvPr>
-        </p:nvSpPr>
-        <p:spPr/>
-        <p:txBody>
-          <a:bodyPr/>
-          <a:lstStyle/>
-          <a:p>
-            <a:r>
-              <a:rPr lang="ko-KR" altLang="en-US"/>
-              <a:t>종합설계</a:t>
-            </a:r>
-            <a:r>
-              <a:rPr lang="en-US" altLang="ko-KR"/>
-              <a:t>-</a:t>
-            </a:r>
-            <a:r>
-              <a:rPr lang="ko-KR" altLang="en-US"/>
-              <a:t>세션</a:t>
-            </a:r>
-            <a:r>
-              <a:rPr lang="en-US" altLang="ko-KR"/>
-              <a:t>1</a:t>
-            </a:r>
-            <a:endParaRPr lang="ko-KR" altLang="en-US"/>
-          </a:p>
-        </p:txBody>
-      </p:sp>
-      <p:sp>
-        <p:nvSpPr>
-          <p:cNvPr id="5" name="슬라이드 번호 개체 틀 4"/>
-          <p:cNvSpPr>
-            <a:spLocks noGrp="1"/>
-          </p:cNvSpPr>
-          <p:nvPr>
-            <p:ph type="sldNum" sz="quarter" idx="12"/>
-          </p:nvPr>
-        </p:nvSpPr>
-        <p:spPr/>
-        <p:txBody>
-          <a:bodyPr/>
-          <a:lstStyle/>
-          <a:p>
-            <a:fld id="{AE3C5E8D-A75B-42AE-BF89-0851C0BAE761}" type="slidenum">
-              <a:rPr lang="ko-KR" altLang="en-US" smtClean="0"/>
-              <a:t>17</a:t>
-            </a:fld>
-            <a:endParaRPr lang="ko-KR" altLang="en-US"/>
-          </a:p>
-        </p:txBody>
-      </p:sp>
-      <p:sp>
-        <p:nvSpPr>
-          <p:cNvPr id="10" name="내용 개체 틀 9"/>
-          <p:cNvSpPr>
-            <a:spLocks noGrp="1"/>
-          </p:cNvSpPr>
-          <p:nvPr>
-            <p:ph idx="1"/>
-          </p:nvPr>
-        </p:nvSpPr>
-        <p:spPr>
-          <a:xfrm>
-            <a:off x="1958102" y="2049948"/>
-            <a:ext cx="8525171" cy="4023360"/>
-          </a:xfrm>
-        </p:spPr>
-        <p:txBody>
-          <a:bodyPr>
-            <a:normAutofit/>
-          </a:bodyPr>
-          <a:lstStyle/>
-          <a:p>
-            <a:pPr marL="0" indent="0">
-              <a:buNone/>
-            </a:pPr>
-            <a:r>
-              <a:rPr lang="ko-KR" altLang="en-US" sz="2400" b="1">
-                <a:solidFill>
-                  <a:srgbClr val="63A537"/>
-                </a:solidFill>
-                <a:latin typeface="Batang" panose="02030600000101010101" pitchFamily="18" charset="-127"/>
-                <a:ea typeface="Batang" panose="02030600000101010101" pitchFamily="18" charset="-127"/>
-              </a:rPr>
-              <a:t>☞ </a:t>
-            </a:r>
-            <a:r>
-              <a:rPr lang="ko-KR" altLang="en-US" sz="2400" b="1">
-                <a:solidFill>
-                  <a:srgbClr val="63A537"/>
-                </a:solidFill>
-              </a:rPr>
-              <a:t>개발할 기능 </a:t>
-            </a:r>
-            <a:r>
-              <a:rPr lang="en-US" altLang="ko-KR" sz="2400" b="1">
-                <a:solidFill>
-                  <a:schemeClr val="tx1"/>
-                </a:solidFill>
-              </a:rPr>
-              <a:t>(</a:t>
-            </a:r>
-            <a:r>
-              <a:rPr lang="ko-KR" altLang="en-US" sz="2400" b="1">
-                <a:solidFill>
-                  <a:schemeClr val="tx1"/>
-                </a:solidFill>
-              </a:rPr>
-              <a:t>앱</a:t>
-            </a:r>
-            <a:r>
-              <a:rPr lang="en-US" altLang="ko-KR" sz="2400" b="1">
-                <a:solidFill>
-                  <a:schemeClr val="tx1"/>
-                </a:solidFill>
-              </a:rPr>
-              <a:t>)</a:t>
-            </a:r>
-            <a:endParaRPr lang="en-US" altLang="ko-KR">
-              <a:solidFill>
-                <a:schemeClr val="tx1"/>
-              </a:solidFill>
-            </a:endParaRPr>
-          </a:p>
-          <a:p>
-            <a:pPr marL="0" indent="0">
-              <a:buNone/>
-            </a:pPr>
-            <a:r>
-              <a:rPr lang="en-US" altLang="ko-KR">
-                <a:solidFill>
-                  <a:schemeClr val="tx1"/>
-                </a:solidFill>
-              </a:rPr>
-              <a:t>     * STT </a:t>
-            </a:r>
-            <a:r>
-              <a:rPr lang="ko-KR" altLang="en-US">
-                <a:solidFill>
-                  <a:schemeClr val="tx1"/>
-                </a:solidFill>
-              </a:rPr>
-              <a:t>기능 보완</a:t>
-            </a:r>
-            <a:endParaRPr lang="en-US" altLang="ko-KR">
-              <a:solidFill>
-                <a:schemeClr val="tx1"/>
-              </a:solidFill>
-            </a:endParaRPr>
-          </a:p>
-          <a:p>
-            <a:pPr marL="0" indent="0">
-              <a:buNone/>
-            </a:pPr>
-            <a:r>
-              <a:rPr lang="en-US" altLang="ko-KR">
-                <a:solidFill>
-                  <a:schemeClr val="tx1"/>
-                </a:solidFill>
-              </a:rPr>
-              <a:t>     * </a:t>
-            </a:r>
-            <a:r>
-              <a:rPr lang="ko-KR" altLang="en-US">
-                <a:solidFill>
-                  <a:schemeClr val="tx1"/>
-                </a:solidFill>
-              </a:rPr>
-              <a:t>촉각그래픽 디스플레이 역할 테블릿에서 시각장애인 접근성 지침 적용</a:t>
-            </a:r>
-            <a:endParaRPr lang="en-US" altLang="ko-KR">
-              <a:solidFill>
-                <a:schemeClr val="tx1"/>
-              </a:solidFill>
-            </a:endParaRPr>
-          </a:p>
-          <a:p>
-            <a:pPr marL="0" indent="0">
-              <a:buNone/>
-            </a:pPr>
-            <a:r>
-              <a:rPr lang="en-US" altLang="ko-KR">
-                <a:solidFill>
-                  <a:schemeClr val="tx1"/>
-                </a:solidFill>
-              </a:rPr>
-              <a:t>     * </a:t>
-            </a:r>
-            <a:r>
-              <a:rPr lang="ko-KR" altLang="en-US">
-                <a:solidFill>
-                  <a:schemeClr val="tx1"/>
-                </a:solidFill>
-              </a:rPr>
-              <a:t>촉각그래픽 디스플레이 역할 테블릿에서 이미지 인지 기능 보완</a:t>
-            </a:r>
-            <a:endParaRPr lang="en-US" altLang="ko-KR">
-              <a:solidFill>
-                <a:schemeClr val="tx1"/>
-              </a:solidFill>
-            </a:endParaRPr>
-          </a:p>
-          <a:p>
-            <a:pPr marL="0" indent="0">
-              <a:buNone/>
-            </a:pPr>
-            <a:endParaRPr lang="en-US" altLang="ko-KR">
-              <a:solidFill>
-                <a:schemeClr val="tx1"/>
-              </a:solidFill>
-            </a:endParaRPr>
-          </a:p>
-          <a:p>
-            <a:pPr marL="0" indent="0">
-              <a:buNone/>
-            </a:pPr>
-            <a:r>
-              <a:rPr lang="ko-KR" altLang="en-US" sz="2400" b="1">
-                <a:solidFill>
-                  <a:srgbClr val="63A537"/>
-                </a:solidFill>
-                <a:latin typeface="Batang" panose="02030600000101010101" pitchFamily="18" charset="-127"/>
-                <a:ea typeface="Batang" panose="02030600000101010101" pitchFamily="18" charset="-127"/>
-              </a:rPr>
-              <a:t>☞ </a:t>
-            </a:r>
-            <a:r>
-              <a:rPr lang="ko-KR" altLang="en-US" sz="2400" b="1">
-                <a:solidFill>
-                  <a:srgbClr val="63A537"/>
-                </a:solidFill>
-              </a:rPr>
-              <a:t>개발에서 제외할 기능 </a:t>
-            </a:r>
-            <a:r>
-              <a:rPr lang="en-US" altLang="ko-KR" sz="2400" b="1">
-                <a:solidFill>
-                  <a:schemeClr val="tx1"/>
-                </a:solidFill>
-              </a:rPr>
-              <a:t>(</a:t>
-            </a:r>
-            <a:r>
-              <a:rPr lang="ko-KR" altLang="en-US" sz="2400" b="1">
-                <a:solidFill>
-                  <a:schemeClr val="tx1"/>
-                </a:solidFill>
-              </a:rPr>
-              <a:t>앱</a:t>
-            </a:r>
-            <a:r>
-              <a:rPr lang="en-US" altLang="ko-KR" sz="2400" b="1">
-                <a:solidFill>
-                  <a:schemeClr val="tx1"/>
-                </a:solidFill>
-              </a:rPr>
-              <a:t>)</a:t>
-            </a:r>
-            <a:endParaRPr lang="en-US" altLang="ko-KR" sz="2400" b="1">
-              <a:solidFill>
-                <a:srgbClr val="63A537"/>
-              </a:solidFill>
-            </a:endParaRPr>
-          </a:p>
-          <a:p>
-            <a:pPr marL="0" indent="0">
-              <a:buNone/>
-            </a:pPr>
-            <a:r>
-              <a:rPr lang="ko-KR" altLang="en-US">
-                <a:solidFill>
-                  <a:schemeClr val="tx1"/>
-                </a:solidFill>
-              </a:rPr>
-              <a:t>     </a:t>
-            </a:r>
-            <a:r>
-              <a:rPr lang="en-US" altLang="ko-KR">
-                <a:solidFill>
-                  <a:schemeClr val="tx1"/>
-                </a:solidFill>
-              </a:rPr>
-              <a:t>* </a:t>
-            </a:r>
-            <a:r>
-              <a:rPr lang="ko-KR" altLang="en-US">
-                <a:solidFill>
-                  <a:schemeClr val="tx1"/>
-                </a:solidFill>
-              </a:rPr>
-              <a:t>이미지 저장 후 수정 불가</a:t>
-            </a:r>
-          </a:p>
-          <a:p>
-            <a:pPr marL="0" indent="0">
-              <a:buNone/>
-            </a:pPr>
-            <a:endParaRPr lang="en-US" altLang="ko-KR">
-              <a:solidFill>
-                <a:schemeClr val="tx1"/>
-              </a:solidFill>
-            </a:endParaRPr>
-          </a:p>
-        </p:txBody>
-      </p:sp>
-    </p:spTree>
-    <p:extLst>
-      <p:ext uri="{BB962C8B-B14F-4D97-AF65-F5344CB8AC3E}">
-        <p14:creationId xmlns:p14="http://schemas.microsoft.com/office/powerpoint/2010/main" val="2238752641"/>
-      </p:ext>
-    </p:extLst>
-  </p:cSld>
-  <p:clrMapOvr>
-    <a:masterClrMapping/>
-  </p:clrMapOvr>
-</p:sld>
-</file>
-
-<file path=ppt/slides/slide18.xml><?xml version="1.0" encoding="utf-8"?>
-<p:sld xmlns:a="http://schemas.openxmlformats.org/drawingml/2006/main" xmlns:r="http://schemas.openxmlformats.org/officeDocument/2006/relationships" xmlns:p="http://schemas.openxmlformats.org/presentationml/2006/main">
-  <p:cSld>
-    <p:spTree>
-      <p:nvGrpSpPr>
-        <p:cNvPr id="1" name=""/>
-        <p:cNvGrpSpPr/>
-        <p:nvPr/>
-      </p:nvGrpSpPr>
-      <p:grpSpPr>
-        <a:xfrm>
-          <a:off x="0" y="0"/>
-          <a:ext cx="0" cy="0"/>
-          <a:chOff x="0" y="0"/>
-          <a:chExt cx="0" cy="0"/>
-        </a:xfrm>
-      </p:grpSpPr>
-      <p:sp>
-        <p:nvSpPr>
-          <p:cNvPr id="2" name="제목 1"/>
-          <p:cNvSpPr>
-            <a:spLocks noGrp="1"/>
-          </p:cNvSpPr>
-          <p:nvPr>
-            <p:ph type="title"/>
-          </p:nvPr>
-        </p:nvSpPr>
-        <p:spPr/>
-        <p:txBody>
-          <a:bodyPr>
-            <a:normAutofit/>
-          </a:bodyPr>
-          <a:lstStyle/>
-          <a:p>
-            <a:pPr algn="ctr"/>
-            <a:r>
-              <a:rPr lang="ko-KR" altLang="en-US" sz="4400"/>
-              <a:t>개발 현황</a:t>
-            </a:r>
-          </a:p>
-        </p:txBody>
-      </p:sp>
-      <p:sp>
-        <p:nvSpPr>
           <p:cNvPr id="3" name="내용 개체 틀 2"/>
           <p:cNvSpPr>
             <a:spLocks noGrp="1"/>
@@ -12293,7 +11593,7 @@
           <a:p>
             <a:fld id="{AE3C5E8D-A75B-42AE-BF89-0851C0BAE761}" type="slidenum">
               <a:rPr lang="ko-KR" altLang="en-US" smtClean="0"/>
-              <a:t>18</a:t>
+              <a:t>16</a:t>
             </a:fld>
             <a:endParaRPr lang="ko-KR" altLang="en-US"/>
           </a:p>
@@ -12519,7 +11819,7 @@
 </p:sld>
 </file>
 
-<file path=ppt/slides/slide19.xml><?xml version="1.0" encoding="utf-8"?>
+<file path=ppt/slides/slide17.xml><?xml version="1.0" encoding="utf-8"?>
 <p:sld xmlns:a="http://schemas.openxmlformats.org/drawingml/2006/main" xmlns:r="http://schemas.openxmlformats.org/officeDocument/2006/relationships" xmlns:p="http://schemas.openxmlformats.org/presentationml/2006/main">
   <p:cSld>
     <p:spTree>
@@ -13246,7 +12546,7 @@
           <a:p>
             <a:fld id="{AE3C5E8D-A75B-42AE-BF89-0851C0BAE761}" type="slidenum">
               <a:rPr lang="ko-KR" altLang="en-US" smtClean="0"/>
-              <a:t>19</a:t>
+              <a:t>17</a:t>
             </a:fld>
             <a:endParaRPr lang="ko-KR" altLang="en-US"/>
           </a:p>
@@ -13265,331 +12565,7 @@
 </p:sld>
 </file>
 
-<file path=ppt/slides/slide2.xml><?xml version="1.0" encoding="utf-8"?>
-<p:sld xmlns:a="http://schemas.openxmlformats.org/drawingml/2006/main" xmlns:r="http://schemas.openxmlformats.org/officeDocument/2006/relationships" xmlns:p="http://schemas.openxmlformats.org/presentationml/2006/main">
-  <p:cSld>
-    <p:spTree>
-      <p:nvGrpSpPr>
-        <p:cNvPr id="1" name=""/>
-        <p:cNvGrpSpPr/>
-        <p:nvPr/>
-      </p:nvGrpSpPr>
-      <p:grpSpPr>
-        <a:xfrm>
-          <a:off x="0" y="0"/>
-          <a:ext cx="0" cy="0"/>
-          <a:chOff x="0" y="0"/>
-          <a:chExt cx="0" cy="0"/>
-        </a:xfrm>
-      </p:grpSpPr>
-      <p:sp>
-        <p:nvSpPr>
-          <p:cNvPr id="2" name="제목 1"/>
-          <p:cNvSpPr>
-            <a:spLocks noGrp="1"/>
-          </p:cNvSpPr>
-          <p:nvPr>
-            <p:ph type="title"/>
-          </p:nvPr>
-        </p:nvSpPr>
-        <p:spPr/>
-        <p:txBody>
-          <a:bodyPr>
-            <a:normAutofit/>
-          </a:bodyPr>
-          <a:lstStyle/>
-          <a:p>
-            <a:pPr algn="ctr"/>
-            <a:r>
-              <a:rPr lang="ko-KR" altLang="en-US" sz="4400"/>
-              <a:t>차례</a:t>
-            </a:r>
-          </a:p>
-        </p:txBody>
-      </p:sp>
-      <p:sp>
-        <p:nvSpPr>
-          <p:cNvPr id="3" name="내용 개체 틀 2"/>
-          <p:cNvSpPr>
-            <a:spLocks noGrp="1"/>
-          </p:cNvSpPr>
-          <p:nvPr>
-            <p:ph idx="1"/>
-          </p:nvPr>
-        </p:nvSpPr>
-        <p:spPr>
-          <a:xfrm>
-            <a:off x="1958104" y="2049948"/>
-            <a:ext cx="8525169" cy="4023360"/>
-          </a:xfrm>
-        </p:spPr>
-        <p:txBody>
-          <a:bodyPr>
-            <a:normAutofit/>
-          </a:bodyPr>
-          <a:lstStyle/>
-          <a:p>
-            <a:pPr marL="0" indent="0">
-              <a:buNone/>
-            </a:pPr>
-            <a:r>
-              <a:rPr lang="ko-KR" altLang="en-US" b="1">
-                <a:solidFill>
-                  <a:srgbClr val="63A537"/>
-                </a:solidFill>
-                <a:latin typeface="Batang" panose="02030600000101010101" pitchFamily="18" charset="-127"/>
-                <a:ea typeface="Batang" panose="02030600000101010101" pitchFamily="18" charset="-127"/>
-              </a:rPr>
-              <a:t>  ☞ </a:t>
-            </a:r>
-            <a:r>
-              <a:rPr lang="ko-KR" altLang="en-US"/>
-              <a:t>종합설계 개요</a:t>
-            </a:r>
-            <a:endParaRPr lang="en-US" altLang="ko-KR"/>
-          </a:p>
-          <a:p>
-            <a:pPr marL="0" indent="0">
-              <a:buNone/>
-            </a:pPr>
-            <a:r>
-              <a:rPr lang="ko-KR" altLang="en-US"/>
-              <a:t>         </a:t>
-            </a:r>
-            <a:r>
-              <a:rPr lang="ko-KR" altLang="en-US" b="1">
-                <a:solidFill>
-                  <a:srgbClr val="63A537"/>
-                </a:solidFill>
-                <a:latin typeface="Batang" panose="02030600000101010101" pitchFamily="18" charset="-127"/>
-                <a:ea typeface="Batang" panose="02030600000101010101" pitchFamily="18" charset="-127"/>
-              </a:rPr>
-              <a:t>☞ </a:t>
-            </a:r>
-            <a:r>
-              <a:rPr lang="ko-KR" altLang="en-US"/>
-              <a:t>시스템 구성도</a:t>
-            </a:r>
-            <a:endParaRPr lang="en-US" altLang="ko-KR"/>
-          </a:p>
-          <a:p>
-            <a:pPr marL="0" indent="0">
-              <a:buNone/>
-            </a:pPr>
-            <a:r>
-              <a:rPr lang="ko-KR" altLang="en-US"/>
-              <a:t>               </a:t>
-            </a:r>
-            <a:r>
-              <a:rPr lang="ko-KR" altLang="en-US" b="1">
-                <a:solidFill>
-                  <a:srgbClr val="63A537"/>
-                </a:solidFill>
-                <a:latin typeface="Batang" panose="02030600000101010101" pitchFamily="18" charset="-127"/>
-                <a:ea typeface="Batang" panose="02030600000101010101" pitchFamily="18" charset="-127"/>
-              </a:rPr>
-              <a:t>☞ </a:t>
-            </a:r>
-            <a:r>
-              <a:rPr lang="ko-KR" altLang="en-US"/>
-              <a:t>시스템 수행 시나리오</a:t>
-            </a:r>
-            <a:endParaRPr lang="en-US" altLang="ko-KR"/>
-          </a:p>
-          <a:p>
-            <a:pPr marL="0" indent="0">
-              <a:buNone/>
-            </a:pPr>
-            <a:r>
-              <a:rPr lang="ko-KR" altLang="en-US"/>
-              <a:t>                     </a:t>
-            </a:r>
-            <a:r>
-              <a:rPr lang="ko-KR" altLang="en-US" b="1">
-                <a:solidFill>
-                  <a:srgbClr val="63A537"/>
-                </a:solidFill>
-                <a:latin typeface="Batang" panose="02030600000101010101" pitchFamily="18" charset="-127"/>
-                <a:ea typeface="Batang" panose="02030600000101010101" pitchFamily="18" charset="-127"/>
-              </a:rPr>
-              <a:t>☞ </a:t>
-            </a:r>
-            <a:r>
-              <a:rPr lang="ko-KR" altLang="en-US"/>
-              <a:t>개발 환경 및 개발 방법</a:t>
-            </a:r>
-            <a:endParaRPr lang="en-US" altLang="ko-KR"/>
-          </a:p>
-          <a:p>
-            <a:pPr marL="0" indent="0">
-              <a:buNone/>
-            </a:pPr>
-            <a:r>
-              <a:rPr lang="ko-KR" altLang="en-US"/>
-              <a:t>                           </a:t>
-            </a:r>
-            <a:r>
-              <a:rPr lang="ko-KR" altLang="en-US" b="1">
-                <a:solidFill>
-                  <a:srgbClr val="63A537"/>
-                </a:solidFill>
-                <a:latin typeface="Batang" panose="02030600000101010101" pitchFamily="18" charset="-127"/>
-                <a:ea typeface="Batang" panose="02030600000101010101" pitchFamily="18" charset="-127"/>
-              </a:rPr>
-              <a:t>☞ </a:t>
-            </a:r>
-            <a:r>
-              <a:rPr lang="ko-KR" altLang="en-US"/>
-              <a:t>개발 현황</a:t>
-            </a:r>
-            <a:endParaRPr lang="en-US" altLang="ko-KR"/>
-          </a:p>
-          <a:p>
-            <a:pPr marL="0" indent="0">
-              <a:buNone/>
-            </a:pPr>
-            <a:r>
-              <a:rPr lang="ko-KR" altLang="en-US"/>
-              <a:t>                                 </a:t>
-            </a:r>
-            <a:r>
-              <a:rPr lang="ko-KR" altLang="en-US" b="1">
-                <a:solidFill>
-                  <a:srgbClr val="63A537"/>
-                </a:solidFill>
-                <a:latin typeface="Batang" panose="02030600000101010101" pitchFamily="18" charset="-127"/>
-                <a:ea typeface="Batang" panose="02030600000101010101" pitchFamily="18" charset="-127"/>
-              </a:rPr>
-              <a:t>☞ </a:t>
-            </a:r>
-            <a:r>
-              <a:rPr lang="ko-KR" altLang="en-US"/>
-              <a:t>업무 분담</a:t>
-            </a:r>
-            <a:endParaRPr lang="en-US" altLang="ko-KR"/>
-          </a:p>
-          <a:p>
-            <a:pPr marL="0" indent="0">
-              <a:buNone/>
-            </a:pPr>
-            <a:r>
-              <a:rPr lang="ko-KR" altLang="en-US"/>
-              <a:t>                                       </a:t>
-            </a:r>
-            <a:r>
-              <a:rPr lang="ko-KR" altLang="en-US" b="1">
-                <a:solidFill>
-                  <a:srgbClr val="63A537"/>
-                </a:solidFill>
-                <a:latin typeface="Batang" panose="02030600000101010101" pitchFamily="18" charset="-127"/>
-                <a:ea typeface="Batang" panose="02030600000101010101" pitchFamily="18" charset="-127"/>
-              </a:rPr>
-              <a:t>☞ </a:t>
-            </a:r>
-            <a:r>
-              <a:rPr lang="ko-KR" altLang="en-US"/>
-              <a:t>종합 설계 수행 일정</a:t>
-            </a:r>
-            <a:endParaRPr lang="en-US" altLang="ko-KR"/>
-          </a:p>
-          <a:p>
-            <a:pPr marL="0" indent="0">
-              <a:buNone/>
-            </a:pPr>
-            <a:r>
-              <a:rPr lang="ko-KR" altLang="en-US"/>
-              <a:t>                                             </a:t>
-            </a:r>
-            <a:r>
-              <a:rPr lang="ko-KR" altLang="en-US" b="1">
-                <a:solidFill>
-                  <a:srgbClr val="63A537"/>
-                </a:solidFill>
-                <a:latin typeface="Batang" panose="02030600000101010101" pitchFamily="18" charset="-127"/>
-                <a:ea typeface="Batang" panose="02030600000101010101" pitchFamily="18" charset="-127"/>
-              </a:rPr>
-              <a:t>☞ </a:t>
-            </a:r>
-            <a:r>
-              <a:rPr lang="ko-KR" altLang="en-US"/>
-              <a:t>필요기술 및 참고문헌</a:t>
-            </a:r>
-            <a:endParaRPr lang="en-US" altLang="ko-KR"/>
-          </a:p>
-        </p:txBody>
-      </p:sp>
-      <p:sp>
-        <p:nvSpPr>
-          <p:cNvPr id="4" name="바닥글 개체 틀 3"/>
-          <p:cNvSpPr>
-            <a:spLocks noGrp="1"/>
-          </p:cNvSpPr>
-          <p:nvPr>
-            <p:ph type="ftr" sz="quarter" idx="11"/>
-          </p:nvPr>
-        </p:nvSpPr>
-        <p:spPr/>
-        <p:txBody>
-          <a:bodyPr/>
-          <a:lstStyle/>
-          <a:p>
-            <a:r>
-              <a:rPr lang="ko-KR" altLang="en-US"/>
-              <a:t>종합설계</a:t>
-            </a:r>
-            <a:r>
-              <a:rPr lang="en-US" altLang="ko-KR"/>
-              <a:t>-</a:t>
-            </a:r>
-            <a:r>
-              <a:rPr lang="ko-KR" altLang="en-US"/>
-              <a:t>세션</a:t>
-            </a:r>
-            <a:r>
-              <a:rPr lang="en-US" altLang="ko-KR"/>
-              <a:t>1</a:t>
-            </a:r>
-            <a:endParaRPr lang="ko-KR" altLang="en-US"/>
-          </a:p>
-        </p:txBody>
-      </p:sp>
-      <p:sp>
-        <p:nvSpPr>
-          <p:cNvPr id="5" name="슬라이드 번호 개체 틀 4"/>
-          <p:cNvSpPr>
-            <a:spLocks noGrp="1"/>
-          </p:cNvSpPr>
-          <p:nvPr>
-            <p:ph type="sldNum" sz="quarter" idx="12"/>
-          </p:nvPr>
-        </p:nvSpPr>
-        <p:spPr/>
-        <p:txBody>
-          <a:bodyPr/>
-          <a:lstStyle/>
-          <a:p>
-            <a:fld id="{AE3C5E8D-A75B-42AE-BF89-0851C0BAE761}" type="slidenum">
-              <a:rPr lang="ko-KR" altLang="en-US" smtClean="0"/>
-              <a:t>2</a:t>
-            </a:fld>
-            <a:endParaRPr lang="ko-KR" altLang="en-US"/>
-          </a:p>
-        </p:txBody>
-      </p:sp>
-    </p:spTree>
-    <p:extLst>
-      <p:ext uri="{BB962C8B-B14F-4D97-AF65-F5344CB8AC3E}">
-        <p14:creationId xmlns:p14="http://schemas.microsoft.com/office/powerpoint/2010/main" val="3511979926"/>
-      </p:ext>
-    </p:extLst>
-  </p:cSld>
-  <p:clrMapOvr>
-    <a:masterClrMapping/>
-  </p:clrMapOvr>
-</p:sld>
-</file>
-
-<file path=ppt/slides/slide20.xml><?xml version="1.0" encoding="utf-8"?>
+<file path=ppt/slides/slide18.xml><?xml version="1.0" encoding="utf-8"?>
 <p:sld xmlns:a="http://schemas.openxmlformats.org/drawingml/2006/main" xmlns:r="http://schemas.openxmlformats.org/officeDocument/2006/relationships" xmlns:p="http://schemas.openxmlformats.org/presentationml/2006/main">
   <p:cSld>
     <p:spTree>
@@ -15120,7 +14096,7 @@
           <a:p>
             <a:fld id="{AE3C5E8D-A75B-42AE-BF89-0851C0BAE761}" type="slidenum">
               <a:rPr lang="ko-KR" altLang="en-US" smtClean="0"/>
-              <a:t>20</a:t>
+              <a:t>18</a:t>
             </a:fld>
             <a:endParaRPr lang="ko-KR" altLang="en-US"/>
           </a:p>
@@ -15443,7 +14419,7 @@
 </p:sld>
 </file>
 
-<file path=ppt/slides/slide21.xml><?xml version="1.0" encoding="utf-8"?>
+<file path=ppt/slides/slide19.xml><?xml version="1.0" encoding="utf-8"?>
 <p:sld xmlns:a="http://schemas.openxmlformats.org/drawingml/2006/main" xmlns:r="http://schemas.openxmlformats.org/officeDocument/2006/relationships" xmlns:p="http://schemas.openxmlformats.org/presentationml/2006/main">
   <p:cSld>
     <p:spTree>
@@ -16057,7 +15033,7 @@
           <a:p>
             <a:fld id="{AE3C5E8D-A75B-42AE-BF89-0851C0BAE761}" type="slidenum">
               <a:rPr lang="ko-KR" altLang="en-US" smtClean="0"/>
-              <a:t>21</a:t>
+              <a:t>19</a:t>
             </a:fld>
             <a:endParaRPr lang="ko-KR" altLang="en-US"/>
           </a:p>
@@ -16067,6 +15043,330 @@
     <p:extLst>
       <p:ext uri="{BB962C8B-B14F-4D97-AF65-F5344CB8AC3E}">
         <p14:creationId xmlns:p14="http://schemas.microsoft.com/office/powerpoint/2010/main" val="2275976796"/>
+      </p:ext>
+    </p:extLst>
+  </p:cSld>
+  <p:clrMapOvr>
+    <a:masterClrMapping/>
+  </p:clrMapOvr>
+</p:sld>
+</file>
+
+<file path=ppt/slides/slide2.xml><?xml version="1.0" encoding="utf-8"?>
+<p:sld xmlns:a="http://schemas.openxmlformats.org/drawingml/2006/main" xmlns:r="http://schemas.openxmlformats.org/officeDocument/2006/relationships" xmlns:p="http://schemas.openxmlformats.org/presentationml/2006/main">
+  <p:cSld>
+    <p:spTree>
+      <p:nvGrpSpPr>
+        <p:cNvPr id="1" name=""/>
+        <p:cNvGrpSpPr/>
+        <p:nvPr/>
+      </p:nvGrpSpPr>
+      <p:grpSpPr>
+        <a:xfrm>
+          <a:off x="0" y="0"/>
+          <a:ext cx="0" cy="0"/>
+          <a:chOff x="0" y="0"/>
+          <a:chExt cx="0" cy="0"/>
+        </a:xfrm>
+      </p:grpSpPr>
+      <p:sp>
+        <p:nvSpPr>
+          <p:cNvPr id="2" name="제목 1"/>
+          <p:cNvSpPr>
+            <a:spLocks noGrp="1"/>
+          </p:cNvSpPr>
+          <p:nvPr>
+            <p:ph type="title"/>
+          </p:nvPr>
+        </p:nvSpPr>
+        <p:spPr/>
+        <p:txBody>
+          <a:bodyPr>
+            <a:normAutofit/>
+          </a:bodyPr>
+          <a:lstStyle/>
+          <a:p>
+            <a:pPr algn="ctr"/>
+            <a:r>
+              <a:rPr lang="ko-KR" altLang="en-US" sz="4400"/>
+              <a:t>차례</a:t>
+            </a:r>
+          </a:p>
+        </p:txBody>
+      </p:sp>
+      <p:sp>
+        <p:nvSpPr>
+          <p:cNvPr id="3" name="내용 개체 틀 2"/>
+          <p:cNvSpPr>
+            <a:spLocks noGrp="1"/>
+          </p:cNvSpPr>
+          <p:nvPr>
+            <p:ph idx="1"/>
+          </p:nvPr>
+        </p:nvSpPr>
+        <p:spPr>
+          <a:xfrm>
+            <a:off x="1958104" y="2049948"/>
+            <a:ext cx="8525169" cy="4023360"/>
+          </a:xfrm>
+        </p:spPr>
+        <p:txBody>
+          <a:bodyPr>
+            <a:normAutofit/>
+          </a:bodyPr>
+          <a:lstStyle/>
+          <a:p>
+            <a:pPr marL="0" indent="0">
+              <a:buNone/>
+            </a:pPr>
+            <a:r>
+              <a:rPr lang="ko-KR" altLang="en-US" b="1">
+                <a:solidFill>
+                  <a:srgbClr val="63A537"/>
+                </a:solidFill>
+                <a:latin typeface="Batang" panose="02030600000101010101" pitchFamily="18" charset="-127"/>
+                <a:ea typeface="Batang" panose="02030600000101010101" pitchFamily="18" charset="-127"/>
+              </a:rPr>
+              <a:t>  ☞ </a:t>
+            </a:r>
+            <a:r>
+              <a:rPr lang="ko-KR" altLang="en-US"/>
+              <a:t>종합설계 개요</a:t>
+            </a:r>
+            <a:endParaRPr lang="en-US" altLang="ko-KR"/>
+          </a:p>
+          <a:p>
+            <a:pPr marL="0" indent="0">
+              <a:buNone/>
+            </a:pPr>
+            <a:r>
+              <a:rPr lang="ko-KR" altLang="en-US"/>
+              <a:t>         </a:t>
+            </a:r>
+            <a:r>
+              <a:rPr lang="ko-KR" altLang="en-US" b="1">
+                <a:solidFill>
+                  <a:srgbClr val="63A537"/>
+                </a:solidFill>
+                <a:latin typeface="Batang" panose="02030600000101010101" pitchFamily="18" charset="-127"/>
+                <a:ea typeface="Batang" panose="02030600000101010101" pitchFamily="18" charset="-127"/>
+              </a:rPr>
+              <a:t>☞ </a:t>
+            </a:r>
+            <a:r>
+              <a:rPr lang="ko-KR" altLang="en-US"/>
+              <a:t>시스템 구성도</a:t>
+            </a:r>
+            <a:endParaRPr lang="en-US" altLang="ko-KR"/>
+          </a:p>
+          <a:p>
+            <a:pPr marL="0" indent="0">
+              <a:buNone/>
+            </a:pPr>
+            <a:r>
+              <a:rPr lang="ko-KR" altLang="en-US"/>
+              <a:t>               </a:t>
+            </a:r>
+            <a:r>
+              <a:rPr lang="ko-KR" altLang="en-US" b="1">
+                <a:solidFill>
+                  <a:srgbClr val="63A537"/>
+                </a:solidFill>
+                <a:latin typeface="Batang" panose="02030600000101010101" pitchFamily="18" charset="-127"/>
+                <a:ea typeface="Batang" panose="02030600000101010101" pitchFamily="18" charset="-127"/>
+              </a:rPr>
+              <a:t>☞ </a:t>
+            </a:r>
+            <a:r>
+              <a:rPr lang="ko-KR" altLang="en-US"/>
+              <a:t>시스템 수행 시나리오</a:t>
+            </a:r>
+            <a:endParaRPr lang="en-US" altLang="ko-KR"/>
+          </a:p>
+          <a:p>
+            <a:pPr marL="0" indent="0">
+              <a:buNone/>
+            </a:pPr>
+            <a:r>
+              <a:rPr lang="ko-KR" altLang="en-US"/>
+              <a:t>                     </a:t>
+            </a:r>
+            <a:r>
+              <a:rPr lang="ko-KR" altLang="en-US" b="1">
+                <a:solidFill>
+                  <a:srgbClr val="63A537"/>
+                </a:solidFill>
+                <a:latin typeface="Batang" panose="02030600000101010101" pitchFamily="18" charset="-127"/>
+                <a:ea typeface="Batang" panose="02030600000101010101" pitchFamily="18" charset="-127"/>
+              </a:rPr>
+              <a:t>☞ </a:t>
+            </a:r>
+            <a:r>
+              <a:rPr lang="ko-KR" altLang="en-US"/>
+              <a:t>개발 환경 및 개발 방법</a:t>
+            </a:r>
+            <a:endParaRPr lang="en-US" altLang="ko-KR"/>
+          </a:p>
+          <a:p>
+            <a:pPr marL="0" indent="0">
+              <a:buNone/>
+            </a:pPr>
+            <a:r>
+              <a:rPr lang="ko-KR" altLang="en-US"/>
+              <a:t>                           </a:t>
+            </a:r>
+            <a:r>
+              <a:rPr lang="ko-KR" altLang="en-US" b="1">
+                <a:solidFill>
+                  <a:srgbClr val="63A537"/>
+                </a:solidFill>
+                <a:latin typeface="Batang" panose="02030600000101010101" pitchFamily="18" charset="-127"/>
+                <a:ea typeface="Batang" panose="02030600000101010101" pitchFamily="18" charset="-127"/>
+              </a:rPr>
+              <a:t>☞ </a:t>
+            </a:r>
+            <a:r>
+              <a:rPr lang="ko-KR" altLang="en-US"/>
+              <a:t>개발 현황</a:t>
+            </a:r>
+            <a:endParaRPr lang="en-US" altLang="ko-KR"/>
+          </a:p>
+          <a:p>
+            <a:pPr marL="0" indent="0">
+              <a:buNone/>
+            </a:pPr>
+            <a:r>
+              <a:rPr lang="ko-KR" altLang="en-US"/>
+              <a:t>                                 </a:t>
+            </a:r>
+            <a:r>
+              <a:rPr lang="ko-KR" altLang="en-US" b="1">
+                <a:solidFill>
+                  <a:srgbClr val="63A537"/>
+                </a:solidFill>
+                <a:latin typeface="Batang" panose="02030600000101010101" pitchFamily="18" charset="-127"/>
+                <a:ea typeface="Batang" panose="02030600000101010101" pitchFamily="18" charset="-127"/>
+              </a:rPr>
+              <a:t>☞ </a:t>
+            </a:r>
+            <a:r>
+              <a:rPr lang="ko-KR" altLang="en-US"/>
+              <a:t>업무 분담</a:t>
+            </a:r>
+            <a:endParaRPr lang="en-US" altLang="ko-KR"/>
+          </a:p>
+          <a:p>
+            <a:pPr marL="0" indent="0">
+              <a:buNone/>
+            </a:pPr>
+            <a:r>
+              <a:rPr lang="ko-KR" altLang="en-US"/>
+              <a:t>                                       </a:t>
+            </a:r>
+            <a:r>
+              <a:rPr lang="ko-KR" altLang="en-US" b="1">
+                <a:solidFill>
+                  <a:srgbClr val="63A537"/>
+                </a:solidFill>
+                <a:latin typeface="Batang" panose="02030600000101010101" pitchFamily="18" charset="-127"/>
+                <a:ea typeface="Batang" panose="02030600000101010101" pitchFamily="18" charset="-127"/>
+              </a:rPr>
+              <a:t>☞ </a:t>
+            </a:r>
+            <a:r>
+              <a:rPr lang="ko-KR" altLang="en-US"/>
+              <a:t>종합 설계 수행 일정</a:t>
+            </a:r>
+            <a:endParaRPr lang="en-US" altLang="ko-KR"/>
+          </a:p>
+          <a:p>
+            <a:pPr marL="0" indent="0">
+              <a:buNone/>
+            </a:pPr>
+            <a:r>
+              <a:rPr lang="ko-KR" altLang="en-US"/>
+              <a:t>                                             </a:t>
+            </a:r>
+            <a:r>
+              <a:rPr lang="ko-KR" altLang="en-US" b="1">
+                <a:solidFill>
+                  <a:srgbClr val="63A537"/>
+                </a:solidFill>
+                <a:latin typeface="Batang" panose="02030600000101010101" pitchFamily="18" charset="-127"/>
+                <a:ea typeface="Batang" panose="02030600000101010101" pitchFamily="18" charset="-127"/>
+              </a:rPr>
+              <a:t>☞ </a:t>
+            </a:r>
+            <a:r>
+              <a:rPr lang="ko-KR" altLang="en-US"/>
+              <a:t>필요기술 및 참고문헌</a:t>
+            </a:r>
+            <a:endParaRPr lang="en-US" altLang="ko-KR"/>
+          </a:p>
+        </p:txBody>
+      </p:sp>
+      <p:sp>
+        <p:nvSpPr>
+          <p:cNvPr id="4" name="바닥글 개체 틀 3"/>
+          <p:cNvSpPr>
+            <a:spLocks noGrp="1"/>
+          </p:cNvSpPr>
+          <p:nvPr>
+            <p:ph type="ftr" sz="quarter" idx="11"/>
+          </p:nvPr>
+        </p:nvSpPr>
+        <p:spPr/>
+        <p:txBody>
+          <a:bodyPr/>
+          <a:lstStyle/>
+          <a:p>
+            <a:r>
+              <a:rPr lang="ko-KR" altLang="en-US"/>
+              <a:t>종합설계</a:t>
+            </a:r>
+            <a:r>
+              <a:rPr lang="en-US" altLang="ko-KR"/>
+              <a:t>-</a:t>
+            </a:r>
+            <a:r>
+              <a:rPr lang="ko-KR" altLang="en-US"/>
+              <a:t>세션</a:t>
+            </a:r>
+            <a:r>
+              <a:rPr lang="en-US" altLang="ko-KR"/>
+              <a:t>1</a:t>
+            </a:r>
+            <a:endParaRPr lang="ko-KR" altLang="en-US"/>
+          </a:p>
+        </p:txBody>
+      </p:sp>
+      <p:sp>
+        <p:nvSpPr>
+          <p:cNvPr id="5" name="슬라이드 번호 개체 틀 4"/>
+          <p:cNvSpPr>
+            <a:spLocks noGrp="1"/>
+          </p:cNvSpPr>
+          <p:nvPr>
+            <p:ph type="sldNum" sz="quarter" idx="12"/>
+          </p:nvPr>
+        </p:nvSpPr>
+        <p:spPr/>
+        <p:txBody>
+          <a:bodyPr/>
+          <a:lstStyle/>
+          <a:p>
+            <a:fld id="{AE3C5E8D-A75B-42AE-BF89-0851C0BAE761}" type="slidenum">
+              <a:rPr lang="ko-KR" altLang="en-US" smtClean="0"/>
+              <a:t>2</a:t>
+            </a:fld>
+            <a:endParaRPr lang="ko-KR" altLang="en-US"/>
+          </a:p>
+        </p:txBody>
+      </p:sp>
+    </p:spTree>
+    <p:extLst>
+      <p:ext uri="{BB962C8B-B14F-4D97-AF65-F5344CB8AC3E}">
+        <p14:creationId xmlns:p14="http://schemas.microsoft.com/office/powerpoint/2010/main" val="3511979926"/>
       </p:ext>
     </p:extLst>
   </p:cSld>
@@ -17196,10 +16496,10 @@
           <a:p>
             <a:pPr algn="ctr"/>
             <a:r>
-              <a:rPr lang="en-US" altLang="ko-KR" sz="2400" b="1"/>
+              <a:rPr lang="en-US" altLang="ko-KR" sz="2400" b="1" dirty="0"/>
               <a:t>Tool</a:t>
             </a:r>
-            <a:endParaRPr lang="ko-KR" altLang="en-US" sz="2400" b="1"/>
+            <a:endParaRPr lang="ko-KR" altLang="en-US" sz="2400" b="1" dirty="0"/>
           </a:p>
         </p:txBody>
       </p:sp>
@@ -17666,10 +16966,10 @@
           <a:p>
             <a:pPr algn="ctr"/>
             <a:r>
-              <a:rPr lang="en-US" altLang="ko-KR" sz="2400" b="1"/>
+              <a:rPr lang="en-US" altLang="ko-KR" sz="2400" b="1" dirty="0"/>
               <a:t>Tool</a:t>
             </a:r>
-            <a:endParaRPr lang="ko-KR" altLang="en-US" sz="2400" b="1"/>
+            <a:endParaRPr lang="ko-KR" altLang="en-US" sz="2400" b="1" dirty="0"/>
           </a:p>
         </p:txBody>
       </p:sp>
@@ -17772,63 +17072,63 @@
               <a:buNone/>
             </a:pPr>
             <a:r>
-              <a:rPr lang="ko-KR" altLang="en-US"/>
+              <a:rPr lang="ko-KR" altLang="en-US" dirty="0"/>
               <a:t>시각장애인이 전자책을 읽다가 물체의 모양을 알고 싶은 단어를 발견했을 때</a:t>
             </a:r>
             <a:r>
-              <a:rPr lang="en-US" altLang="ko-KR"/>
+              <a:rPr lang="en-US" altLang="ko-KR" dirty="0"/>
               <a:t>, </a:t>
             </a:r>
             <a:r>
-              <a:rPr lang="ko-KR" altLang="en-US" b="1"/>
+              <a:rPr lang="ko-KR" altLang="en-US" b="1" dirty="0"/>
               <a:t>그 단어를 나타내는 물체의 이미지</a:t>
             </a:r>
             <a:r>
-              <a:rPr lang="ko-KR" altLang="en-US"/>
+              <a:rPr lang="ko-KR" altLang="en-US" dirty="0"/>
               <a:t>가 </a:t>
             </a:r>
             <a:r>
-              <a:rPr lang="ko-KR" altLang="en-US" b="1"/>
+              <a:rPr lang="ko-KR" altLang="en-US" b="1" dirty="0"/>
               <a:t>바로 촉각그래픽 디스플레이로 전송</a:t>
             </a:r>
             <a:r>
-              <a:rPr lang="ko-KR" altLang="en-US"/>
+              <a:rPr lang="ko-KR" altLang="en-US" dirty="0"/>
               <a:t>되어 쉽고 편리하게 </a:t>
             </a:r>
             <a:r>
-              <a:rPr lang="ko-KR" altLang="en-US" b="1"/>
+              <a:rPr lang="ko-KR" altLang="en-US" b="1" dirty="0"/>
               <a:t>물체 인지 학습 가능</a:t>
             </a:r>
-            <a:endParaRPr lang="en-US" altLang="ko-KR" b="1"/>
+            <a:endParaRPr lang="en-US" altLang="ko-KR" b="1" dirty="0"/>
           </a:p>
           <a:p>
             <a:pPr marL="201168" lvl="1" indent="0">
               <a:buNone/>
             </a:pPr>
-            <a:endParaRPr lang="en-US" altLang="ko-KR"/>
+            <a:endParaRPr lang="en-US" altLang="ko-KR" dirty="0"/>
           </a:p>
           <a:p>
             <a:pPr marL="201168" lvl="1"/>
             <a:r>
-              <a:rPr lang="ko-KR" altLang="en-US" b="1"/>
+              <a:rPr lang="ko-KR" altLang="en-US" b="1" dirty="0"/>
               <a:t>시각장애인 모바일 접근성 지침</a:t>
             </a:r>
             <a:r>
-              <a:rPr lang="ko-KR" altLang="en-US"/>
+              <a:rPr lang="ko-KR" altLang="en-US" dirty="0"/>
               <a:t>을 참고하여 앱을 개발하므로</a:t>
             </a:r>
             <a:r>
-              <a:rPr lang="en-US" altLang="ko-KR"/>
+              <a:rPr lang="en-US" altLang="ko-KR" dirty="0"/>
               <a:t> </a:t>
             </a:r>
           </a:p>
           <a:p>
             <a:pPr marL="201168" lvl="1"/>
             <a:r>
-              <a:rPr lang="ko-KR" altLang="en-US" b="1"/>
+              <a:rPr lang="ko-KR" altLang="en-US" b="1" dirty="0"/>
               <a:t>시각장애인이 편리하게 앱 이용 가능</a:t>
             </a:r>
-            <a:endParaRPr lang="en-US" altLang="ko-KR" b="1"/>
+            <a:endParaRPr lang="en-US" altLang="ko-KR" b="1" dirty="0"/>
           </a:p>
         </p:txBody>
       </p:sp>
